--- a/2024/2024-09-27-AI-Updates.pptx
+++ b/2024/2024-09-27-AI-Updates.pptx
@@ -5,7 +5,7 @@
     <p:sldMasterId id="2147483660" r:id="rId1"/>
   </p:sldMasterIdLst>
   <p:notesMasterIdLst>
-    <p:notesMasterId r:id="rId22"/>
+    <p:notesMasterId r:id="rId23"/>
   </p:notesMasterIdLst>
   <p:sldIdLst>
     <p:sldId id="256" r:id="rId2"/>
@@ -28,16 +28,17 @@
     <p:sldId id="273" r:id="rId19"/>
     <p:sldId id="274" r:id="rId20"/>
     <p:sldId id="275" r:id="rId21"/>
+    <p:sldId id="276" r:id="rId22"/>
   </p:sldIdLst>
   <p:sldSz cx="9144000" cy="5143500" type="screen16x9"/>
   <p:notesSz cx="6858000" cy="9144000"/>
   <p:embeddedFontLst>
     <p:embeddedFont>
       <p:font typeface="Roboto Mono" pitchFamily="49" charset="0"/>
-      <p:regular r:id="rId23"/>
-      <p:bold r:id="rId24"/>
-      <p:italic r:id="rId25"/>
-      <p:boldItalic r:id="rId26"/>
+      <p:regular r:id="rId24"/>
+      <p:bold r:id="rId25"/>
+      <p:italic r:id="rId26"/>
+      <p:boldItalic r:id="rId27"/>
     </p:embeddedFont>
   </p:embeddedFontLst>
   <p:defaultTextStyle>
@@ -978,7 +979,7 @@
   <p:cSld>
     <p:spTree>
       <p:nvGrpSpPr>
-        <p:cNvPr id="1" name="Shape 142"/>
+        <p:cNvPr id="1" name="Shape 141"/>
         <p:cNvGrpSpPr/>
         <p:nvPr/>
       </p:nvGrpSpPr>
@@ -992,7 +993,7 @@
       </p:grpSpPr>
       <p:sp>
         <p:nvSpPr>
-          <p:cNvPr id="143" name="Google Shape;143;g304ae139572_0_44:notes"/>
+          <p:cNvPr id="142" name="Google Shape;142;g304a8896bd9_3_0:notes"/>
           <p:cNvSpPr>
             <a:spLocks noGrp="1" noRot="1" noChangeAspect="1"/>
           </p:cNvSpPr>
@@ -1043,7 +1044,7 @@
       </p:sp>
       <p:sp>
         <p:nvSpPr>
-          <p:cNvPr id="144" name="Google Shape;144;g304ae139572_0_44:notes"/>
+          <p:cNvPr id="143" name="Google Shape;143;g304a8896bd9_3_0:notes"/>
           <p:cNvSpPr txBox="1">
             <a:spLocks noGrp="1"/>
           </p:cNvSpPr>
@@ -1100,7 +1101,7 @@
   <p:cSld>
     <p:spTree>
       <p:nvGrpSpPr>
-        <p:cNvPr id="1" name="Shape 149"/>
+        <p:cNvPr id="1" name="Shape 153"/>
         <p:cNvGrpSpPr/>
         <p:nvPr/>
       </p:nvGrpSpPr>
@@ -1114,7 +1115,7 @@
       </p:grpSpPr>
       <p:sp>
         <p:nvSpPr>
-          <p:cNvPr id="150" name="Google Shape;150;g304ae139572_0_70:notes"/>
+          <p:cNvPr id="154" name="Google Shape;154;g304ae139572_0_44:notes"/>
           <p:cNvSpPr>
             <a:spLocks noGrp="1" noRot="1" noChangeAspect="1"/>
           </p:cNvSpPr>
@@ -1165,7 +1166,7 @@
       </p:sp>
       <p:sp>
         <p:nvSpPr>
-          <p:cNvPr id="151" name="Google Shape;151;g304ae139572_0_70:notes"/>
+          <p:cNvPr id="155" name="Google Shape;155;g304ae139572_0_44:notes"/>
           <p:cNvSpPr txBox="1">
             <a:spLocks noGrp="1"/>
           </p:cNvSpPr>
@@ -1222,7 +1223,7 @@
   <p:cSld>
     <p:spTree>
       <p:nvGrpSpPr>
-        <p:cNvPr id="1" name="Shape 166"/>
+        <p:cNvPr id="1" name="Shape 160"/>
         <p:cNvGrpSpPr/>
         <p:nvPr/>
       </p:nvGrpSpPr>
@@ -1236,7 +1237,7 @@
       </p:grpSpPr>
       <p:sp>
         <p:nvSpPr>
-          <p:cNvPr id="167" name="Google Shape;167;g304ae139572_0_10:notes"/>
+          <p:cNvPr id="161" name="Google Shape;161;g304ae139572_0_70:notes"/>
           <p:cNvSpPr>
             <a:spLocks noGrp="1" noRot="1" noChangeAspect="1"/>
           </p:cNvSpPr>
@@ -1287,7 +1288,7 @@
       </p:sp>
       <p:sp>
         <p:nvSpPr>
-          <p:cNvPr id="168" name="Google Shape;168;g304ae139572_0_10:notes"/>
+          <p:cNvPr id="162" name="Google Shape;162;g304ae139572_0_70:notes"/>
           <p:cNvSpPr txBox="1">
             <a:spLocks noGrp="1"/>
           </p:cNvSpPr>
@@ -1344,7 +1345,7 @@
   <p:cSld>
     <p:spTree>
       <p:nvGrpSpPr>
-        <p:cNvPr id="1" name="Shape 173"/>
+        <p:cNvPr id="1" name="Shape 177"/>
         <p:cNvGrpSpPr/>
         <p:nvPr/>
       </p:nvGrpSpPr>
@@ -1358,7 +1359,7 @@
       </p:grpSpPr>
       <p:sp>
         <p:nvSpPr>
-          <p:cNvPr id="174" name="Google Shape;174;g305f7c02008_0_4:notes"/>
+          <p:cNvPr id="178" name="Google Shape;178;g304ae139572_0_10:notes"/>
           <p:cNvSpPr>
             <a:spLocks noGrp="1" noRot="1" noChangeAspect="1"/>
           </p:cNvSpPr>
@@ -1409,7 +1410,7 @@
       </p:sp>
       <p:sp>
         <p:nvSpPr>
-          <p:cNvPr id="175" name="Google Shape;175;g305f7c02008_0_4:notes"/>
+          <p:cNvPr id="179" name="Google Shape;179;g304ae139572_0_10:notes"/>
           <p:cNvSpPr txBox="1">
             <a:spLocks noGrp="1"/>
           </p:cNvSpPr>
@@ -1466,7 +1467,7 @@
   <p:cSld>
     <p:spTree>
       <p:nvGrpSpPr>
-        <p:cNvPr id="1" name="Shape 180"/>
+        <p:cNvPr id="1" name="Shape 184"/>
         <p:cNvGrpSpPr/>
         <p:nvPr/>
       </p:nvGrpSpPr>
@@ -1480,7 +1481,7 @@
       </p:grpSpPr>
       <p:sp>
         <p:nvSpPr>
-          <p:cNvPr id="181" name="Google Shape;181;g3049b430e1f_0_0:notes"/>
+          <p:cNvPr id="185" name="Google Shape;185;g305f7c02008_0_4:notes"/>
           <p:cNvSpPr>
             <a:spLocks noGrp="1" noRot="1" noChangeAspect="1"/>
           </p:cNvSpPr>
@@ -1531,7 +1532,7 @@
       </p:sp>
       <p:sp>
         <p:nvSpPr>
-          <p:cNvPr id="182" name="Google Shape;182;g3049b430e1f_0_0:notes"/>
+          <p:cNvPr id="186" name="Google Shape;186;g305f7c02008_0_4:notes"/>
           <p:cNvSpPr txBox="1">
             <a:spLocks noGrp="1"/>
           </p:cNvSpPr>
@@ -1588,7 +1589,7 @@
   <p:cSld>
     <p:spTree>
       <p:nvGrpSpPr>
-        <p:cNvPr id="1" name="Shape 193"/>
+        <p:cNvPr id="1" name="Shape 191"/>
         <p:cNvGrpSpPr/>
         <p:nvPr/>
       </p:nvGrpSpPr>
@@ -1602,7 +1603,7 @@
       </p:grpSpPr>
       <p:sp>
         <p:nvSpPr>
-          <p:cNvPr id="194" name="Google Shape;194;g2f03ac7ac9f_0_5:notes"/>
+          <p:cNvPr id="192" name="Google Shape;192;g3049b430e1f_0_0:notes"/>
           <p:cNvSpPr>
             <a:spLocks noGrp="1" noRot="1" noChangeAspect="1"/>
           </p:cNvSpPr>
@@ -1653,7 +1654,7 @@
       </p:sp>
       <p:sp>
         <p:nvSpPr>
-          <p:cNvPr id="195" name="Google Shape;195;g2f03ac7ac9f_0_5:notes"/>
+          <p:cNvPr id="193" name="Google Shape;193;g3049b430e1f_0_0:notes"/>
           <p:cNvSpPr txBox="1">
             <a:spLocks noGrp="1"/>
           </p:cNvSpPr>
@@ -1710,7 +1711,7 @@
   <p:cSld>
     <p:spTree>
       <p:nvGrpSpPr>
-        <p:cNvPr id="1" name="Shape 221"/>
+        <p:cNvPr id="1" name="Shape 204"/>
         <p:cNvGrpSpPr/>
         <p:nvPr/>
       </p:nvGrpSpPr>
@@ -1724,7 +1725,7 @@
       </p:grpSpPr>
       <p:sp>
         <p:nvSpPr>
-          <p:cNvPr id="222" name="Google Shape;222;g2f03ac7ac9f_0_17:notes"/>
+          <p:cNvPr id="205" name="Google Shape;205;g2f03ac7ac9f_0_5:notes"/>
           <p:cNvSpPr>
             <a:spLocks noGrp="1" noRot="1" noChangeAspect="1"/>
           </p:cNvSpPr>
@@ -1775,7 +1776,7 @@
       </p:sp>
       <p:sp>
         <p:nvSpPr>
-          <p:cNvPr id="223" name="Google Shape;223;g2f03ac7ac9f_0_17:notes"/>
+          <p:cNvPr id="206" name="Google Shape;206;g2f03ac7ac9f_0_5:notes"/>
           <p:cNvSpPr txBox="1">
             <a:spLocks noGrp="1"/>
           </p:cNvSpPr>
@@ -1832,7 +1833,7 @@
   <p:cSld>
     <p:spTree>
       <p:nvGrpSpPr>
-        <p:cNvPr id="1" name="Shape 248"/>
+        <p:cNvPr id="1" name="Shape 232"/>
         <p:cNvGrpSpPr/>
         <p:nvPr/>
       </p:nvGrpSpPr>
@@ -1846,7 +1847,7 @@
       </p:grpSpPr>
       <p:sp>
         <p:nvSpPr>
-          <p:cNvPr id="249" name="Google Shape;249;g305f7c02008_2_8:notes"/>
+          <p:cNvPr id="233" name="Google Shape;233;g2f03ac7ac9f_0_17:notes"/>
           <p:cNvSpPr>
             <a:spLocks noGrp="1" noRot="1" noChangeAspect="1"/>
           </p:cNvSpPr>
@@ -1897,7 +1898,7 @@
       </p:sp>
       <p:sp>
         <p:nvSpPr>
-          <p:cNvPr id="250" name="Google Shape;250;g305f7c02008_2_8:notes"/>
+          <p:cNvPr id="234" name="Google Shape;234;g2f03ac7ac9f_0_17:notes"/>
           <p:cNvSpPr txBox="1">
             <a:spLocks noGrp="1"/>
           </p:cNvSpPr>
@@ -1954,7 +1955,7 @@
   <p:cSld>
     <p:spTree>
       <p:nvGrpSpPr>
-        <p:cNvPr id="1" name="Shape 256"/>
+        <p:cNvPr id="1" name="Shape 259"/>
         <p:cNvGrpSpPr/>
         <p:nvPr/>
       </p:nvGrpSpPr>
@@ -1968,7 +1969,7 @@
       </p:grpSpPr>
       <p:sp>
         <p:nvSpPr>
-          <p:cNvPr id="257" name="Google Shape;257;g2f5a4c13872_2_0:notes"/>
+          <p:cNvPr id="260" name="Google Shape;260;g305f7c02008_2_8:notes"/>
           <p:cNvSpPr>
             <a:spLocks noGrp="1" noRot="1" noChangeAspect="1"/>
           </p:cNvSpPr>
@@ -2019,7 +2020,7 @@
       </p:sp>
       <p:sp>
         <p:nvSpPr>
-          <p:cNvPr id="258" name="Google Shape;258;g2f5a4c13872_2_0:notes"/>
+          <p:cNvPr id="261" name="Google Shape;261;g305f7c02008_2_8:notes"/>
           <p:cNvSpPr txBox="1">
             <a:spLocks noGrp="1"/>
           </p:cNvSpPr>
@@ -2076,7 +2077,7 @@
   <p:cSld>
     <p:spTree>
       <p:nvGrpSpPr>
-        <p:cNvPr id="1" name="Shape 264"/>
+        <p:cNvPr id="1" name="Shape 267"/>
         <p:cNvGrpSpPr/>
         <p:nvPr/>
       </p:nvGrpSpPr>
@@ -2090,7 +2091,7 @@
       </p:grpSpPr>
       <p:sp>
         <p:nvSpPr>
-          <p:cNvPr id="265" name="Google Shape;265;p22:notes"/>
+          <p:cNvPr id="268" name="Google Shape;268;g2f5a4c13872_2_0:notes"/>
           <p:cNvSpPr>
             <a:spLocks noGrp="1" noRot="1" noChangeAspect="1"/>
           </p:cNvSpPr>
@@ -2100,7 +2101,7 @@
         </p:nvSpPr>
         <p:spPr>
           <a:xfrm>
-            <a:off x="381000" y="685800"/>
+            <a:off x="381300" y="685800"/>
             <a:ext cx="6096000" cy="3429000"/>
           </a:xfrm>
           <a:custGeom>
@@ -2141,7 +2142,7 @@
       </p:sp>
       <p:sp>
         <p:nvSpPr>
-          <p:cNvPr id="266" name="Google Shape;266;p22:notes"/>
+          <p:cNvPr id="269" name="Google Shape;269;g2f5a4c13872_2_0:notes"/>
           <p:cNvSpPr txBox="1">
             <a:spLocks noGrp="1"/>
           </p:cNvSpPr>
@@ -2320,7 +2321,7 @@
   <p:cSld>
     <p:spTree>
       <p:nvGrpSpPr>
-        <p:cNvPr id="1" name="Shape 274"/>
+        <p:cNvPr id="1" name="Shape 277"/>
         <p:cNvGrpSpPr/>
         <p:nvPr/>
       </p:nvGrpSpPr>
@@ -2334,7 +2335,129 @@
       </p:grpSpPr>
       <p:sp>
         <p:nvSpPr>
-          <p:cNvPr id="275" name="Google Shape;275;p23:notes"/>
+          <p:cNvPr id="278" name="Google Shape;278;p22:notes"/>
+          <p:cNvSpPr>
+            <a:spLocks noGrp="1" noRot="1" noChangeAspect="1"/>
+          </p:cNvSpPr>
+          <p:nvPr>
+            <p:ph type="sldImg" idx="2"/>
+          </p:nvPr>
+        </p:nvSpPr>
+        <p:spPr>
+          <a:xfrm>
+            <a:off x="381000" y="685800"/>
+            <a:ext cx="6096000" cy="3429000"/>
+          </a:xfrm>
+          <a:custGeom>
+            <a:avLst/>
+            <a:gdLst/>
+            <a:ahLst/>
+            <a:cxnLst/>
+            <a:rect l="l" t="t" r="r" b="b"/>
+            <a:pathLst>
+              <a:path w="120000" h="120000" extrusionOk="0">
+                <a:moveTo>
+                  <a:pt x="0" y="0"/>
+                </a:moveTo>
+                <a:lnTo>
+                  <a:pt x="120000" y="0"/>
+                </a:lnTo>
+                <a:lnTo>
+                  <a:pt x="120000" y="120000"/>
+                </a:lnTo>
+                <a:lnTo>
+                  <a:pt x="0" y="120000"/>
+                </a:lnTo>
+                <a:close/>
+              </a:path>
+            </a:pathLst>
+          </a:custGeom>
+          <a:noFill/>
+          <a:ln w="9525" cap="flat" cmpd="sng">
+            <a:solidFill>
+              <a:srgbClr val="000000"/>
+            </a:solidFill>
+            <a:prstDash val="solid"/>
+            <a:round/>
+            <a:headEnd type="none" w="sm" len="sm"/>
+            <a:tailEnd type="none" w="sm" len="sm"/>
+          </a:ln>
+        </p:spPr>
+      </p:sp>
+      <p:sp>
+        <p:nvSpPr>
+          <p:cNvPr id="279" name="Google Shape;279;p22:notes"/>
+          <p:cNvSpPr txBox="1">
+            <a:spLocks noGrp="1"/>
+          </p:cNvSpPr>
+          <p:nvPr>
+            <p:ph type="body" idx="1"/>
+          </p:nvPr>
+        </p:nvSpPr>
+        <p:spPr>
+          <a:xfrm>
+            <a:off x="685800" y="4343400"/>
+            <a:ext cx="5486400" cy="4114800"/>
+          </a:xfrm>
+          <a:prstGeom prst="rect">
+            <a:avLst/>
+          </a:prstGeom>
+          <a:noFill/>
+          <a:ln>
+            <a:noFill/>
+          </a:ln>
+        </p:spPr>
+        <p:txBody>
+          <a:bodyPr spcFirstLastPara="1" wrap="square" lIns="91425" tIns="91425" rIns="91425" bIns="91425" anchor="t" anchorCtr="0">
+            <a:noAutofit/>
+          </a:bodyPr>
+          <a:lstStyle/>
+          <a:p>
+            <a:pPr marL="0" lvl="0" indent="0" algn="l" rtl="0">
+              <a:lnSpc>
+                <a:spcPct val="100000"/>
+              </a:lnSpc>
+              <a:spcBef>
+                <a:spcPts val="0"/>
+              </a:spcBef>
+              <a:spcAft>
+                <a:spcPts val="0"/>
+              </a:spcAft>
+              <a:buSzPts val="1100"/>
+              <a:buNone/>
+            </a:pPr>
+            <a:endParaRPr/>
+          </a:p>
+        </p:txBody>
+      </p:sp>
+    </p:spTree>
+  </p:cSld>
+  <p:clrMapOvr>
+    <a:masterClrMapping/>
+  </p:clrMapOvr>
+</p:notes>
+</file>
+
+<file path=ppt/notesSlides/notesSlide21.xml><?xml version="1.0" encoding="utf-8"?>
+<p:notes xmlns:a="http://schemas.openxmlformats.org/drawingml/2006/main" xmlns:r="http://schemas.openxmlformats.org/officeDocument/2006/relationships" xmlns:p="http://schemas.openxmlformats.org/presentationml/2006/main" showMasterSp="0" showMasterPhAnim="0">
+  <p:cSld>
+    <p:spTree>
+      <p:nvGrpSpPr>
+        <p:cNvPr id="1" name="Shape 287"/>
+        <p:cNvGrpSpPr/>
+        <p:nvPr/>
+      </p:nvGrpSpPr>
+      <p:grpSpPr>
+        <a:xfrm>
+          <a:off x="0" y="0"/>
+          <a:ext cx="0" cy="0"/>
+          <a:chOff x="0" y="0"/>
+          <a:chExt cx="0" cy="0"/>
+        </a:xfrm>
+      </p:grpSpPr>
+      <p:sp>
+        <p:nvSpPr>
+          <p:cNvPr id="288" name="Google Shape;288;p23:notes"/>
           <p:cNvSpPr>
             <a:spLocks noGrp="1" noRot="1" noChangeAspect="1"/>
           </p:cNvSpPr>
@@ -2385,7 +2508,7 @@
       </p:sp>
       <p:sp>
         <p:nvSpPr>
-          <p:cNvPr id="276" name="Google Shape;276;p23:notes"/>
+          <p:cNvPr id="289" name="Google Shape;289;p23:notes"/>
           <p:cNvSpPr txBox="1">
             <a:spLocks noGrp="1"/>
           </p:cNvSpPr>
@@ -2442,7 +2565,7 @@
   <p:cSld>
     <p:spTree>
       <p:nvGrpSpPr>
-        <p:cNvPr id="1" name="Shape 77"/>
+        <p:cNvPr id="1" name="Shape 78"/>
         <p:cNvGrpSpPr/>
         <p:nvPr/>
       </p:nvGrpSpPr>
@@ -2456,7 +2579,7 @@
       </p:grpSpPr>
       <p:sp>
         <p:nvSpPr>
-          <p:cNvPr id="78" name="Google Shape;78;g3044cb3db6a_0_12:notes"/>
+          <p:cNvPr id="79" name="Google Shape;79;g3044cb3db6a_0_12:notes"/>
           <p:cNvSpPr>
             <a:spLocks noGrp="1" noRot="1" noChangeAspect="1"/>
           </p:cNvSpPr>
@@ -2507,7 +2630,7 @@
       </p:sp>
       <p:sp>
         <p:nvSpPr>
-          <p:cNvPr id="79" name="Google Shape;79;g3044cb3db6a_0_12:notes"/>
+          <p:cNvPr id="80" name="Google Shape;80;g3044cb3db6a_0_12:notes"/>
           <p:cNvSpPr txBox="1">
             <a:spLocks noGrp="1"/>
           </p:cNvSpPr>
@@ -2564,7 +2687,7 @@
   <p:cSld>
     <p:spTree>
       <p:nvGrpSpPr>
-        <p:cNvPr id="1" name="Shape 84"/>
+        <p:cNvPr id="1" name="Shape 85"/>
         <p:cNvGrpSpPr/>
         <p:nvPr/>
       </p:nvGrpSpPr>
@@ -2578,7 +2701,7 @@
       </p:grpSpPr>
       <p:sp>
         <p:nvSpPr>
-          <p:cNvPr id="85" name="Google Shape;85;g305a4373729_1_0:notes"/>
+          <p:cNvPr id="86" name="Google Shape;86;g305a4373729_1_0:notes"/>
           <p:cNvSpPr>
             <a:spLocks noGrp="1" noRot="1" noChangeAspect="1"/>
           </p:cNvSpPr>
@@ -2629,7 +2752,7 @@
       </p:sp>
       <p:sp>
         <p:nvSpPr>
-          <p:cNvPr id="86" name="Google Shape;86;g305a4373729_1_0:notes"/>
+          <p:cNvPr id="87" name="Google Shape;87;g305a4373729_1_0:notes"/>
           <p:cNvSpPr txBox="1">
             <a:spLocks noGrp="1"/>
           </p:cNvSpPr>
@@ -2686,7 +2809,7 @@
   <p:cSld>
     <p:spTree>
       <p:nvGrpSpPr>
-        <p:cNvPr id="1" name="Shape 92"/>
+        <p:cNvPr id="1" name="Shape 93"/>
         <p:cNvGrpSpPr/>
         <p:nvPr/>
       </p:nvGrpSpPr>
@@ -2700,7 +2823,7 @@
       </p:grpSpPr>
       <p:sp>
         <p:nvSpPr>
-          <p:cNvPr id="93" name="Google Shape;93;g305c55268a8_0_0:notes"/>
+          <p:cNvPr id="94" name="Google Shape;94;g2d392a667ad_1_14:notes"/>
           <p:cNvSpPr>
             <a:spLocks noGrp="1" noRot="1" noChangeAspect="1"/>
           </p:cNvSpPr>
@@ -2751,7 +2874,7 @@
       </p:sp>
       <p:sp>
         <p:nvSpPr>
-          <p:cNvPr id="94" name="Google Shape;94;g305c55268a8_0_0:notes"/>
+          <p:cNvPr id="95" name="Google Shape;95;g2d392a667ad_1_14:notes"/>
           <p:cNvSpPr txBox="1">
             <a:spLocks noGrp="1"/>
           </p:cNvSpPr>
@@ -2808,7 +2931,7 @@
   <p:cSld>
     <p:spTree>
       <p:nvGrpSpPr>
-        <p:cNvPr id="1" name="Shape 100"/>
+        <p:cNvPr id="1" name="Shape 106"/>
         <p:cNvGrpSpPr/>
         <p:nvPr/>
       </p:nvGrpSpPr>
@@ -2822,7 +2945,7 @@
       </p:grpSpPr>
       <p:sp>
         <p:nvSpPr>
-          <p:cNvPr id="101" name="Google Shape;101;g3044cb3db6a_0_0:notes"/>
+          <p:cNvPr id="107" name="Google Shape;107;g305c55268a8_0_0:notes"/>
           <p:cNvSpPr>
             <a:spLocks noGrp="1" noRot="1" noChangeAspect="1"/>
           </p:cNvSpPr>
@@ -2873,7 +2996,7 @@
       </p:sp>
       <p:sp>
         <p:nvSpPr>
-          <p:cNvPr id="102" name="Google Shape;102;g3044cb3db6a_0_0:notes"/>
+          <p:cNvPr id="108" name="Google Shape;108;g305c55268a8_0_0:notes"/>
           <p:cNvSpPr txBox="1">
             <a:spLocks noGrp="1"/>
           </p:cNvSpPr>
@@ -2930,7 +3053,7 @@
   <p:cSld>
     <p:spTree>
       <p:nvGrpSpPr>
-        <p:cNvPr id="1" name="Shape 108"/>
+        <p:cNvPr id="1" name="Shape 114"/>
         <p:cNvGrpSpPr/>
         <p:nvPr/>
       </p:nvGrpSpPr>
@@ -2944,7 +3067,7 @@
       </p:grpSpPr>
       <p:sp>
         <p:nvSpPr>
-          <p:cNvPr id="109" name="Google Shape;109;g3058bfd013a_1_3:notes"/>
+          <p:cNvPr id="115" name="Google Shape;115;g3044cb3db6a_0_0:notes"/>
           <p:cNvSpPr>
             <a:spLocks noGrp="1" noRot="1" noChangeAspect="1"/>
           </p:cNvSpPr>
@@ -2995,7 +3118,7 @@
       </p:sp>
       <p:sp>
         <p:nvSpPr>
-          <p:cNvPr id="110" name="Google Shape;110;g3058bfd013a_1_3:notes"/>
+          <p:cNvPr id="116" name="Google Shape;116;g3044cb3db6a_0_0:notes"/>
           <p:cNvSpPr txBox="1">
             <a:spLocks noGrp="1"/>
           </p:cNvSpPr>
@@ -3052,7 +3175,7 @@
   <p:cSld>
     <p:spTree>
       <p:nvGrpSpPr>
-        <p:cNvPr id="1" name="Shape 115"/>
+        <p:cNvPr id="1" name="Shape 122"/>
         <p:cNvGrpSpPr/>
         <p:nvPr/>
       </p:nvGrpSpPr>
@@ -3066,7 +3189,7 @@
       </p:grpSpPr>
       <p:sp>
         <p:nvSpPr>
-          <p:cNvPr id="116" name="Google Shape;116;g3044d7783c6_1_0:notes"/>
+          <p:cNvPr id="123" name="Google Shape;123;g3058bfd013a_1_3:notes"/>
           <p:cNvSpPr>
             <a:spLocks noGrp="1" noRot="1" noChangeAspect="1"/>
           </p:cNvSpPr>
@@ -3117,7 +3240,7 @@
       </p:sp>
       <p:sp>
         <p:nvSpPr>
-          <p:cNvPr id="117" name="Google Shape;117;g3044d7783c6_1_0:notes"/>
+          <p:cNvPr id="124" name="Google Shape;124;g3058bfd013a_1_3:notes"/>
           <p:cNvSpPr txBox="1">
             <a:spLocks noGrp="1"/>
           </p:cNvSpPr>
@@ -3174,7 +3297,7 @@
   <p:cSld>
     <p:spTree>
       <p:nvGrpSpPr>
-        <p:cNvPr id="1" name="Shape 127"/>
+        <p:cNvPr id="1" name="Shape 129"/>
         <p:cNvGrpSpPr/>
         <p:nvPr/>
       </p:nvGrpSpPr>
@@ -3188,7 +3311,7 @@
       </p:grpSpPr>
       <p:sp>
         <p:nvSpPr>
-          <p:cNvPr id="128" name="Google Shape;128;g304a8896bd9_3_0:notes"/>
+          <p:cNvPr id="130" name="Google Shape;130;g3044d7783c6_1_0:notes"/>
           <p:cNvSpPr>
             <a:spLocks noGrp="1" noRot="1" noChangeAspect="1"/>
           </p:cNvSpPr>
@@ -3239,7 +3362,7 @@
       </p:sp>
       <p:sp>
         <p:nvSpPr>
-          <p:cNvPr id="129" name="Google Shape;129;g304a8896bd9_3_0:notes"/>
+          <p:cNvPr id="131" name="Google Shape;131;g3044d7783c6_1_0:notes"/>
           <p:cNvSpPr txBox="1">
             <a:spLocks noGrp="1"/>
           </p:cNvSpPr>
@@ -11351,8 +11474,8 @@
         </p:nvSpPr>
         <p:spPr>
           <a:xfrm>
-            <a:off x="100009" y="983471"/>
-            <a:ext cx="4420200" cy="4125000"/>
+            <a:off x="100009" y="939021"/>
+            <a:ext cx="4420200" cy="4109700"/>
           </a:xfrm>
           <a:prstGeom prst="rect">
             <a:avLst/>
@@ -11374,7 +11497,7 @@
           </a:bodyPr>
           <a:lstStyle/>
           <a:p>
-            <a:pPr marL="228600" lvl="0" indent="-215900" algn="l" rtl="0">
+            <a:pPr marL="228600" lvl="0" indent="-209550" algn="l" rtl="0">
               <a:spcBef>
                 <a:spcPts val="0"/>
               </a:spcBef>
@@ -11384,12 +11507,12 @@
               <a:buClr>
                 <a:srgbClr val="3C78D8"/>
               </a:buClr>
-              <a:buSzPts val="1600"/>
+              <a:buSzPts val="1500"/>
               <a:buFont typeface="Calibri"/>
               <a:buChar char="●"/>
             </a:pPr>
             <a:r>
-              <a:rPr lang="en" sz="1600" b="1">
+              <a:rPr lang="en" sz="1500" b="1">
                 <a:solidFill>
                   <a:srgbClr val="3C78D8"/>
                 </a:solidFill>
@@ -11400,7 +11523,7 @@
               </a:rPr>
               <a:t>Meta Connect, Llama3.2</a:t>
             </a:r>
-            <a:endParaRPr sz="1600" b="1">
+            <a:endParaRPr sz="1500" b="1">
               <a:solidFill>
                 <a:srgbClr val="3C78D8"/>
               </a:solidFill>
@@ -11411,7 +11534,7 @@
             </a:endParaRPr>
           </a:p>
           <a:p>
-            <a:pPr marL="228600" lvl="0" indent="-215900" algn="l" rtl="0">
+            <a:pPr marL="228600" lvl="0" indent="-209550" algn="l" rtl="0">
               <a:spcBef>
                 <a:spcPts val="0"/>
               </a:spcBef>
@@ -11421,12 +11544,12 @@
               <a:buClr>
                 <a:srgbClr val="3C78D8"/>
               </a:buClr>
-              <a:buSzPts val="1600"/>
+              <a:buSzPts val="1500"/>
               <a:buFont typeface="Calibri"/>
               <a:buChar char="●"/>
             </a:pPr>
             <a:r>
-              <a:rPr lang="en" sz="1600" b="1">
+              <a:rPr lang="en" sz="1500" b="1">
                 <a:solidFill>
                   <a:srgbClr val="3C78D8"/>
                 </a:solidFill>
@@ -11437,7 +11560,7 @@
               </a:rPr>
               <a:t>Re-Reading Improves Reasoning</a:t>
             </a:r>
-            <a:endParaRPr sz="1600" b="1">
+            <a:endParaRPr sz="1500" b="1">
               <a:solidFill>
                 <a:srgbClr val="3C78D8"/>
               </a:solidFill>
@@ -11448,7 +11571,7 @@
             </a:endParaRPr>
           </a:p>
           <a:p>
-            <a:pPr marL="228600" lvl="0" indent="-215900" algn="l" rtl="0">
+            <a:pPr marL="228600" lvl="0" indent="-209550" algn="l" rtl="0">
               <a:spcBef>
                 <a:spcPts val="0"/>
               </a:spcBef>
@@ -11458,12 +11581,12 @@
               <a:buClr>
                 <a:srgbClr val="3C78D8"/>
               </a:buClr>
-              <a:buSzPts val="1600"/>
+              <a:buSzPts val="1500"/>
               <a:buFont typeface="Calibri"/>
               <a:buChar char="●"/>
             </a:pPr>
             <a:r>
-              <a:rPr lang="en" sz="1600" b="1">
+              <a:rPr lang="en" sz="1500" b="1">
                 <a:solidFill>
                   <a:srgbClr val="3C78D8"/>
                 </a:solidFill>
@@ -11474,7 +11597,7 @@
               </a:rPr>
               <a:t>Sam Altman Post - an Intelligence Age</a:t>
             </a:r>
-            <a:endParaRPr sz="1600" b="1">
+            <a:endParaRPr sz="1500" b="1">
               <a:solidFill>
                 <a:srgbClr val="3C78D8"/>
               </a:solidFill>
@@ -11485,7 +11608,7 @@
             </a:endParaRPr>
           </a:p>
           <a:p>
-            <a:pPr marL="228600" lvl="0" indent="-215900" algn="l" rtl="0">
+            <a:pPr marL="228600" lvl="0" indent="-209550" algn="l" rtl="0">
               <a:spcBef>
                 <a:spcPts val="0"/>
               </a:spcBef>
@@ -11495,12 +11618,12 @@
               <a:buClr>
                 <a:srgbClr val="3C78D8"/>
               </a:buClr>
-              <a:buSzPts val="1600"/>
+              <a:buSzPts val="1500"/>
               <a:buFont typeface="Calibri"/>
               <a:buChar char="●"/>
             </a:pPr>
             <a:r>
-              <a:rPr lang="en" sz="1600" b="1">
+              <a:rPr lang="en" sz="1500" b="1">
                 <a:solidFill>
                   <a:srgbClr val="3C78D8"/>
                 </a:solidFill>
@@ -11509,9 +11632,9 @@
                 <a:cs typeface="Calibri"/>
                 <a:sym typeface="Calibri"/>
               </a:rPr>
-              <a:t>Optimal Scaling of Models' Compute</a:t>
-            </a:r>
-            <a:endParaRPr sz="1600" b="1">
+              <a:t>OpenAI becomes "ClosedAI"</a:t>
+            </a:r>
+            <a:endParaRPr sz="1500" b="1">
               <a:solidFill>
                 <a:srgbClr val="3C78D8"/>
               </a:solidFill>
@@ -11522,7 +11645,7 @@
             </a:endParaRPr>
           </a:p>
           <a:p>
-            <a:pPr marL="228600" lvl="0" indent="-215900" algn="l" rtl="0">
+            <a:pPr marL="228600" lvl="0" indent="-209550" algn="l" rtl="0">
               <a:spcBef>
                 <a:spcPts val="0"/>
               </a:spcBef>
@@ -11532,12 +11655,12 @@
               <a:buClr>
                 <a:srgbClr val="3C78D8"/>
               </a:buClr>
-              <a:buSzPts val="1600"/>
+              <a:buSzPts val="1500"/>
               <a:buFont typeface="Calibri"/>
               <a:buChar char="●"/>
             </a:pPr>
             <a:r>
-              <a:rPr lang="en" sz="1600" b="1">
+              <a:rPr lang="en" sz="1500" b="1">
                 <a:solidFill>
                   <a:srgbClr val="3C78D8"/>
                 </a:solidFill>
@@ -11546,9 +11669,9 @@
                 <a:cs typeface="Calibri"/>
                 <a:sym typeface="Calibri"/>
               </a:rPr>
-              <a:t>Google "SCoRe"</a:t>
-            </a:r>
-            <a:endParaRPr sz="1600" b="1">
+              <a:t>Mira Murati +2 - leaving OpenAI</a:t>
+            </a:r>
+            <a:endParaRPr sz="1500" b="1">
               <a:solidFill>
                 <a:srgbClr val="3C78D8"/>
               </a:solidFill>
@@ -11559,7 +11682,7 @@
             </a:endParaRPr>
           </a:p>
           <a:p>
-            <a:pPr marL="228600" lvl="0" indent="-215900" algn="l" rtl="0">
+            <a:pPr marL="228600" lvl="0" indent="-209550" algn="l" rtl="0">
               <a:spcBef>
                 <a:spcPts val="0"/>
               </a:spcBef>
@@ -11569,12 +11692,12 @@
               <a:buClr>
                 <a:srgbClr val="3C78D8"/>
               </a:buClr>
-              <a:buSzPts val="1600"/>
+              <a:buSzPts val="1500"/>
               <a:buFont typeface="Calibri"/>
               <a:buChar char="●"/>
             </a:pPr>
             <a:r>
-              <a:rPr lang="en" sz="1600" b="1">
+              <a:rPr lang="en" sz="1500" b="1">
                 <a:solidFill>
                   <a:srgbClr val="3C78D8"/>
                 </a:solidFill>
@@ -11583,9 +11706,9 @@
                 <a:cs typeface="Calibri"/>
                 <a:sym typeface="Calibri"/>
               </a:rPr>
-              <a:t>Google NotebookLM Research Assistant</a:t>
-            </a:r>
-            <a:endParaRPr sz="1600" b="1">
+              <a:t>Optimal Scaling of Models' Compute</a:t>
+            </a:r>
+            <a:endParaRPr sz="1500" b="1">
               <a:solidFill>
                 <a:srgbClr val="3C78D8"/>
               </a:solidFill>
@@ -11596,7 +11719,7 @@
             </a:endParaRPr>
           </a:p>
           <a:p>
-            <a:pPr marL="228600" lvl="0" indent="-215900" algn="l" rtl="0">
+            <a:pPr marL="228600" lvl="0" indent="-209550" algn="l" rtl="0">
               <a:spcBef>
                 <a:spcPts val="0"/>
               </a:spcBef>
@@ -11606,12 +11729,12 @@
               <a:buClr>
                 <a:srgbClr val="3C78D8"/>
               </a:buClr>
-              <a:buSzPts val="1600"/>
+              <a:buSzPts val="1500"/>
               <a:buFont typeface="Calibri"/>
               <a:buChar char="●"/>
             </a:pPr>
             <a:r>
-              <a:rPr lang="en" sz="1600" b="1">
+              <a:rPr lang="en" sz="1500" b="1">
                 <a:solidFill>
                   <a:srgbClr val="3C78D8"/>
                 </a:solidFill>
@@ -11620,9 +11743,9 @@
                 <a:cs typeface="Calibri"/>
                 <a:sym typeface="Calibri"/>
               </a:rPr>
-              <a:t>PDF to Audio Converter</a:t>
-            </a:r>
-            <a:endParaRPr sz="1600" b="1">
+              <a:t>Google "SCoRe"</a:t>
+            </a:r>
+            <a:endParaRPr sz="1500" b="1">
               <a:solidFill>
                 <a:srgbClr val="3C78D8"/>
               </a:solidFill>
@@ -11633,7 +11756,7 @@
             </a:endParaRPr>
           </a:p>
           <a:p>
-            <a:pPr marL="228600" lvl="0" indent="-215900" algn="l" rtl="0">
+            <a:pPr marL="228600" lvl="0" indent="-209550" algn="l" rtl="0">
               <a:spcBef>
                 <a:spcPts val="0"/>
               </a:spcBef>
@@ -11643,12 +11766,12 @@
               <a:buClr>
                 <a:srgbClr val="3C78D8"/>
               </a:buClr>
-              <a:buSzPts val="1600"/>
+              <a:buSzPts val="1500"/>
               <a:buFont typeface="Calibri"/>
               <a:buChar char="●"/>
             </a:pPr>
             <a:r>
-              <a:rPr lang="en" sz="1600" b="1">
+              <a:rPr lang="en" sz="1500" b="1">
                 <a:solidFill>
                   <a:srgbClr val="3C78D8"/>
                 </a:solidFill>
@@ -11657,9 +11780,9 @@
                 <a:cs typeface="Calibri"/>
                 <a:sym typeface="Calibri"/>
               </a:rPr>
-              <a:t>Qwen 2.5 is better at coding than o1-preview</a:t>
-            </a:r>
-            <a:endParaRPr sz="1600" b="1">
+              <a:t>Google NotebookLM Research Assistant</a:t>
+            </a:r>
+            <a:endParaRPr sz="1500" b="1">
               <a:solidFill>
                 <a:srgbClr val="3C78D8"/>
               </a:solidFill>
@@ -11670,7 +11793,7 @@
             </a:endParaRPr>
           </a:p>
           <a:p>
-            <a:pPr marL="228600" lvl="0" indent="-215900" algn="l" rtl="0">
+            <a:pPr marL="228600" lvl="0" indent="-209550" algn="l" rtl="0">
               <a:spcBef>
                 <a:spcPts val="0"/>
               </a:spcBef>
@@ -11680,12 +11803,12 @@
               <a:buClr>
                 <a:srgbClr val="3C78D8"/>
               </a:buClr>
-              <a:buSzPts val="1600"/>
+              <a:buSzPts val="1500"/>
               <a:buFont typeface="Calibri"/>
               <a:buChar char="●"/>
             </a:pPr>
             <a:r>
-              <a:rPr lang="en" sz="1600" b="1">
+              <a:rPr lang="en" sz="1500" b="1">
                 <a:solidFill>
                   <a:srgbClr val="3C78D8"/>
                 </a:solidFill>
@@ -11694,9 +11817,9 @@
                 <a:cs typeface="Calibri"/>
                 <a:sym typeface="Calibri"/>
               </a:rPr>
-              <a:t>Microsoft goes Nuclear!</a:t>
-            </a:r>
-            <a:endParaRPr sz="1600" b="1">
+              <a:t>PDF to Audio Converter</a:t>
+            </a:r>
+            <a:endParaRPr sz="1500" b="1">
               <a:solidFill>
                 <a:srgbClr val="3C78D8"/>
               </a:solidFill>
@@ -11707,7 +11830,7 @@
             </a:endParaRPr>
           </a:p>
           <a:p>
-            <a:pPr marL="228600" lvl="0" indent="-215900" algn="l" rtl="0">
+            <a:pPr marL="228600" lvl="0" indent="-209550" algn="l" rtl="0">
               <a:spcBef>
                 <a:spcPts val="0"/>
               </a:spcBef>
@@ -11717,12 +11840,12 @@
               <a:buClr>
                 <a:srgbClr val="3C78D8"/>
               </a:buClr>
-              <a:buSzPts val="1600"/>
+              <a:buSzPts val="1500"/>
               <a:buFont typeface="Calibri"/>
               <a:buChar char="●"/>
             </a:pPr>
             <a:r>
-              <a:rPr lang="en" sz="1600" b="1">
+              <a:rPr lang="en" sz="1500" b="1">
                 <a:solidFill>
                   <a:srgbClr val="3C78D8"/>
                 </a:solidFill>
@@ -11731,9 +11854,9 @@
                 <a:cs typeface="Calibri"/>
                 <a:sym typeface="Calibri"/>
               </a:rPr>
-              <a:t>Google hands: ALOHA Unleashed &amp; DemoStart</a:t>
-            </a:r>
-            <a:endParaRPr sz="1600" b="1">
+              <a:t>Qwen 2.5 is better at coding than o1-preview</a:t>
+            </a:r>
+            <a:endParaRPr sz="1500" b="1">
               <a:solidFill>
                 <a:srgbClr val="3C78D8"/>
               </a:solidFill>
@@ -11744,7 +11867,7 @@
             </a:endParaRPr>
           </a:p>
           <a:p>
-            <a:pPr marL="228600" lvl="0" indent="-215900" algn="l" rtl="0">
+            <a:pPr marL="228600" lvl="0" indent="-209550" algn="l" rtl="0">
               <a:spcBef>
                 <a:spcPts val="0"/>
               </a:spcBef>
@@ -11754,12 +11877,12 @@
               <a:buClr>
                 <a:srgbClr val="3C78D8"/>
               </a:buClr>
-              <a:buSzPts val="1600"/>
+              <a:buSzPts val="1500"/>
               <a:buFont typeface="Calibri"/>
               <a:buChar char="●"/>
             </a:pPr>
             <a:r>
-              <a:rPr lang="en" sz="1600" b="1">
+              <a:rPr lang="en" sz="1500" b="1">
                 <a:solidFill>
                   <a:srgbClr val="3C78D8"/>
                 </a:solidFill>
@@ -11768,9 +11891,9 @@
                 <a:cs typeface="Calibri"/>
                 <a:sym typeface="Calibri"/>
               </a:rPr>
-              <a:t>NVIDIA Llama 3.1-Nemotron-51B</a:t>
-            </a:r>
-            <a:endParaRPr sz="1600" b="1">
+              <a:t>Microsoft goes Nuclear!</a:t>
+            </a:r>
+            <a:endParaRPr sz="1500" b="1">
               <a:solidFill>
                 <a:srgbClr val="3C78D8"/>
               </a:solidFill>
@@ -11781,7 +11904,7 @@
             </a:endParaRPr>
           </a:p>
           <a:p>
-            <a:pPr marL="228600" lvl="0" indent="-215900" algn="l" rtl="0">
+            <a:pPr marL="228600" lvl="0" indent="-209550" algn="l" rtl="0">
               <a:spcBef>
                 <a:spcPts val="0"/>
               </a:spcBef>
@@ -11791,12 +11914,12 @@
               <a:buClr>
                 <a:srgbClr val="3C78D8"/>
               </a:buClr>
-              <a:buSzPts val="1600"/>
+              <a:buSzPts val="1500"/>
               <a:buFont typeface="Calibri"/>
               <a:buChar char="●"/>
             </a:pPr>
             <a:r>
-              <a:rPr lang="en" sz="1600" b="1">
+              <a:rPr lang="en" sz="1500" b="1">
                 <a:solidFill>
                   <a:srgbClr val="3C78D8"/>
                 </a:solidFill>
@@ -11805,9 +11928,9 @@
                 <a:cs typeface="Calibri"/>
                 <a:sym typeface="Calibri"/>
               </a:rPr>
-              <a:t>Anthropic at $40 Bln Valuation</a:t>
-            </a:r>
-            <a:endParaRPr sz="1600" b="1">
+              <a:t>Google hands: ALOHA Unleashed &amp; DemoStart</a:t>
+            </a:r>
+            <a:endParaRPr sz="1500" b="1">
               <a:solidFill>
                 <a:srgbClr val="3C78D8"/>
               </a:solidFill>
@@ -11818,7 +11941,7 @@
             </a:endParaRPr>
           </a:p>
           <a:p>
-            <a:pPr marL="228600" lvl="0" indent="-215900" algn="l" rtl="0">
+            <a:pPr marL="228600" lvl="0" indent="-209550" algn="l" rtl="0">
               <a:spcBef>
                 <a:spcPts val="0"/>
               </a:spcBef>
@@ -11828,12 +11951,12 @@
               <a:buClr>
                 <a:srgbClr val="3C78D8"/>
               </a:buClr>
-              <a:buSzPts val="1600"/>
+              <a:buSzPts val="1500"/>
               <a:buFont typeface="Calibri"/>
               <a:buChar char="●"/>
             </a:pPr>
             <a:r>
-              <a:rPr lang="en" sz="1600" b="1">
+              <a:rPr lang="en" sz="1500" b="1">
                 <a:solidFill>
                   <a:srgbClr val="3C78D8"/>
                 </a:solidFill>
@@ -11842,9 +11965,9 @@
                 <a:cs typeface="Calibri"/>
                 <a:sym typeface="Calibri"/>
               </a:rPr>
-              <a:t>South Korea - Solar Pro Preview</a:t>
-            </a:r>
-            <a:endParaRPr sz="1600" b="1">
+              <a:t>NVIDIA Llama 3.1-Nemotron-51B</a:t>
+            </a:r>
+            <a:endParaRPr sz="1500" b="1">
               <a:solidFill>
                 <a:srgbClr val="3C78D8"/>
               </a:solidFill>
@@ -11855,7 +11978,7 @@
             </a:endParaRPr>
           </a:p>
           <a:p>
-            <a:pPr marL="228600" lvl="0" indent="-215900" algn="l" rtl="0">
+            <a:pPr marL="228600" lvl="0" indent="-209550" algn="l" rtl="0">
               <a:spcBef>
                 <a:spcPts val="0"/>
               </a:spcBef>
@@ -11865,12 +11988,12 @@
               <a:buClr>
                 <a:srgbClr val="3C78D8"/>
               </a:buClr>
-              <a:buSzPts val="1600"/>
+              <a:buSzPts val="1500"/>
               <a:buFont typeface="Calibri"/>
               <a:buChar char="●"/>
             </a:pPr>
             <a:r>
-              <a:rPr lang="en" sz="1600" b="1">
+              <a:rPr lang="en" sz="1500" b="1">
                 <a:solidFill>
                   <a:srgbClr val="3C78D8"/>
                 </a:solidFill>
@@ -11879,9 +12002,9 @@
                 <a:cs typeface="Calibri"/>
                 <a:sym typeface="Calibri"/>
               </a:rPr>
-              <a:t>Mira Murati +2 - leaving OpenAI</a:t>
-            </a:r>
-            <a:endParaRPr sz="1600" b="1">
+              <a:t>Anthropic at $40 Bln Valuation</a:t>
+            </a:r>
+            <a:endParaRPr sz="1500" b="1">
               <a:solidFill>
                 <a:srgbClr val="3C78D8"/>
               </a:solidFill>
@@ -11892,7 +12015,7 @@
             </a:endParaRPr>
           </a:p>
           <a:p>
-            <a:pPr marL="228600" lvl="0" indent="-215900" algn="l" rtl="0">
+            <a:pPr marL="228600" lvl="0" indent="-209550" algn="l" rtl="0">
               <a:spcBef>
                 <a:spcPts val="0"/>
               </a:spcBef>
@@ -11902,12 +12025,12 @@
               <a:buClr>
                 <a:srgbClr val="3C78D8"/>
               </a:buClr>
-              <a:buSzPts val="1600"/>
+              <a:buSzPts val="1500"/>
               <a:buFont typeface="Calibri"/>
               <a:buChar char="●"/>
             </a:pPr>
             <a:r>
-              <a:rPr lang="en" sz="1600" b="1">
+              <a:rPr lang="en" sz="1500" b="1">
                 <a:solidFill>
                   <a:srgbClr val="3C78D8"/>
                 </a:solidFill>
@@ -11916,9 +12039,9 @@
                 <a:cs typeface="Calibri"/>
                 <a:sym typeface="Calibri"/>
               </a:rPr>
-              <a:t>Jony Ive (former APple) + OpenAI </a:t>
-            </a:r>
-            <a:endParaRPr sz="1600" b="1">
+              <a:t>South Korea - Solar Pro Preview</a:t>
+            </a:r>
+            <a:endParaRPr sz="1500" b="1">
               <a:solidFill>
                 <a:srgbClr val="3C78D8"/>
               </a:solidFill>
@@ -11929,7 +12052,7 @@
             </a:endParaRPr>
           </a:p>
           <a:p>
-            <a:pPr marL="228600" lvl="0" indent="-215900" algn="l" rtl="0">
+            <a:pPr marL="228600" lvl="0" indent="-209550" algn="l" rtl="0">
               <a:spcBef>
                 <a:spcPts val="0"/>
               </a:spcBef>
@@ -11939,12 +12062,12 @@
               <a:buClr>
                 <a:srgbClr val="3C78D8"/>
               </a:buClr>
-              <a:buSzPts val="1600"/>
+              <a:buSzPts val="1500"/>
               <a:buFont typeface="Calibri"/>
               <a:buChar char="●"/>
             </a:pPr>
             <a:r>
-              <a:rPr lang="en" sz="1600" b="1">
+              <a:rPr lang="en" sz="1500" b="1">
                 <a:solidFill>
                   <a:srgbClr val="3C78D8"/>
                 </a:solidFill>
@@ -11953,9 +12076,46 @@
                 <a:cs typeface="Calibri"/>
                 <a:sym typeface="Calibri"/>
               </a:rPr>
-              <a:t>Anthropic's Contextual Retrieval </a:t>
-            </a:r>
-            <a:endParaRPr sz="1600" b="1">
+              <a:t>101 Gen AI Cheat Sheets (23 actually)</a:t>
+            </a:r>
+            <a:endParaRPr sz="1500" b="1">
+              <a:solidFill>
+                <a:srgbClr val="3C78D8"/>
+              </a:solidFill>
+              <a:latin typeface="Calibri"/>
+              <a:ea typeface="Calibri"/>
+              <a:cs typeface="Calibri"/>
+              <a:sym typeface="Calibri"/>
+            </a:endParaRPr>
+          </a:p>
+          <a:p>
+            <a:pPr marL="228600" lvl="0" indent="-209550" algn="l" rtl="0">
+              <a:spcBef>
+                <a:spcPts val="0"/>
+              </a:spcBef>
+              <a:spcAft>
+                <a:spcPts val="0"/>
+              </a:spcAft>
+              <a:buClr>
+                <a:srgbClr val="3C78D8"/>
+              </a:buClr>
+              <a:buSzPts val="1500"/>
+              <a:buFont typeface="Calibri"/>
+              <a:buChar char="●"/>
+            </a:pPr>
+            <a:r>
+              <a:rPr lang="en" sz="1500" b="1">
+                <a:solidFill>
+                  <a:srgbClr val="3C78D8"/>
+                </a:solidFill>
+                <a:latin typeface="Calibri"/>
+                <a:ea typeface="Calibri"/>
+                <a:cs typeface="Calibri"/>
+                <a:sym typeface="Calibri"/>
+              </a:rPr>
+              <a:t>Jony Ive (former APple) + OpenAI </a:t>
+            </a:r>
+            <a:endParaRPr sz="1500" b="1">
               <a:solidFill>
                 <a:srgbClr val="3C78D8"/>
               </a:solidFill>
@@ -11975,8 +12135,8 @@
         </p:nvSpPr>
         <p:spPr>
           <a:xfrm>
-            <a:off x="4633738" y="979919"/>
-            <a:ext cx="4420200" cy="4125000"/>
+            <a:off x="4633738" y="935469"/>
+            <a:ext cx="4420200" cy="4109700"/>
           </a:xfrm>
           <a:prstGeom prst="rect">
             <a:avLst/>
@@ -11998,7 +12158,7 @@
           </a:bodyPr>
           <a:lstStyle/>
           <a:p>
-            <a:pPr marL="228600" marR="0" lvl="0" indent="-215900" algn="l" rtl="0">
+            <a:pPr marL="228600" marR="0" lvl="0" indent="-209550" algn="l" rtl="0">
               <a:lnSpc>
                 <a:spcPct val="100000"/>
               </a:lnSpc>
@@ -12011,12 +12171,12 @@
               <a:buClr>
                 <a:srgbClr val="3C78D8"/>
               </a:buClr>
-              <a:buSzPts val="1600"/>
+              <a:buSzPts val="1500"/>
               <a:buFont typeface="Calibri"/>
               <a:buChar char="●"/>
             </a:pPr>
             <a:r>
-              <a:rPr lang="en" sz="1600" b="1">
+              <a:rPr lang="en" sz="1500" b="1">
                 <a:solidFill>
                   <a:srgbClr val="3C78D8"/>
                 </a:solidFill>
@@ -12025,9 +12185,9 @@
                 <a:cs typeface="Calibri"/>
                 <a:sym typeface="Calibri"/>
               </a:rPr>
-              <a:t>Microsoft GRIN MoE</a:t>
-            </a:r>
-            <a:endParaRPr sz="1600" b="1">
+              <a:t>Anthropic's Contextual Retrieval</a:t>
+            </a:r>
+            <a:endParaRPr sz="1500" b="1">
               <a:solidFill>
                 <a:srgbClr val="3C78D8"/>
               </a:solidFill>
@@ -12038,7 +12198,7 @@
             </a:endParaRPr>
           </a:p>
           <a:p>
-            <a:pPr marL="228600" marR="0" lvl="0" indent="-215900" algn="l" rtl="0">
+            <a:pPr marL="228600" marR="0" lvl="0" indent="-209550" algn="l" rtl="0">
               <a:lnSpc>
                 <a:spcPct val="100000"/>
               </a:lnSpc>
@@ -12051,12 +12211,12 @@
               <a:buClr>
                 <a:srgbClr val="3C78D8"/>
               </a:buClr>
-              <a:buSzPts val="1600"/>
+              <a:buSzPts val="1500"/>
               <a:buFont typeface="Calibri"/>
               <a:buChar char="●"/>
             </a:pPr>
             <a:r>
-              <a:rPr lang="en" sz="1600" b="1">
+              <a:rPr lang="en" sz="1500" b="1">
                 <a:solidFill>
                   <a:srgbClr val="3C78D8"/>
                 </a:solidFill>
@@ -12065,9 +12225,9 @@
                 <a:cs typeface="Calibri"/>
                 <a:sym typeface="Calibri"/>
               </a:rPr>
-              <a:t>GraphRAG vs Traditional RAG vs Vector RAG</a:t>
-            </a:r>
-            <a:endParaRPr sz="1600" b="1">
+              <a:t>Microsoft GRIN MoE</a:t>
+            </a:r>
+            <a:endParaRPr sz="1500" b="1">
               <a:solidFill>
                 <a:srgbClr val="3C78D8"/>
               </a:solidFill>
@@ -12078,7 +12238,7 @@
             </a:endParaRPr>
           </a:p>
           <a:p>
-            <a:pPr marL="228600" marR="0" lvl="0" indent="-215900" algn="l" rtl="0">
+            <a:pPr marL="228600" marR="0" lvl="0" indent="-209550" algn="l" rtl="0">
               <a:lnSpc>
                 <a:spcPct val="100000"/>
               </a:lnSpc>
@@ -12091,12 +12251,12 @@
               <a:buClr>
                 <a:srgbClr val="3C78D8"/>
               </a:buClr>
-              <a:buSzPts val="1600"/>
+              <a:buSzPts val="1500"/>
               <a:buFont typeface="Calibri"/>
               <a:buChar char="●"/>
             </a:pPr>
             <a:r>
-              <a:rPr lang="en" sz="1600" b="1">
+              <a:rPr lang="en" sz="1500" b="1">
                 <a:solidFill>
                   <a:srgbClr val="3C78D8"/>
                 </a:solidFill>
@@ -12105,9 +12265,9 @@
                 <a:cs typeface="Calibri"/>
                 <a:sym typeface="Calibri"/>
               </a:rPr>
-              <a:t>ClaudeDev VSCode extension</a:t>
-            </a:r>
-            <a:endParaRPr sz="1600" b="1">
+              <a:t>GraphRAG vs Traditional RAG vs Vector RAG</a:t>
+            </a:r>
+            <a:endParaRPr sz="1500" b="1">
               <a:solidFill>
                 <a:srgbClr val="3C78D8"/>
               </a:solidFill>
@@ -12118,7 +12278,7 @@
             </a:endParaRPr>
           </a:p>
           <a:p>
-            <a:pPr marL="228600" marR="0" lvl="0" indent="-215900" algn="l" rtl="0">
+            <a:pPr marL="228600" marR="0" lvl="0" indent="-209550" algn="l" rtl="0">
               <a:lnSpc>
                 <a:spcPct val="100000"/>
               </a:lnSpc>
@@ -12131,12 +12291,12 @@
               <a:buClr>
                 <a:srgbClr val="3C78D8"/>
               </a:buClr>
-              <a:buSzPts val="1600"/>
+              <a:buSzPts val="1500"/>
               <a:buFont typeface="Calibri"/>
               <a:buChar char="●"/>
             </a:pPr>
             <a:r>
-              <a:rPr lang="en" sz="1600" b="1">
+              <a:rPr lang="en" sz="1500" b="1">
                 <a:solidFill>
                   <a:srgbClr val="3C78D8"/>
                 </a:solidFill>
@@ -12145,9 +12305,9 @@
                 <a:cs typeface="Calibri"/>
                 <a:sym typeface="Calibri"/>
               </a:rPr>
-              <a:t>Bird Bench - Text-to-SQL Leaderboard</a:t>
-            </a:r>
-            <a:endParaRPr sz="1600" b="1">
+              <a:t>ClaudeDev VSCode extension</a:t>
+            </a:r>
+            <a:endParaRPr sz="1500" b="1">
               <a:solidFill>
                 <a:srgbClr val="3C78D8"/>
               </a:solidFill>
@@ -12158,7 +12318,7 @@
             </a:endParaRPr>
           </a:p>
           <a:p>
-            <a:pPr marL="228600" marR="0" lvl="0" indent="-215900" algn="l" rtl="0">
+            <a:pPr marL="228600" marR="0" lvl="0" indent="-209550" algn="l" rtl="0">
               <a:lnSpc>
                 <a:spcPct val="100000"/>
               </a:lnSpc>
@@ -12171,12 +12331,12 @@
               <a:buClr>
                 <a:srgbClr val="3C78D8"/>
               </a:buClr>
-              <a:buSzPts val="1600"/>
+              <a:buSzPts val="1500"/>
               <a:buFont typeface="Calibri"/>
               <a:buChar char="●"/>
             </a:pPr>
             <a:r>
-              <a:rPr lang="en" sz="1600" b="1">
+              <a:rPr lang="en" sz="1500" b="1">
                 <a:solidFill>
                   <a:srgbClr val="3C78D8"/>
                 </a:solidFill>
@@ -12185,9 +12345,9 @@
                 <a:cs typeface="Calibri"/>
                 <a:sym typeface="Calibri"/>
               </a:rPr>
-              <a:t>Berkeley Function-Calling Leaderboard update</a:t>
-            </a:r>
-            <a:endParaRPr sz="1600" b="1">
+              <a:t>Bird Bench - Text-to-SQL Leaderboard</a:t>
+            </a:r>
+            <a:endParaRPr sz="1500" b="1">
               <a:solidFill>
                 <a:srgbClr val="3C78D8"/>
               </a:solidFill>
@@ -12198,7 +12358,7 @@
             </a:endParaRPr>
           </a:p>
           <a:p>
-            <a:pPr marL="228600" marR="0" lvl="0" indent="-215900" algn="l" rtl="0">
+            <a:pPr marL="228600" marR="0" lvl="0" indent="-209550" algn="l" rtl="0">
               <a:lnSpc>
                 <a:spcPct val="100000"/>
               </a:lnSpc>
@@ -12211,12 +12371,12 @@
               <a:buClr>
                 <a:srgbClr val="3C78D8"/>
               </a:buClr>
-              <a:buSzPts val="1600"/>
+              <a:buSzPts val="1500"/>
               <a:buFont typeface="Calibri"/>
               <a:buChar char="●"/>
             </a:pPr>
             <a:r>
-              <a:rPr lang="en" sz="1600" b="1">
+              <a:rPr lang="en" sz="1500" b="1">
                 <a:solidFill>
                   <a:srgbClr val="3C78D8"/>
                 </a:solidFill>
@@ -12225,9 +12385,9 @@
                 <a:cs typeface="Calibri"/>
                 <a:sym typeface="Calibri"/>
               </a:rPr>
-              <a:t>Electronic Arts games  follow language cmd-s</a:t>
-            </a:r>
-            <a:endParaRPr sz="1600" b="1">
+              <a:t>Berkeley Function-Calling Leaderboard update</a:t>
+            </a:r>
+            <a:endParaRPr sz="1500" b="1">
               <a:solidFill>
                 <a:srgbClr val="3C78D8"/>
               </a:solidFill>
@@ -12238,7 +12398,7 @@
             </a:endParaRPr>
           </a:p>
           <a:p>
-            <a:pPr marL="228600" marR="0" lvl="0" indent="-215900" algn="l" rtl="0">
+            <a:pPr marL="228600" marR="0" lvl="0" indent="-209550" algn="l" rtl="0">
               <a:lnSpc>
                 <a:spcPct val="100000"/>
               </a:lnSpc>
@@ -12251,12 +12411,12 @@
               <a:buClr>
                 <a:srgbClr val="3C78D8"/>
               </a:buClr>
-              <a:buSzPts val="1600"/>
+              <a:buSzPts val="1500"/>
               <a:buFont typeface="Calibri"/>
               <a:buChar char="●"/>
             </a:pPr>
             <a:r>
-              <a:rPr lang="en" sz="1600" b="1">
+              <a:rPr lang="en" sz="1500" b="1">
                 <a:solidFill>
                   <a:srgbClr val="3C78D8"/>
                 </a:solidFill>
@@ -12265,9 +12425,9 @@
                 <a:cs typeface="Calibri"/>
                 <a:sym typeface="Calibri"/>
               </a:rPr>
-              <a:t>California has 9 new AI laws</a:t>
-            </a:r>
-            <a:endParaRPr sz="1600" b="1">
+              <a:t>Electronic Arts games  follow language cmd-s</a:t>
+            </a:r>
+            <a:endParaRPr sz="1500" b="1">
               <a:solidFill>
                 <a:srgbClr val="3C78D8"/>
               </a:solidFill>
@@ -12278,7 +12438,7 @@
             </a:endParaRPr>
           </a:p>
           <a:p>
-            <a:pPr marL="228600" marR="0" lvl="0" indent="-215900" algn="l" rtl="0">
+            <a:pPr marL="228600" marR="0" lvl="0" indent="-209550" algn="l" rtl="0">
               <a:lnSpc>
                 <a:spcPct val="100000"/>
               </a:lnSpc>
@@ -12291,12 +12451,12 @@
               <a:buClr>
                 <a:srgbClr val="3C78D8"/>
               </a:buClr>
-              <a:buSzPts val="1600"/>
+              <a:buSzPts val="1500"/>
               <a:buFont typeface="Calibri"/>
               <a:buChar char="●"/>
             </a:pPr>
             <a:r>
-              <a:rPr lang="en" sz="1600" b="1">
+              <a:rPr lang="en" sz="1500" b="1">
                 <a:solidFill>
                   <a:srgbClr val="3C78D8"/>
                 </a:solidFill>
@@ -12305,9 +12465,9 @@
                 <a:cs typeface="Calibri"/>
                 <a:sym typeface="Calibri"/>
               </a:rPr>
-              <a:t>OpenAI AVM (Advanced Voice Mode)</a:t>
-            </a:r>
-            <a:endParaRPr sz="1600" b="1">
+              <a:t>California has 9 new AI laws</a:t>
+            </a:r>
+            <a:endParaRPr sz="1500" b="1">
               <a:solidFill>
                 <a:srgbClr val="3C78D8"/>
               </a:solidFill>
@@ -12318,7 +12478,7 @@
             </a:endParaRPr>
           </a:p>
           <a:p>
-            <a:pPr marL="228600" marR="0" lvl="0" indent="-215900" algn="l" rtl="0">
+            <a:pPr marL="228600" marR="0" lvl="0" indent="-209550" algn="l" rtl="0">
               <a:lnSpc>
                 <a:spcPct val="100000"/>
               </a:lnSpc>
@@ -12331,12 +12491,12 @@
               <a:buClr>
                 <a:srgbClr val="3C78D8"/>
               </a:buClr>
-              <a:buSzPts val="1600"/>
+              <a:buSzPts val="1500"/>
               <a:buFont typeface="Calibri"/>
               <a:buChar char="●"/>
             </a:pPr>
             <a:r>
-              <a:rPr lang="en" sz="1600" b="1">
+              <a:rPr lang="en" sz="1500" b="1">
                 <a:solidFill>
                   <a:srgbClr val="3C78D8"/>
                 </a:solidFill>
@@ -12345,9 +12505,9 @@
                 <a:cs typeface="Calibri"/>
                 <a:sym typeface="Calibri"/>
               </a:rPr>
-              <a:t>GroqCloud's new LLaVA v1.5 7B model </a:t>
-            </a:r>
-            <a:endParaRPr sz="1600" b="1">
+              <a:t>OpenAI AVM (Advanced Voice Mode)</a:t>
+            </a:r>
+            <a:endParaRPr sz="1500" b="1">
               <a:solidFill>
                 <a:srgbClr val="3C78D8"/>
               </a:solidFill>
@@ -12358,7 +12518,7 @@
             </a:endParaRPr>
           </a:p>
           <a:p>
-            <a:pPr marL="228600" marR="0" lvl="0" indent="-215900" algn="l" rtl="0">
+            <a:pPr marL="228600" marR="0" lvl="0" indent="-209550" algn="l" rtl="0">
               <a:lnSpc>
                 <a:spcPct val="100000"/>
               </a:lnSpc>
@@ -12371,12 +12531,12 @@
               <a:buClr>
                 <a:srgbClr val="3C78D8"/>
               </a:buClr>
-              <a:buSzPts val="1600"/>
+              <a:buSzPts val="1500"/>
               <a:buFont typeface="Calibri"/>
               <a:buChar char="●"/>
             </a:pPr>
             <a:r>
-              <a:rPr lang="en" sz="1600" b="1">
+              <a:rPr lang="en" sz="1500" b="1">
                 <a:solidFill>
                   <a:srgbClr val="3C78D8"/>
                 </a:solidFill>
@@ -12385,9 +12545,9 @@
                 <a:cs typeface="Calibri"/>
                 <a:sym typeface="Calibri"/>
               </a:rPr>
-              <a:t>Google Gemini Price Cuts and Better Quality</a:t>
-            </a:r>
-            <a:endParaRPr sz="1600" b="1">
+              <a:t>GroqCloud's new LLaVA v1.5 7B model </a:t>
+            </a:r>
+            <a:endParaRPr sz="1500" b="1">
               <a:solidFill>
                 <a:srgbClr val="3C78D8"/>
               </a:solidFill>
@@ -12398,7 +12558,7 @@
             </a:endParaRPr>
           </a:p>
           <a:p>
-            <a:pPr marL="228600" marR="0" lvl="0" indent="-215900" algn="l" rtl="0">
+            <a:pPr marL="228600" marR="0" lvl="0" indent="-209550" algn="l" rtl="0">
               <a:lnSpc>
                 <a:spcPct val="100000"/>
               </a:lnSpc>
@@ -12411,12 +12571,12 @@
               <a:buClr>
                 <a:srgbClr val="3C78D8"/>
               </a:buClr>
-              <a:buSzPts val="1600"/>
+              <a:buSzPts val="1500"/>
               <a:buFont typeface="Calibri"/>
               <a:buChar char="●"/>
             </a:pPr>
             <a:r>
-              <a:rPr lang="en" sz="1600" b="1">
+              <a:rPr lang="en" sz="1500" b="1">
                 <a:solidFill>
                   <a:srgbClr val="3C78D8"/>
                 </a:solidFill>
@@ -12425,9 +12585,9 @@
                 <a:cs typeface="Calibri"/>
                 <a:sym typeface="Calibri"/>
               </a:rPr>
-              <a:t>RAG Fusion</a:t>
-            </a:r>
-            <a:endParaRPr sz="1600" b="1">
+              <a:t>Google Gemini Price Cuts and Better Quality</a:t>
+            </a:r>
+            <a:endParaRPr sz="1500" b="1">
               <a:solidFill>
                 <a:srgbClr val="3C78D8"/>
               </a:solidFill>
@@ -12438,7 +12598,7 @@
             </a:endParaRPr>
           </a:p>
           <a:p>
-            <a:pPr marL="228600" marR="0" lvl="0" indent="-215900" algn="l" rtl="0">
+            <a:pPr marL="228600" marR="0" lvl="0" indent="-209550" algn="l" rtl="0">
               <a:lnSpc>
                 <a:spcPct val="100000"/>
               </a:lnSpc>
@@ -12451,12 +12611,12 @@
               <a:buClr>
                 <a:srgbClr val="3C78D8"/>
               </a:buClr>
-              <a:buSzPts val="1600"/>
+              <a:buSzPts val="1500"/>
               <a:buFont typeface="Calibri"/>
               <a:buChar char="●"/>
             </a:pPr>
             <a:r>
-              <a:rPr lang="en" sz="1600" b="1">
+              <a:rPr lang="en" sz="1500" b="1">
                 <a:solidFill>
                   <a:srgbClr val="3C78D8"/>
                 </a:solidFill>
@@ -12465,9 +12625,9 @@
                 <a:cs typeface="Calibri"/>
                 <a:sym typeface="Calibri"/>
               </a:rPr>
-              <a:t>Will AI solve CMI Millennium Prize Problems ?</a:t>
-            </a:r>
-            <a:endParaRPr sz="1600" b="1">
+              <a:t>RAG Fusion</a:t>
+            </a:r>
+            <a:endParaRPr sz="1500" b="1">
               <a:solidFill>
                 <a:srgbClr val="3C78D8"/>
               </a:solidFill>
@@ -12478,7 +12638,7 @@
             </a:endParaRPr>
           </a:p>
           <a:p>
-            <a:pPr marL="228600" marR="0" lvl="0" indent="-215900" algn="l" rtl="0">
+            <a:pPr marL="228600" marR="0" lvl="0" indent="-209550" algn="l" rtl="0">
               <a:lnSpc>
                 <a:spcPct val="100000"/>
               </a:lnSpc>
@@ -12491,12 +12651,12 @@
               <a:buClr>
                 <a:srgbClr val="3C78D8"/>
               </a:buClr>
-              <a:buSzPts val="1600"/>
+              <a:buSzPts val="1500"/>
               <a:buFont typeface="Calibri"/>
               <a:buChar char="●"/>
             </a:pPr>
             <a:r>
-              <a:rPr lang="en" sz="1600" b="1">
+              <a:rPr lang="en" sz="1500" b="1">
                 <a:solidFill>
                   <a:srgbClr val="3C78D8"/>
                 </a:solidFill>
@@ -12505,9 +12665,9 @@
                 <a:cs typeface="Calibri"/>
                 <a:sym typeface="Calibri"/>
               </a:rPr>
-              <a:t>Crowd-sourced "Arena" Leaderboard - English</a:t>
-            </a:r>
-            <a:endParaRPr sz="1600" b="1">
+              <a:t>Will AI solve CMI Millennium Prize Problems ?</a:t>
+            </a:r>
+            <a:endParaRPr sz="1500" b="1">
               <a:solidFill>
                 <a:srgbClr val="3C78D8"/>
               </a:solidFill>
@@ -12518,7 +12678,7 @@
             </a:endParaRPr>
           </a:p>
           <a:p>
-            <a:pPr marL="228600" marR="0" lvl="0" indent="-215900" algn="l" rtl="0">
+            <a:pPr marL="228600" marR="0" lvl="0" indent="-209550" algn="l" rtl="0">
               <a:lnSpc>
                 <a:spcPct val="100000"/>
               </a:lnSpc>
@@ -12531,12 +12691,12 @@
               <a:buClr>
                 <a:srgbClr val="3C78D8"/>
               </a:buClr>
-              <a:buSzPts val="1600"/>
+              <a:buSzPts val="1500"/>
               <a:buFont typeface="Calibri"/>
               <a:buChar char="●"/>
             </a:pPr>
             <a:r>
-              <a:rPr lang="en" sz="1600" b="1">
+              <a:rPr lang="en" sz="1500" b="1">
                 <a:solidFill>
                   <a:srgbClr val="3C78D8"/>
                 </a:solidFill>
@@ -12545,9 +12705,9 @@
                 <a:cs typeface="Calibri"/>
                 <a:sym typeface="Calibri"/>
               </a:rPr>
-              <a:t>Crowd-sourced "Arena" Leaderboard - Coding</a:t>
-            </a:r>
-            <a:endParaRPr sz="1600" b="1">
+              <a:t>Crowd-sourced "Arena" Leaderboard - English</a:t>
+            </a:r>
+            <a:endParaRPr sz="1500" b="1">
               <a:solidFill>
                 <a:srgbClr val="3C78D8"/>
               </a:solidFill>
@@ -12558,7 +12718,7 @@
             </a:endParaRPr>
           </a:p>
           <a:p>
-            <a:pPr marL="228600" marR="0" lvl="0" indent="-215900" algn="l" rtl="0">
+            <a:pPr marL="228600" marR="0" lvl="0" indent="-209550" algn="l" rtl="0">
               <a:lnSpc>
                 <a:spcPct val="100000"/>
               </a:lnSpc>
@@ -12571,12 +12731,12 @@
               <a:buClr>
                 <a:srgbClr val="3C78D8"/>
               </a:buClr>
-              <a:buSzPts val="1600"/>
+              <a:buSzPts val="1500"/>
               <a:buFont typeface="Calibri"/>
               <a:buChar char="●"/>
             </a:pPr>
             <a:r>
-              <a:rPr lang="en" sz="1600" b="1">
+              <a:rPr lang="en" sz="1500" b="1">
                 <a:solidFill>
                   <a:srgbClr val="3C78D8"/>
                 </a:solidFill>
@@ -12585,9 +12745,9 @@
                 <a:cs typeface="Calibri"/>
                 <a:sym typeface="Calibri"/>
               </a:rPr>
-              <a:t>Jailbreak Arena Leaderboard</a:t>
-            </a:r>
-            <a:endParaRPr sz="1600" b="1">
+              <a:t>Crowd-sourced "Arena" Leaderboard - Coding</a:t>
+            </a:r>
+            <a:endParaRPr sz="1500" b="1">
               <a:solidFill>
                 <a:srgbClr val="3C78D8"/>
               </a:solidFill>
@@ -12598,7 +12758,7 @@
             </a:endParaRPr>
           </a:p>
           <a:p>
-            <a:pPr marL="228600" marR="0" lvl="0" indent="-215900" algn="l" rtl="0">
+            <a:pPr marL="228600" marR="0" lvl="0" indent="-209550" algn="l" rtl="0">
               <a:lnSpc>
                 <a:spcPct val="100000"/>
               </a:lnSpc>
@@ -12611,12 +12771,12 @@
               <a:buClr>
                 <a:srgbClr val="3C78D8"/>
               </a:buClr>
-              <a:buSzPts val="1600"/>
+              <a:buSzPts val="1500"/>
               <a:buFont typeface="Calibri"/>
               <a:buChar char="●"/>
             </a:pPr>
             <a:r>
-              <a:rPr lang="en" sz="1600" b="1">
+              <a:rPr lang="en" sz="1500" b="1">
                 <a:solidFill>
                   <a:srgbClr val="3C78D8"/>
                 </a:solidFill>
@@ -12625,9 +12785,49 @@
                 <a:cs typeface="Calibri"/>
                 <a:sym typeface="Calibri"/>
               </a:rPr>
+              <a:t>Jailbreak Arena Leaderboard</a:t>
+            </a:r>
+            <a:endParaRPr sz="1500" b="1">
+              <a:solidFill>
+                <a:srgbClr val="3C78D8"/>
+              </a:solidFill>
+              <a:latin typeface="Calibri"/>
+              <a:ea typeface="Calibri"/>
+              <a:cs typeface="Calibri"/>
+              <a:sym typeface="Calibri"/>
+            </a:endParaRPr>
+          </a:p>
+          <a:p>
+            <a:pPr marL="228600" marR="0" lvl="0" indent="-209550" algn="l" rtl="0">
+              <a:lnSpc>
+                <a:spcPct val="100000"/>
+              </a:lnSpc>
+              <a:spcBef>
+                <a:spcPts val="0"/>
+              </a:spcBef>
+              <a:spcAft>
+                <a:spcPts val="0"/>
+              </a:spcAft>
+              <a:buClr>
+                <a:srgbClr val="3C78D8"/>
+              </a:buClr>
+              <a:buSzPts val="1500"/>
+              <a:buFont typeface="Calibri"/>
+              <a:buChar char="●"/>
+            </a:pPr>
+            <a:r>
+              <a:rPr lang="en" sz="1500" b="1">
+                <a:solidFill>
+                  <a:srgbClr val="3C78D8"/>
+                </a:solidFill>
+                <a:latin typeface="Calibri"/>
+                <a:ea typeface="Calibri"/>
+                <a:cs typeface="Calibri"/>
+                <a:sym typeface="Calibri"/>
+              </a:rPr>
               <a:t>Tech Layoffs in 2024</a:t>
             </a:r>
-            <a:endParaRPr sz="1600" b="1">
+            <a:endParaRPr sz="1500" b="1">
               <a:solidFill>
                 <a:srgbClr val="3C78D8"/>
               </a:solidFill>
@@ -12648,7 +12848,7 @@
         <p:spPr>
           <a:xfrm>
             <a:off x="2582350" y="38325"/>
-            <a:ext cx="3890100" cy="880500"/>
+            <a:ext cx="3890100" cy="849600"/>
           </a:xfrm>
           <a:prstGeom prst="rect">
             <a:avLst/>
@@ -12722,7 +12922,7 @@
               <a:buNone/>
             </a:pPr>
             <a:r>
-              <a:rPr lang="en" sz="2000" b="1">
+              <a:rPr lang="en" sz="1800" b="1">
                 <a:solidFill>
                   <a:srgbClr val="3C78D8"/>
                 </a:solidFill>
@@ -12734,7 +12934,7 @@
               <a:t>September 27</a:t>
             </a:r>
             <a:r>
-              <a:rPr lang="en" sz="2000" b="1" i="0" u="none" strike="noStrike" cap="none">
+              <a:rPr lang="en" sz="1800" b="1" i="0" u="none" strike="noStrike" cap="none">
                 <a:solidFill>
                   <a:srgbClr val="3C78D8"/>
                 </a:solidFill>
@@ -12745,7 +12945,7 @@
               </a:rPr>
               <a:t>, 2024</a:t>
             </a:r>
-            <a:endParaRPr sz="2000" b="1" i="0" u="none" strike="noStrike" cap="none">
+            <a:endParaRPr sz="1800" b="1" i="0" u="none" strike="noStrike" cap="none">
               <a:solidFill>
                 <a:srgbClr val="3C78D8"/>
               </a:solidFill>
@@ -12770,7 +12970,7 @@
   <p:cSld>
     <p:spTree>
       <p:nvGrpSpPr>
-        <p:cNvPr id="1" name="Shape 145"/>
+        <p:cNvPr id="1" name="Shape 144"/>
         <p:cNvGrpSpPr/>
         <p:nvPr/>
       </p:nvGrpSpPr>
@@ -12784,7 +12984,1308 @@
       </p:grpSpPr>
       <p:sp>
         <p:nvSpPr>
+          <p:cNvPr id="145" name="Google Shape;145;p23"/>
+          <p:cNvSpPr txBox="1"/>
+          <p:nvPr/>
+        </p:nvSpPr>
+        <p:spPr>
+          <a:xfrm>
+            <a:off x="91750" y="22650"/>
+            <a:ext cx="994500" cy="326400"/>
+          </a:xfrm>
+          <a:prstGeom prst="rect">
+            <a:avLst/>
+          </a:prstGeom>
+          <a:noFill/>
+          <a:ln>
+            <a:noFill/>
+          </a:ln>
+        </p:spPr>
+        <p:txBody>
+          <a:bodyPr spcFirstLastPara="1" wrap="square" lIns="9125" tIns="9125" rIns="9125" bIns="9125" anchor="t" anchorCtr="0">
+            <a:spAutoFit/>
+          </a:bodyPr>
+          <a:lstStyle/>
+          <a:p>
+            <a:pPr marL="0" lvl="0" indent="0" algn="l" rtl="0">
+              <a:spcBef>
+                <a:spcPts val="0"/>
+              </a:spcBef>
+              <a:spcAft>
+                <a:spcPts val="0"/>
+              </a:spcAft>
+              <a:buClr>
+                <a:schemeClr val="dk1"/>
+              </a:buClr>
+              <a:buSzPts val="1100"/>
+              <a:buFont typeface="Arial"/>
+              <a:buNone/>
+            </a:pPr>
+            <a:r>
+              <a:rPr lang="en" sz="2000" b="1">
+                <a:solidFill>
+                  <a:schemeClr val="dk1"/>
+                </a:solidFill>
+                <a:latin typeface="Calibri"/>
+                <a:ea typeface="Calibri"/>
+                <a:cs typeface="Calibri"/>
+                <a:sym typeface="Calibri"/>
+              </a:rPr>
+              <a:t>Misc 2</a:t>
+            </a:r>
+            <a:endParaRPr sz="2000" b="1">
+              <a:solidFill>
+                <a:schemeClr val="dk1"/>
+              </a:solidFill>
+              <a:latin typeface="Calibri"/>
+              <a:ea typeface="Calibri"/>
+              <a:cs typeface="Calibri"/>
+              <a:sym typeface="Calibri"/>
+            </a:endParaRPr>
+          </a:p>
+        </p:txBody>
+      </p:sp>
+      <p:sp>
+        <p:nvSpPr>
           <p:cNvPr id="146" name="Google Shape;146;p23"/>
+          <p:cNvSpPr txBox="1"/>
+          <p:nvPr/>
+        </p:nvSpPr>
+        <p:spPr>
+          <a:xfrm>
+            <a:off x="91750" y="367541"/>
+            <a:ext cx="4434300" cy="1527000"/>
+          </a:xfrm>
+          <a:prstGeom prst="rect">
+            <a:avLst/>
+          </a:prstGeom>
+          <a:solidFill>
+            <a:srgbClr val="FFF2CC"/>
+          </a:solidFill>
+          <a:ln w="9525" cap="flat" cmpd="sng">
+            <a:solidFill>
+              <a:srgbClr val="FF0000"/>
+            </a:solidFill>
+            <a:prstDash val="solid"/>
+            <a:round/>
+            <a:headEnd type="none" w="sm" len="sm"/>
+            <a:tailEnd type="none" w="sm" len="sm"/>
+          </a:ln>
+        </p:spPr>
+        <p:txBody>
+          <a:bodyPr spcFirstLastPara="1" wrap="square" lIns="9125" tIns="9125" rIns="9125" bIns="9125" anchor="t" anchorCtr="0">
+            <a:spAutoFit/>
+          </a:bodyPr>
+          <a:lstStyle/>
+          <a:p>
+            <a:pPr marL="0" lvl="0" indent="0" algn="l" rtl="0">
+              <a:spcBef>
+                <a:spcPts val="0"/>
+              </a:spcBef>
+              <a:spcAft>
+                <a:spcPts val="0"/>
+              </a:spcAft>
+              <a:buClr>
+                <a:schemeClr val="dk1"/>
+              </a:buClr>
+              <a:buSzPts val="1100"/>
+              <a:buFont typeface="Arial"/>
+              <a:buNone/>
+            </a:pPr>
+            <a:r>
+              <a:rPr lang="en" sz="1300" b="1">
+                <a:solidFill>
+                  <a:srgbClr val="FF0000"/>
+                </a:solidFill>
+                <a:latin typeface="Calibri"/>
+                <a:ea typeface="Calibri"/>
+                <a:cs typeface="Calibri"/>
+                <a:sym typeface="Calibri"/>
+              </a:rPr>
+              <a:t>NVIDIA Llama 3.1-Nemotron-51B</a:t>
+            </a:r>
+            <a:endParaRPr sz="1300" b="1">
+              <a:solidFill>
+                <a:srgbClr val="FF0000"/>
+              </a:solidFill>
+              <a:latin typeface="Calibri"/>
+              <a:ea typeface="Calibri"/>
+              <a:cs typeface="Calibri"/>
+              <a:sym typeface="Calibri"/>
+            </a:endParaRPr>
+          </a:p>
+          <a:p>
+            <a:pPr marL="228600" lvl="0" indent="-139700" algn="l" rtl="0">
+              <a:spcBef>
+                <a:spcPts val="0"/>
+              </a:spcBef>
+              <a:spcAft>
+                <a:spcPts val="0"/>
+              </a:spcAft>
+              <a:buClr>
+                <a:schemeClr val="dk1"/>
+              </a:buClr>
+              <a:buSzPts val="1300"/>
+              <a:buFont typeface="Calibri"/>
+              <a:buChar char="●"/>
+            </a:pPr>
+            <a:r>
+              <a:rPr lang="en" sz="1300">
+                <a:solidFill>
+                  <a:schemeClr val="dk1"/>
+                </a:solidFill>
+                <a:latin typeface="Calibri"/>
+                <a:ea typeface="Calibri"/>
+                <a:cs typeface="Calibri"/>
+                <a:sym typeface="Calibri"/>
+              </a:rPr>
+              <a:t>derived from Meta’s Llama-3.1-70B</a:t>
+            </a:r>
+            <a:endParaRPr sz="1300">
+              <a:solidFill>
+                <a:schemeClr val="dk1"/>
+              </a:solidFill>
+              <a:latin typeface="Calibri"/>
+              <a:ea typeface="Calibri"/>
+              <a:cs typeface="Calibri"/>
+              <a:sym typeface="Calibri"/>
+            </a:endParaRPr>
+          </a:p>
+          <a:p>
+            <a:pPr marL="228600" lvl="0" indent="-139700" algn="l" rtl="0">
+              <a:spcBef>
+                <a:spcPts val="0"/>
+              </a:spcBef>
+              <a:spcAft>
+                <a:spcPts val="0"/>
+              </a:spcAft>
+              <a:buClr>
+                <a:schemeClr val="dk1"/>
+              </a:buClr>
+              <a:buSzPts val="1300"/>
+              <a:buFont typeface="Calibri"/>
+              <a:buChar char="●"/>
+            </a:pPr>
+            <a:r>
+              <a:rPr lang="en" sz="1300">
+                <a:solidFill>
+                  <a:schemeClr val="dk1"/>
+                </a:solidFill>
+                <a:latin typeface="Calibri"/>
+                <a:ea typeface="Calibri"/>
+                <a:cs typeface="Calibri"/>
+                <a:sym typeface="Calibri"/>
+              </a:rPr>
+              <a:t>uses a novel Neural Architecture Search (NAS) </a:t>
+            </a:r>
+            <a:endParaRPr sz="1300">
+              <a:solidFill>
+                <a:schemeClr val="dk1"/>
+              </a:solidFill>
+              <a:latin typeface="Calibri"/>
+              <a:ea typeface="Calibri"/>
+              <a:cs typeface="Calibri"/>
+              <a:sym typeface="Calibri"/>
+            </a:endParaRPr>
+          </a:p>
+          <a:p>
+            <a:pPr marL="228600" lvl="0" indent="-139700" algn="l" rtl="0">
+              <a:spcBef>
+                <a:spcPts val="0"/>
+              </a:spcBef>
+              <a:spcAft>
+                <a:spcPts val="0"/>
+              </a:spcAft>
+              <a:buClr>
+                <a:schemeClr val="dk1"/>
+              </a:buClr>
+              <a:buSzPts val="1300"/>
+              <a:buFont typeface="Calibri"/>
+              <a:buChar char="●"/>
+            </a:pPr>
+            <a:r>
+              <a:rPr lang="en" sz="1300">
+                <a:solidFill>
+                  <a:schemeClr val="dk1"/>
+                </a:solidFill>
+                <a:latin typeface="Calibri"/>
+                <a:ea typeface="Calibri"/>
+                <a:cs typeface="Calibri"/>
+                <a:sym typeface="Calibri"/>
+              </a:rPr>
+              <a:t>highly accurate and efficient</a:t>
+            </a:r>
+            <a:endParaRPr sz="1300">
+              <a:solidFill>
+                <a:schemeClr val="dk1"/>
+              </a:solidFill>
+              <a:latin typeface="Calibri"/>
+              <a:ea typeface="Calibri"/>
+              <a:cs typeface="Calibri"/>
+              <a:sym typeface="Calibri"/>
+            </a:endParaRPr>
+          </a:p>
+          <a:p>
+            <a:pPr marL="228600" lvl="0" indent="-139700" algn="l" rtl="0">
+              <a:spcBef>
+                <a:spcPts val="0"/>
+              </a:spcBef>
+              <a:spcAft>
+                <a:spcPts val="0"/>
+              </a:spcAft>
+              <a:buClr>
+                <a:schemeClr val="dk1"/>
+              </a:buClr>
+              <a:buSzPts val="1300"/>
+              <a:buFont typeface="Calibri"/>
+              <a:buChar char="●"/>
+            </a:pPr>
+            <a:r>
+              <a:rPr lang="en" sz="1300">
+                <a:solidFill>
+                  <a:schemeClr val="dk1"/>
+                </a:solidFill>
+                <a:latin typeface="Calibri"/>
+                <a:ea typeface="Calibri"/>
+                <a:cs typeface="Calibri"/>
+                <a:sym typeface="Calibri"/>
+              </a:rPr>
+              <a:t>fits on a single NVIDIA </a:t>
+            </a:r>
+            <a:r>
+              <a:rPr lang="en" sz="1300" b="1">
+                <a:solidFill>
+                  <a:srgbClr val="FF0000"/>
+                </a:solidFill>
+                <a:latin typeface="Calibri"/>
+                <a:ea typeface="Calibri"/>
+                <a:cs typeface="Calibri"/>
+                <a:sym typeface="Calibri"/>
+              </a:rPr>
+              <a:t>H100</a:t>
+            </a:r>
+            <a:r>
+              <a:rPr lang="en" sz="1300">
+                <a:solidFill>
+                  <a:schemeClr val="dk1"/>
+                </a:solidFill>
+                <a:latin typeface="Calibri"/>
+                <a:ea typeface="Calibri"/>
+                <a:cs typeface="Calibri"/>
+                <a:sym typeface="Calibri"/>
+              </a:rPr>
+              <a:t> GPU</a:t>
+            </a:r>
+            <a:endParaRPr sz="1300">
+              <a:solidFill>
+                <a:schemeClr val="dk1"/>
+              </a:solidFill>
+              <a:latin typeface="Calibri"/>
+              <a:ea typeface="Calibri"/>
+              <a:cs typeface="Calibri"/>
+              <a:sym typeface="Calibri"/>
+            </a:endParaRPr>
+          </a:p>
+          <a:p>
+            <a:pPr marL="228600" lvl="0" indent="-139700" algn="l" rtl="0">
+              <a:spcBef>
+                <a:spcPts val="0"/>
+              </a:spcBef>
+              <a:spcAft>
+                <a:spcPts val="0"/>
+              </a:spcAft>
+              <a:buClr>
+                <a:schemeClr val="dk1"/>
+              </a:buClr>
+              <a:buSzPts val="1300"/>
+              <a:buFont typeface="Calibri"/>
+              <a:buChar char="●"/>
+            </a:pPr>
+            <a:r>
+              <a:rPr lang="en" sz="1300">
+                <a:solidFill>
+                  <a:schemeClr val="dk1"/>
+                </a:solidFill>
+                <a:latin typeface="Calibri"/>
+                <a:ea typeface="Calibri"/>
+                <a:cs typeface="Calibri"/>
+                <a:sym typeface="Calibri"/>
+              </a:rPr>
+              <a:t>2..4 times faster than original Llama-3.1-70B</a:t>
+            </a:r>
+            <a:endParaRPr sz="1300">
+              <a:solidFill>
+                <a:schemeClr val="dk1"/>
+              </a:solidFill>
+              <a:latin typeface="Calibri"/>
+              <a:ea typeface="Calibri"/>
+              <a:cs typeface="Calibri"/>
+              <a:sym typeface="Calibri"/>
+            </a:endParaRPr>
+          </a:p>
+          <a:p>
+            <a:pPr marL="228600" lvl="0" indent="-120650" algn="l" rtl="0">
+              <a:spcBef>
+                <a:spcPts val="0"/>
+              </a:spcBef>
+              <a:spcAft>
+                <a:spcPts val="0"/>
+              </a:spcAft>
+              <a:buClr>
+                <a:schemeClr val="dk1"/>
+              </a:buClr>
+              <a:buSzPts val="1000"/>
+              <a:buFont typeface="Calibri"/>
+              <a:buChar char="●"/>
+            </a:pPr>
+            <a:r>
+              <a:rPr lang="en" sz="1000" u="sng">
+                <a:solidFill>
+                  <a:schemeClr val="hlink"/>
+                </a:solidFill>
+                <a:latin typeface="Calibri"/>
+                <a:ea typeface="Calibri"/>
+                <a:cs typeface="Calibri"/>
+                <a:sym typeface="Calibri"/>
+                <a:hlinkClick r:id="rId3"/>
+              </a:rPr>
+              <a:t>https://developer.nvidia.com/blog/advancing-the-accuracy-efficiency-frontier-with-llama-3-1-nemotron-51b/</a:t>
+            </a:r>
+            <a:r>
+              <a:rPr lang="en" sz="1000">
+                <a:solidFill>
+                  <a:schemeClr val="dk1"/>
+                </a:solidFill>
+                <a:latin typeface="Calibri"/>
+                <a:ea typeface="Calibri"/>
+                <a:cs typeface="Calibri"/>
+                <a:sym typeface="Calibri"/>
+              </a:rPr>
+              <a:t> </a:t>
+            </a:r>
+            <a:endParaRPr sz="1000">
+              <a:solidFill>
+                <a:schemeClr val="dk1"/>
+              </a:solidFill>
+              <a:latin typeface="Calibri"/>
+              <a:ea typeface="Calibri"/>
+              <a:cs typeface="Calibri"/>
+              <a:sym typeface="Calibri"/>
+            </a:endParaRPr>
+          </a:p>
+        </p:txBody>
+      </p:sp>
+      <p:sp>
+        <p:nvSpPr>
+          <p:cNvPr id="147" name="Google Shape;147;p23"/>
+          <p:cNvSpPr txBox="1"/>
+          <p:nvPr/>
+        </p:nvSpPr>
+        <p:spPr>
+          <a:xfrm>
+            <a:off x="91750" y="1951586"/>
+            <a:ext cx="4434300" cy="618600"/>
+          </a:xfrm>
+          <a:prstGeom prst="rect">
+            <a:avLst/>
+          </a:prstGeom>
+          <a:solidFill>
+            <a:srgbClr val="FFF2CC"/>
+          </a:solidFill>
+          <a:ln w="9525" cap="flat" cmpd="sng">
+            <a:solidFill>
+              <a:srgbClr val="FF0000"/>
+            </a:solidFill>
+            <a:prstDash val="solid"/>
+            <a:round/>
+            <a:headEnd type="none" w="sm" len="sm"/>
+            <a:tailEnd type="none" w="sm" len="sm"/>
+          </a:ln>
+        </p:spPr>
+        <p:txBody>
+          <a:bodyPr spcFirstLastPara="1" wrap="square" lIns="9125" tIns="9125" rIns="9125" bIns="9125" anchor="t" anchorCtr="0">
+            <a:spAutoFit/>
+          </a:bodyPr>
+          <a:lstStyle/>
+          <a:p>
+            <a:pPr marL="0" lvl="0" indent="0" algn="l" rtl="0">
+              <a:spcBef>
+                <a:spcPts val="0"/>
+              </a:spcBef>
+              <a:spcAft>
+                <a:spcPts val="0"/>
+              </a:spcAft>
+              <a:buNone/>
+            </a:pPr>
+            <a:r>
+              <a:rPr lang="en" sz="1300" b="1">
+                <a:solidFill>
+                  <a:srgbClr val="FF0000"/>
+                </a:solidFill>
+                <a:latin typeface="Calibri"/>
+                <a:ea typeface="Calibri"/>
+                <a:cs typeface="Calibri"/>
+                <a:sym typeface="Calibri"/>
+              </a:rPr>
+              <a:t>OpenAI</a:t>
+            </a:r>
+            <a:r>
+              <a:rPr lang="en" sz="1300">
+                <a:solidFill>
+                  <a:schemeClr val="dk1"/>
+                </a:solidFill>
+                <a:latin typeface="Calibri"/>
+                <a:ea typeface="Calibri"/>
+                <a:cs typeface="Calibri"/>
+                <a:sym typeface="Calibri"/>
+              </a:rPr>
+              <a:t> raising $5..7 Bln at ~$150 Bln valuation.</a:t>
+            </a:r>
+            <a:endParaRPr sz="1300">
+              <a:solidFill>
+                <a:schemeClr val="dk1"/>
+              </a:solidFill>
+              <a:latin typeface="Calibri"/>
+              <a:ea typeface="Calibri"/>
+              <a:cs typeface="Calibri"/>
+              <a:sym typeface="Calibri"/>
+            </a:endParaRPr>
+          </a:p>
+          <a:p>
+            <a:pPr marL="0" lvl="0" indent="0" algn="l" rtl="0">
+              <a:spcBef>
+                <a:spcPts val="0"/>
+              </a:spcBef>
+              <a:spcAft>
+                <a:spcPts val="0"/>
+              </a:spcAft>
+              <a:buNone/>
+            </a:pPr>
+            <a:r>
+              <a:rPr lang="en" sz="1300" b="1">
+                <a:solidFill>
+                  <a:srgbClr val="FF0000"/>
+                </a:solidFill>
+                <a:latin typeface="Calibri"/>
+                <a:ea typeface="Calibri"/>
+                <a:cs typeface="Calibri"/>
+                <a:sym typeface="Calibri"/>
+              </a:rPr>
+              <a:t>Anthropic</a:t>
+            </a:r>
+            <a:r>
+              <a:rPr lang="en" sz="1300">
+                <a:solidFill>
+                  <a:schemeClr val="dk1"/>
+                </a:solidFill>
+                <a:latin typeface="Calibri"/>
+                <a:ea typeface="Calibri"/>
+                <a:cs typeface="Calibri"/>
+                <a:sym typeface="Calibri"/>
+              </a:rPr>
+              <a:t> has begun discussions with new valuation $30-40 Bln, which is about double from last year.</a:t>
+            </a:r>
+            <a:endParaRPr sz="1000">
+              <a:solidFill>
+                <a:schemeClr val="dk1"/>
+              </a:solidFill>
+              <a:latin typeface="Calibri"/>
+              <a:ea typeface="Calibri"/>
+              <a:cs typeface="Calibri"/>
+              <a:sym typeface="Calibri"/>
+            </a:endParaRPr>
+          </a:p>
+        </p:txBody>
+      </p:sp>
+      <p:sp>
+        <p:nvSpPr>
+          <p:cNvPr id="148" name="Google Shape;148;p23"/>
+          <p:cNvSpPr txBox="1"/>
+          <p:nvPr/>
+        </p:nvSpPr>
+        <p:spPr>
+          <a:xfrm>
+            <a:off x="5545201" y="55575"/>
+            <a:ext cx="3542100" cy="895800"/>
+          </a:xfrm>
+          <a:prstGeom prst="rect">
+            <a:avLst/>
+          </a:prstGeom>
+          <a:solidFill>
+            <a:srgbClr val="FFF2CC"/>
+          </a:solidFill>
+          <a:ln w="9525" cap="flat" cmpd="sng">
+            <a:solidFill>
+              <a:srgbClr val="FF0000"/>
+            </a:solidFill>
+            <a:prstDash val="solid"/>
+            <a:round/>
+            <a:headEnd type="none" w="sm" len="sm"/>
+            <a:tailEnd type="none" w="sm" len="sm"/>
+          </a:ln>
+        </p:spPr>
+        <p:txBody>
+          <a:bodyPr spcFirstLastPara="1" wrap="square" lIns="9125" tIns="9125" rIns="9125" bIns="9125" anchor="t" anchorCtr="0">
+            <a:spAutoFit/>
+          </a:bodyPr>
+          <a:lstStyle/>
+          <a:p>
+            <a:pPr marL="0" lvl="0" indent="0" algn="l" rtl="0">
+              <a:spcBef>
+                <a:spcPts val="0"/>
+              </a:spcBef>
+              <a:spcAft>
+                <a:spcPts val="0"/>
+              </a:spcAft>
+              <a:buNone/>
+            </a:pPr>
+            <a:r>
+              <a:rPr lang="en" sz="1300">
+                <a:solidFill>
+                  <a:schemeClr val="dk1"/>
+                </a:solidFill>
+                <a:latin typeface="Calibri"/>
+                <a:ea typeface="Calibri"/>
+                <a:cs typeface="Calibri"/>
+                <a:sym typeface="Calibri"/>
+              </a:rPr>
+              <a:t>Apple's former chief design officer, </a:t>
+            </a:r>
+            <a:r>
+              <a:rPr lang="en" sz="1300" b="1">
+                <a:solidFill>
+                  <a:srgbClr val="FF0000"/>
+                </a:solidFill>
+                <a:latin typeface="Calibri"/>
+                <a:ea typeface="Calibri"/>
+                <a:cs typeface="Calibri"/>
+                <a:sym typeface="Calibri"/>
+              </a:rPr>
+              <a:t>Jony Ive</a:t>
+            </a:r>
+            <a:r>
+              <a:rPr lang="en" sz="1300">
+                <a:solidFill>
+                  <a:schemeClr val="dk1"/>
+                </a:solidFill>
+                <a:latin typeface="Calibri"/>
+                <a:ea typeface="Calibri"/>
+                <a:cs typeface="Calibri"/>
+                <a:sym typeface="Calibri"/>
+              </a:rPr>
+              <a:t>, is collaborating with </a:t>
+            </a:r>
+            <a:r>
+              <a:rPr lang="en" sz="1300" b="1">
+                <a:solidFill>
+                  <a:srgbClr val="FF0000"/>
+                </a:solidFill>
+                <a:latin typeface="Calibri"/>
+                <a:ea typeface="Calibri"/>
+                <a:cs typeface="Calibri"/>
+                <a:sym typeface="Calibri"/>
+              </a:rPr>
+              <a:t>OpenAI CEO Sam Altman</a:t>
+            </a:r>
+            <a:r>
+              <a:rPr lang="en" sz="1300">
+                <a:solidFill>
+                  <a:schemeClr val="dk1"/>
+                </a:solidFill>
+                <a:latin typeface="Calibri"/>
+                <a:ea typeface="Calibri"/>
+                <a:cs typeface="Calibri"/>
+                <a:sym typeface="Calibri"/>
+              </a:rPr>
+              <a:t> on developing new AI device. </a:t>
+            </a:r>
+            <a:endParaRPr sz="1300">
+              <a:solidFill>
+                <a:schemeClr val="dk1"/>
+              </a:solidFill>
+              <a:latin typeface="Calibri"/>
+              <a:ea typeface="Calibri"/>
+              <a:cs typeface="Calibri"/>
+              <a:sym typeface="Calibri"/>
+            </a:endParaRPr>
+          </a:p>
+          <a:p>
+            <a:pPr marL="0" lvl="0" indent="0" algn="l" rtl="0">
+              <a:spcBef>
+                <a:spcPts val="0"/>
+              </a:spcBef>
+              <a:spcAft>
+                <a:spcPts val="0"/>
+              </a:spcAft>
+              <a:buNone/>
+            </a:pPr>
+            <a:r>
+              <a:rPr lang="en" sz="900" u="sng">
+                <a:solidFill>
+                  <a:schemeClr val="hlink"/>
+                </a:solidFill>
+                <a:latin typeface="Calibri"/>
+                <a:ea typeface="Calibri"/>
+                <a:cs typeface="Calibri"/>
+                <a:sym typeface="Calibri"/>
+                <a:hlinkClick r:id="rId4"/>
+              </a:rPr>
+              <a:t>https://www.engadget.com/ai/jony-ive-confirms-hes-working-with-sam-altman-on-a-secret-project-163201291.html</a:t>
+            </a:r>
+            <a:r>
+              <a:rPr lang="en" sz="900">
+                <a:solidFill>
+                  <a:schemeClr val="dk1"/>
+                </a:solidFill>
+                <a:latin typeface="Calibri"/>
+                <a:ea typeface="Calibri"/>
+                <a:cs typeface="Calibri"/>
+                <a:sym typeface="Calibri"/>
+              </a:rPr>
+              <a:t> </a:t>
+            </a:r>
+            <a:endParaRPr sz="900">
+              <a:solidFill>
+                <a:schemeClr val="dk1"/>
+              </a:solidFill>
+              <a:latin typeface="Calibri"/>
+              <a:ea typeface="Calibri"/>
+              <a:cs typeface="Calibri"/>
+              <a:sym typeface="Calibri"/>
+            </a:endParaRPr>
+          </a:p>
+        </p:txBody>
+      </p:sp>
+      <p:pic>
+        <p:nvPicPr>
+          <p:cNvPr id="149" name="Google Shape;149;p23"/>
+          <p:cNvPicPr preferRelativeResize="0"/>
+          <p:nvPr/>
+        </p:nvPicPr>
+        <p:blipFill>
+          <a:blip r:embed="rId5" cstate="email">
+            <a:alphaModFix/>
+            <a:extLst>
+              <a:ext uri="{28A0092B-C50C-407E-A947-70E740481C1C}">
+                <a14:useLocalDpi xmlns:a14="http://schemas.microsoft.com/office/drawing/2010/main"/>
+              </a:ext>
+            </a:extLst>
+          </a:blip>
+          <a:stretch>
+            <a:fillRect/>
+          </a:stretch>
+        </p:blipFill>
+        <p:spPr>
+          <a:xfrm>
+            <a:off x="4599051" y="72977"/>
+            <a:ext cx="873160" cy="895800"/>
+          </a:xfrm>
+          <a:prstGeom prst="rect">
+            <a:avLst/>
+          </a:prstGeom>
+          <a:noFill/>
+          <a:ln w="9525" cap="flat" cmpd="sng">
+            <a:solidFill>
+              <a:srgbClr val="FF0000"/>
+            </a:solidFill>
+            <a:prstDash val="solid"/>
+            <a:round/>
+            <a:headEnd type="none" w="sm" len="sm"/>
+            <a:tailEnd type="none" w="sm" len="sm"/>
+          </a:ln>
+        </p:spPr>
+      </p:pic>
+      <p:sp>
+        <p:nvSpPr>
+          <p:cNvPr id="150" name="Google Shape;150;p23"/>
+          <p:cNvSpPr txBox="1"/>
+          <p:nvPr/>
+        </p:nvSpPr>
+        <p:spPr>
+          <a:xfrm>
+            <a:off x="91750" y="2639720"/>
+            <a:ext cx="4434300" cy="818700"/>
+          </a:xfrm>
+          <a:prstGeom prst="rect">
+            <a:avLst/>
+          </a:prstGeom>
+          <a:solidFill>
+            <a:srgbClr val="FFF2CC"/>
+          </a:solidFill>
+          <a:ln w="9525" cap="flat" cmpd="sng">
+            <a:solidFill>
+              <a:srgbClr val="FF0000"/>
+            </a:solidFill>
+            <a:prstDash val="solid"/>
+            <a:round/>
+            <a:headEnd type="none" w="sm" len="sm"/>
+            <a:tailEnd type="none" w="sm" len="sm"/>
+          </a:ln>
+        </p:spPr>
+        <p:txBody>
+          <a:bodyPr spcFirstLastPara="1" wrap="square" lIns="9125" tIns="9125" rIns="9125" bIns="9125" anchor="t" anchorCtr="0">
+            <a:spAutoFit/>
+          </a:bodyPr>
+          <a:lstStyle/>
+          <a:p>
+            <a:pPr marL="0" lvl="0" indent="0" algn="l" rtl="0">
+              <a:spcBef>
+                <a:spcPts val="0"/>
+              </a:spcBef>
+              <a:spcAft>
+                <a:spcPts val="0"/>
+              </a:spcAft>
+              <a:buNone/>
+            </a:pPr>
+            <a:r>
+              <a:rPr lang="en" sz="1300" b="1">
+                <a:solidFill>
+                  <a:srgbClr val="FF0000"/>
+                </a:solidFill>
+                <a:latin typeface="Calibri"/>
+                <a:ea typeface="Calibri"/>
+                <a:cs typeface="Calibri"/>
+                <a:sym typeface="Calibri"/>
+              </a:rPr>
+              <a:t>South Korea; Solar Pro Preview</a:t>
+            </a:r>
+            <a:r>
+              <a:rPr lang="en" sz="1300">
+                <a:solidFill>
+                  <a:schemeClr val="dk1"/>
+                </a:solidFill>
+                <a:latin typeface="Calibri"/>
+                <a:ea typeface="Calibri"/>
+                <a:cs typeface="Calibri"/>
+                <a:sym typeface="Calibri"/>
+              </a:rPr>
+              <a:t>: The most intelligent LLM on a single GPU from Upstage - South Korean AI company</a:t>
+            </a:r>
+            <a:endParaRPr sz="1300">
+              <a:solidFill>
+                <a:schemeClr val="dk1"/>
+              </a:solidFill>
+              <a:latin typeface="Calibri"/>
+              <a:ea typeface="Calibri"/>
+              <a:cs typeface="Calibri"/>
+              <a:sym typeface="Calibri"/>
+            </a:endParaRPr>
+          </a:p>
+          <a:p>
+            <a:pPr marL="0" lvl="0" indent="0" algn="l" rtl="0">
+              <a:spcBef>
+                <a:spcPts val="0"/>
+              </a:spcBef>
+              <a:spcAft>
+                <a:spcPts val="0"/>
+              </a:spcAft>
+              <a:buNone/>
+            </a:pPr>
+            <a:r>
+              <a:rPr lang="en" sz="1300" u="sng">
+                <a:solidFill>
+                  <a:schemeClr val="hlink"/>
+                </a:solidFill>
+                <a:latin typeface="Calibri"/>
+                <a:ea typeface="Calibri"/>
+                <a:cs typeface="Calibri"/>
+                <a:sym typeface="Calibri"/>
+                <a:hlinkClick r:id="rId6"/>
+              </a:rPr>
+              <a:t>https://www.upstage.ai/products/solar-pro-preview</a:t>
+            </a:r>
+            <a:r>
+              <a:rPr lang="en" sz="1300">
+                <a:solidFill>
+                  <a:schemeClr val="dk1"/>
+                </a:solidFill>
+                <a:latin typeface="Calibri"/>
+                <a:ea typeface="Calibri"/>
+                <a:cs typeface="Calibri"/>
+                <a:sym typeface="Calibri"/>
+              </a:rPr>
+              <a:t> </a:t>
+            </a:r>
+            <a:endParaRPr sz="1300">
+              <a:solidFill>
+                <a:schemeClr val="dk1"/>
+              </a:solidFill>
+              <a:latin typeface="Calibri"/>
+              <a:ea typeface="Calibri"/>
+              <a:cs typeface="Calibri"/>
+              <a:sym typeface="Calibri"/>
+            </a:endParaRPr>
+          </a:p>
+          <a:p>
+            <a:pPr marL="0" lvl="0" indent="0" algn="l" rtl="0">
+              <a:spcBef>
+                <a:spcPts val="0"/>
+              </a:spcBef>
+              <a:spcAft>
+                <a:spcPts val="0"/>
+              </a:spcAft>
+              <a:buNone/>
+            </a:pPr>
+            <a:r>
+              <a:rPr lang="en" sz="1300" u="sng">
+                <a:solidFill>
+                  <a:schemeClr val="hlink"/>
+                </a:solidFill>
+                <a:latin typeface="Calibri"/>
+                <a:ea typeface="Calibri"/>
+                <a:cs typeface="Calibri"/>
+                <a:sym typeface="Calibri"/>
+                <a:hlinkClick r:id="rId7"/>
+              </a:rPr>
+              <a:t>https://huggingface.co/upstage/solar-pro-preview-instruct</a:t>
+            </a:r>
+            <a:r>
+              <a:rPr lang="en" sz="1300">
+                <a:solidFill>
+                  <a:schemeClr val="dk1"/>
+                </a:solidFill>
+                <a:latin typeface="Calibri"/>
+                <a:ea typeface="Calibri"/>
+                <a:cs typeface="Calibri"/>
+                <a:sym typeface="Calibri"/>
+              </a:rPr>
+              <a:t> </a:t>
+            </a:r>
+            <a:endParaRPr sz="1300">
+              <a:solidFill>
+                <a:schemeClr val="dk1"/>
+              </a:solidFill>
+              <a:latin typeface="Calibri"/>
+              <a:ea typeface="Calibri"/>
+              <a:cs typeface="Calibri"/>
+              <a:sym typeface="Calibri"/>
+            </a:endParaRPr>
+          </a:p>
+        </p:txBody>
+      </p:sp>
+      <p:sp>
+        <p:nvSpPr>
+          <p:cNvPr id="151" name="Google Shape;151;p23"/>
+          <p:cNvSpPr txBox="1"/>
+          <p:nvPr/>
+        </p:nvSpPr>
+        <p:spPr>
+          <a:xfrm>
+            <a:off x="4749900" y="1065725"/>
+            <a:ext cx="4337400" cy="2619600"/>
+          </a:xfrm>
+          <a:prstGeom prst="rect">
+            <a:avLst/>
+          </a:prstGeom>
+          <a:solidFill>
+            <a:srgbClr val="FFF2CC"/>
+          </a:solidFill>
+          <a:ln w="9525" cap="flat" cmpd="sng">
+            <a:solidFill>
+              <a:srgbClr val="FF0000"/>
+            </a:solidFill>
+            <a:prstDash val="solid"/>
+            <a:round/>
+            <a:headEnd type="none" w="sm" len="sm"/>
+            <a:tailEnd type="none" w="sm" len="sm"/>
+          </a:ln>
+        </p:spPr>
+        <p:txBody>
+          <a:bodyPr spcFirstLastPara="1" wrap="square" lIns="9125" tIns="9125" rIns="9125" bIns="9125" anchor="t" anchorCtr="0">
+            <a:spAutoFit/>
+          </a:bodyPr>
+          <a:lstStyle/>
+          <a:p>
+            <a:pPr marL="0" lvl="0" indent="0" algn="l" rtl="0">
+              <a:spcBef>
+                <a:spcPts val="0"/>
+              </a:spcBef>
+              <a:spcAft>
+                <a:spcPts val="0"/>
+              </a:spcAft>
+              <a:buNone/>
+            </a:pPr>
+            <a:r>
+              <a:rPr lang="en" sz="1300" b="1">
+                <a:solidFill>
+                  <a:srgbClr val="FF0000"/>
+                </a:solidFill>
+                <a:latin typeface="Calibri"/>
+                <a:ea typeface="Calibri"/>
+                <a:cs typeface="Calibri"/>
+                <a:sym typeface="Calibri"/>
+              </a:rPr>
+              <a:t>Anthropic's Contextual Retrieval</a:t>
+            </a:r>
+            <a:r>
+              <a:rPr lang="en" sz="1300">
+                <a:solidFill>
+                  <a:schemeClr val="dk1"/>
+                </a:solidFill>
+                <a:latin typeface="Calibri"/>
+                <a:ea typeface="Calibri"/>
+                <a:cs typeface="Calibri"/>
+                <a:sym typeface="Calibri"/>
+              </a:rPr>
+              <a:t> - improve RAG by prepending chunk-specific explanatory context to each chunk before embedding ("Contextual Embeddings") and creating the BM25 index ("Contextual BM25"). BM25 (Best Match 25) is a ranking function similar to TF-IDF, but improved (doc length normalization, Term Frequency Saturation, tunable parameters). </a:t>
+            </a:r>
+            <a:endParaRPr sz="1300">
+              <a:solidFill>
+                <a:schemeClr val="dk1"/>
+              </a:solidFill>
+              <a:latin typeface="Calibri"/>
+              <a:ea typeface="Calibri"/>
+              <a:cs typeface="Calibri"/>
+              <a:sym typeface="Calibri"/>
+            </a:endParaRPr>
+          </a:p>
+          <a:p>
+            <a:pPr marL="0" lvl="0" indent="0" algn="l" rtl="0">
+              <a:spcBef>
+                <a:spcPts val="0"/>
+              </a:spcBef>
+              <a:spcAft>
+                <a:spcPts val="0"/>
+              </a:spcAft>
+              <a:buNone/>
+            </a:pPr>
+            <a:r>
+              <a:rPr lang="en" sz="1300" u="sng">
+                <a:solidFill>
+                  <a:schemeClr val="hlink"/>
+                </a:solidFill>
+                <a:latin typeface="Calibri"/>
+                <a:ea typeface="Calibri"/>
+                <a:cs typeface="Calibri"/>
+                <a:sym typeface="Calibri"/>
+                <a:hlinkClick r:id="rId8"/>
+              </a:rPr>
+              <a:t>https://www.anthropic.com/news/contextual-retrieval</a:t>
+            </a:r>
+            <a:r>
+              <a:rPr lang="en" sz="1300">
+                <a:solidFill>
+                  <a:schemeClr val="dk1"/>
+                </a:solidFill>
+                <a:latin typeface="Calibri"/>
+                <a:ea typeface="Calibri"/>
+                <a:cs typeface="Calibri"/>
+                <a:sym typeface="Calibri"/>
+              </a:rPr>
+              <a:t> </a:t>
+            </a:r>
+            <a:endParaRPr sz="1300">
+              <a:solidFill>
+                <a:schemeClr val="dk1"/>
+              </a:solidFill>
+              <a:latin typeface="Calibri"/>
+              <a:ea typeface="Calibri"/>
+              <a:cs typeface="Calibri"/>
+              <a:sym typeface="Calibri"/>
+            </a:endParaRPr>
+          </a:p>
+          <a:p>
+            <a:pPr marL="0" lvl="0" indent="0" algn="l" rtl="0">
+              <a:spcBef>
+                <a:spcPts val="0"/>
+              </a:spcBef>
+              <a:spcAft>
+                <a:spcPts val="0"/>
+              </a:spcAft>
+              <a:buClr>
+                <a:schemeClr val="dk1"/>
+              </a:buClr>
+              <a:buSzPts val="1100"/>
+              <a:buFont typeface="Arial"/>
+              <a:buNone/>
+            </a:pPr>
+            <a:r>
+              <a:rPr lang="en" sz="1300" b="1">
+                <a:solidFill>
+                  <a:srgbClr val="FF0000"/>
+                </a:solidFill>
+                <a:latin typeface="Calibri"/>
+                <a:ea typeface="Calibri"/>
+                <a:cs typeface="Calibri"/>
+                <a:sym typeface="Calibri"/>
+              </a:rPr>
+              <a:t>original_chunk</a:t>
+            </a:r>
+            <a:r>
+              <a:rPr lang="en" sz="1300" b="1">
+                <a:solidFill>
+                  <a:srgbClr val="3C78D8"/>
+                </a:solidFill>
+                <a:latin typeface="Calibri"/>
+                <a:ea typeface="Calibri"/>
+                <a:cs typeface="Calibri"/>
+                <a:sym typeface="Calibri"/>
+              </a:rPr>
+              <a:t> = "The company's revenue grew by 3% over the previous quarter."</a:t>
+            </a:r>
+            <a:endParaRPr sz="1300" b="1">
+              <a:solidFill>
+                <a:srgbClr val="3C78D8"/>
+              </a:solidFill>
+              <a:latin typeface="Calibri"/>
+              <a:ea typeface="Calibri"/>
+              <a:cs typeface="Calibri"/>
+              <a:sym typeface="Calibri"/>
+            </a:endParaRPr>
+          </a:p>
+          <a:p>
+            <a:pPr marL="0" lvl="0" indent="0" algn="l" rtl="0">
+              <a:spcBef>
+                <a:spcPts val="0"/>
+              </a:spcBef>
+              <a:spcAft>
+                <a:spcPts val="0"/>
+              </a:spcAft>
+              <a:buNone/>
+            </a:pPr>
+            <a:r>
+              <a:rPr lang="en" sz="1300" b="1">
+                <a:solidFill>
+                  <a:srgbClr val="FF0000"/>
+                </a:solidFill>
+                <a:latin typeface="Calibri"/>
+                <a:ea typeface="Calibri"/>
+                <a:cs typeface="Calibri"/>
+                <a:sym typeface="Calibri"/>
+              </a:rPr>
+              <a:t>contextualized_chunk</a:t>
+            </a:r>
+            <a:r>
+              <a:rPr lang="en" sz="1300">
+                <a:solidFill>
+                  <a:schemeClr val="dk1"/>
+                </a:solidFill>
+                <a:latin typeface="Calibri"/>
+                <a:ea typeface="Calibri"/>
+                <a:cs typeface="Calibri"/>
+                <a:sym typeface="Calibri"/>
+              </a:rPr>
+              <a:t> = "</a:t>
+            </a:r>
+            <a:r>
+              <a:rPr lang="en" sz="1300" b="1">
+                <a:solidFill>
+                  <a:srgbClr val="6AA84F"/>
+                </a:solidFill>
+                <a:latin typeface="Calibri"/>
+                <a:ea typeface="Calibri"/>
+                <a:cs typeface="Calibri"/>
+                <a:sym typeface="Calibri"/>
+              </a:rPr>
+              <a:t>This chunk is from an SEC filing on ACME corp's performance in Q2 2023; the previous quarter's revenue was $314 million. </a:t>
+            </a:r>
+            <a:r>
+              <a:rPr lang="en" sz="1300" b="1">
+                <a:solidFill>
+                  <a:srgbClr val="3C78D8"/>
+                </a:solidFill>
+                <a:latin typeface="Calibri"/>
+                <a:ea typeface="Calibri"/>
+                <a:cs typeface="Calibri"/>
+                <a:sym typeface="Calibri"/>
+              </a:rPr>
+              <a:t>The company's revenue grew by 3% over the previous quarter.</a:t>
+            </a:r>
+            <a:r>
+              <a:rPr lang="en" sz="1300">
+                <a:solidFill>
+                  <a:schemeClr val="dk1"/>
+                </a:solidFill>
+                <a:latin typeface="Calibri"/>
+                <a:ea typeface="Calibri"/>
+                <a:cs typeface="Calibri"/>
+                <a:sym typeface="Calibri"/>
+              </a:rPr>
+              <a:t>"</a:t>
+            </a:r>
+            <a:endParaRPr sz="1300">
+              <a:solidFill>
+                <a:schemeClr val="dk1"/>
+              </a:solidFill>
+              <a:latin typeface="Calibri"/>
+              <a:ea typeface="Calibri"/>
+              <a:cs typeface="Calibri"/>
+              <a:sym typeface="Calibri"/>
+            </a:endParaRPr>
+          </a:p>
+        </p:txBody>
+      </p:sp>
+      <p:sp>
+        <p:nvSpPr>
+          <p:cNvPr id="152" name="Google Shape;152;p23"/>
+          <p:cNvSpPr txBox="1"/>
+          <p:nvPr/>
+        </p:nvSpPr>
+        <p:spPr>
+          <a:xfrm>
+            <a:off x="91750" y="3563770"/>
+            <a:ext cx="4434300" cy="557100"/>
+          </a:xfrm>
+          <a:prstGeom prst="rect">
+            <a:avLst/>
+          </a:prstGeom>
+          <a:solidFill>
+            <a:srgbClr val="FFF2CC"/>
+          </a:solidFill>
+          <a:ln w="9525" cap="flat" cmpd="sng">
+            <a:solidFill>
+              <a:srgbClr val="FF0000"/>
+            </a:solidFill>
+            <a:prstDash val="solid"/>
+            <a:round/>
+            <a:headEnd type="none" w="sm" len="sm"/>
+            <a:tailEnd type="none" w="sm" len="sm"/>
+          </a:ln>
+        </p:spPr>
+        <p:txBody>
+          <a:bodyPr spcFirstLastPara="1" wrap="square" lIns="9125" tIns="9125" rIns="9125" bIns="9125" anchor="t" anchorCtr="0">
+            <a:spAutoFit/>
+          </a:bodyPr>
+          <a:lstStyle/>
+          <a:p>
+            <a:pPr marL="0" lvl="0" indent="0" algn="l" rtl="0">
+              <a:spcBef>
+                <a:spcPts val="0"/>
+              </a:spcBef>
+              <a:spcAft>
+                <a:spcPts val="0"/>
+              </a:spcAft>
+              <a:buNone/>
+            </a:pPr>
+            <a:r>
+              <a:rPr lang="en" sz="1300" b="1">
+                <a:solidFill>
+                  <a:srgbClr val="FF0000"/>
+                </a:solidFill>
+                <a:latin typeface="Calibri"/>
+                <a:ea typeface="Calibri"/>
+                <a:cs typeface="Calibri"/>
+                <a:sym typeface="Calibri"/>
+              </a:rPr>
+              <a:t>101 Gen AI Cheat Sheets (23 actually)</a:t>
+            </a:r>
+            <a:endParaRPr sz="1300">
+              <a:solidFill>
+                <a:schemeClr val="dk1"/>
+              </a:solidFill>
+              <a:latin typeface="Calibri"/>
+              <a:ea typeface="Calibri"/>
+              <a:cs typeface="Calibri"/>
+              <a:sym typeface="Calibri"/>
+            </a:endParaRPr>
+          </a:p>
+          <a:p>
+            <a:pPr marL="0" lvl="0" indent="0" algn="l" rtl="0">
+              <a:spcBef>
+                <a:spcPts val="0"/>
+              </a:spcBef>
+              <a:spcAft>
+                <a:spcPts val="0"/>
+              </a:spcAft>
+              <a:buNone/>
+            </a:pPr>
+            <a:r>
+              <a:rPr lang="en" sz="1300">
+                <a:solidFill>
+                  <a:schemeClr val="dk1"/>
+                </a:solidFill>
+                <a:latin typeface="Calibri"/>
+                <a:ea typeface="Calibri"/>
+                <a:cs typeface="Calibri"/>
+                <a:sym typeface="Calibri"/>
+              </a:rPr>
+              <a:t>Foundation Models, LLMs, Tools, ChatGPTs, Prompting, RAG, ...</a:t>
+            </a:r>
+            <a:endParaRPr sz="1300">
+              <a:solidFill>
+                <a:schemeClr val="dk1"/>
+              </a:solidFill>
+              <a:latin typeface="Calibri"/>
+              <a:ea typeface="Calibri"/>
+              <a:cs typeface="Calibri"/>
+              <a:sym typeface="Calibri"/>
+            </a:endParaRPr>
+          </a:p>
+          <a:p>
+            <a:pPr marL="0" lvl="0" indent="0" algn="l" rtl="0">
+              <a:spcBef>
+                <a:spcPts val="0"/>
+              </a:spcBef>
+              <a:spcAft>
+                <a:spcPts val="0"/>
+              </a:spcAft>
+              <a:buNone/>
+            </a:pPr>
+            <a:r>
+              <a:rPr lang="en" sz="900" u="sng">
+                <a:solidFill>
+                  <a:schemeClr val="hlink"/>
+                </a:solidFill>
+                <a:latin typeface="Calibri"/>
+                <a:ea typeface="Calibri"/>
+                <a:cs typeface="Calibri"/>
+                <a:sym typeface="Calibri"/>
+                <a:hlinkClick r:id="rId9"/>
+              </a:rPr>
+              <a:t>https://medium.com/@anushka.datascoop/101-gen-ai-cheat-sheets-831e17f1e6a7</a:t>
+            </a:r>
+            <a:r>
+              <a:rPr lang="en" sz="900">
+                <a:solidFill>
+                  <a:schemeClr val="dk1"/>
+                </a:solidFill>
+                <a:latin typeface="Calibri"/>
+                <a:ea typeface="Calibri"/>
+                <a:cs typeface="Calibri"/>
+                <a:sym typeface="Calibri"/>
+              </a:rPr>
+              <a:t> </a:t>
+            </a:r>
+            <a:endParaRPr sz="900">
+              <a:solidFill>
+                <a:schemeClr val="dk1"/>
+              </a:solidFill>
+              <a:latin typeface="Calibri"/>
+              <a:ea typeface="Calibri"/>
+              <a:cs typeface="Calibri"/>
+              <a:sym typeface="Calibri"/>
+            </a:endParaRPr>
+          </a:p>
+        </p:txBody>
+      </p:sp>
+    </p:spTree>
+  </p:cSld>
+  <p:clrMapOvr>
+    <a:masterClrMapping/>
+  </p:clrMapOvr>
+</p:sld>
+</file>
+
+<file path=ppt/slides/slide11.xml><?xml version="1.0" encoding="utf-8"?>
+<p:sld xmlns:a="http://schemas.openxmlformats.org/drawingml/2006/main" xmlns:r="http://schemas.openxmlformats.org/officeDocument/2006/relationships" xmlns:p="http://schemas.openxmlformats.org/presentationml/2006/main">
+  <p:cSld>
+    <p:spTree>
+      <p:nvGrpSpPr>
+        <p:cNvPr id="1" name="Shape 156"/>
+        <p:cNvGrpSpPr/>
+        <p:nvPr/>
+      </p:nvGrpSpPr>
+      <p:grpSpPr>
+        <a:xfrm>
+          <a:off x="0" y="0"/>
+          <a:ext cx="0" cy="0"/>
+          <a:chOff x="0" y="0"/>
+          <a:chExt cx="0" cy="0"/>
+        </a:xfrm>
+      </p:grpSpPr>
+      <p:sp>
+        <p:nvSpPr>
+          <p:cNvPr id="157" name="Google Shape;157;p24"/>
           <p:cNvSpPr txBox="1"/>
           <p:nvPr/>
         </p:nvSpPr>
@@ -12847,7 +14348,7 @@
       </p:sp>
       <p:sp>
         <p:nvSpPr>
-          <p:cNvPr id="147" name="Google Shape;147;p23"/>
+          <p:cNvPr id="158" name="Google Shape;158;p24"/>
           <p:cNvSpPr txBox="1"/>
           <p:nvPr/>
         </p:nvSpPr>
@@ -13095,7 +14596,7 @@
       </p:sp>
       <p:pic>
         <p:nvPicPr>
-          <p:cNvPr id="148" name="Google Shape;148;p23"/>
+          <p:cNvPr id="159" name="Google Shape;159;p24"/>
           <p:cNvPicPr preferRelativeResize="0"/>
           <p:nvPr/>
         </p:nvPicPr>
@@ -13133,12 +14634,12 @@
 </p:sld>
 </file>
 
-<file path=ppt/slides/slide11.xml><?xml version="1.0" encoding="utf-8"?>
+<file path=ppt/slides/slide12.xml><?xml version="1.0" encoding="utf-8"?>
 <p:sld xmlns:a="http://schemas.openxmlformats.org/drawingml/2006/main" xmlns:r="http://schemas.openxmlformats.org/officeDocument/2006/relationships" xmlns:p="http://schemas.openxmlformats.org/presentationml/2006/main">
   <p:cSld>
     <p:spTree>
       <p:nvGrpSpPr>
-        <p:cNvPr id="1" name="Shape 152"/>
+        <p:cNvPr id="1" name="Shape 163"/>
         <p:cNvGrpSpPr/>
         <p:nvPr/>
       </p:nvGrpSpPr>
@@ -13152,7 +14653,7 @@
       </p:grpSpPr>
       <p:sp>
         <p:nvSpPr>
-          <p:cNvPr id="153" name="Google Shape;153;p24"/>
+          <p:cNvPr id="164" name="Google Shape;164;p25"/>
           <p:cNvSpPr txBox="1"/>
           <p:nvPr/>
         </p:nvSpPr>
@@ -13215,7 +14716,7 @@
       </p:sp>
       <p:sp>
         <p:nvSpPr>
-          <p:cNvPr id="154" name="Google Shape;154;p24"/>
+          <p:cNvPr id="165" name="Google Shape;165;p25"/>
           <p:cNvSpPr txBox="1"/>
           <p:nvPr/>
         </p:nvSpPr>
@@ -13411,7 +14912,7 @@
       </p:sp>
       <p:sp>
         <p:nvSpPr>
-          <p:cNvPr id="155" name="Google Shape;155;p24"/>
+          <p:cNvPr id="166" name="Google Shape;166;p25"/>
           <p:cNvSpPr txBox="1"/>
           <p:nvPr/>
         </p:nvSpPr>
@@ -13563,7 +15064,7 @@
       </p:sp>
       <p:sp>
         <p:nvSpPr>
-          <p:cNvPr id="156" name="Google Shape;156;p24"/>
+          <p:cNvPr id="167" name="Google Shape;167;p25"/>
           <p:cNvSpPr txBox="1"/>
           <p:nvPr/>
         </p:nvSpPr>
@@ -13771,7 +15272,7 @@
       </p:sp>
       <p:pic>
         <p:nvPicPr>
-          <p:cNvPr id="157" name="Google Shape;157;p24"/>
+          <p:cNvPr id="168" name="Google Shape;168;p25"/>
           <p:cNvPicPr preferRelativeResize="0"/>
           <p:nvPr/>
         </p:nvPicPr>
@@ -13810,7 +15311,7 @@
       </p:pic>
       <p:sp>
         <p:nvSpPr>
-          <p:cNvPr id="158" name="Google Shape;158;p24"/>
+          <p:cNvPr id="169" name="Google Shape;169;p25"/>
           <p:cNvSpPr txBox="1"/>
           <p:nvPr/>
         </p:nvSpPr>
@@ -13921,7 +15422,7 @@
       </p:sp>
       <p:pic>
         <p:nvPicPr>
-          <p:cNvPr id="159" name="Google Shape;159;p24"/>
+          <p:cNvPr id="170" name="Google Shape;170;p25"/>
           <p:cNvPicPr preferRelativeResize="0"/>
           <p:nvPr/>
         </p:nvPicPr>
@@ -13959,7 +15460,7 @@
       </p:pic>
       <p:sp>
         <p:nvSpPr>
-          <p:cNvPr id="160" name="Google Shape;160;p24"/>
+          <p:cNvPr id="171" name="Google Shape;171;p25"/>
           <p:cNvSpPr txBox="1"/>
           <p:nvPr/>
         </p:nvSpPr>
@@ -14247,7 +15748,7 @@
       </p:sp>
       <p:sp>
         <p:nvSpPr>
-          <p:cNvPr id="161" name="Google Shape;161;p24"/>
+          <p:cNvPr id="172" name="Google Shape;172;p25"/>
           <p:cNvSpPr txBox="1"/>
           <p:nvPr/>
         </p:nvSpPr>
@@ -14358,7 +15859,7 @@
       </p:sp>
       <p:sp>
         <p:nvSpPr>
-          <p:cNvPr id="162" name="Google Shape;162;p24"/>
+          <p:cNvPr id="173" name="Google Shape;173;p25"/>
           <p:cNvSpPr txBox="1"/>
           <p:nvPr/>
         </p:nvSpPr>
@@ -14469,7 +15970,7 @@
       </p:sp>
       <p:pic>
         <p:nvPicPr>
-          <p:cNvPr id="163" name="Google Shape;163;p24"/>
+          <p:cNvPr id="174" name="Google Shape;174;p25"/>
           <p:cNvPicPr preferRelativeResize="0"/>
           <p:nvPr/>
         </p:nvPicPr>
@@ -14507,7 +16008,7 @@
       </p:pic>
       <p:sp>
         <p:nvSpPr>
-          <p:cNvPr id="164" name="Google Shape;164;p24"/>
+          <p:cNvPr id="175" name="Google Shape;175;p25"/>
           <p:cNvSpPr txBox="1"/>
           <p:nvPr/>
         </p:nvSpPr>
@@ -14778,14 +16279,14 @@
       </p:sp>
       <p:sp>
         <p:nvSpPr>
-          <p:cNvPr id="165" name="Google Shape;165;p24"/>
+          <p:cNvPr id="176" name="Google Shape;176;p25"/>
           <p:cNvSpPr txBox="1"/>
           <p:nvPr/>
         </p:nvSpPr>
         <p:spPr>
           <a:xfrm>
             <a:off x="91750" y="3289491"/>
-            <a:ext cx="3634200" cy="1296000"/>
+            <a:ext cx="3634200" cy="1696200"/>
           </a:xfrm>
           <a:prstGeom prst="rect">
             <a:avLst/>
@@ -14897,7 +16398,31 @@
                 <a:cs typeface="Calibri"/>
                 <a:sym typeface="Calibri"/>
               </a:rPr>
-              <a:t>Molmo (multimodal open language model) is a </a:t>
+              <a:t>Molmo (multimodal </a:t>
+            </a:r>
+            <a:r>
+              <a:rPr lang="en" sz="1300" b="1">
+                <a:solidFill>
+                  <a:srgbClr val="3C78D8"/>
+                </a:solidFill>
+                <a:latin typeface="Calibri"/>
+                <a:ea typeface="Calibri"/>
+                <a:cs typeface="Calibri"/>
+                <a:sym typeface="Calibri"/>
+              </a:rPr>
+              <a:t>open</a:t>
+            </a:r>
+            <a:r>
+              <a:rPr lang="en" sz="1300">
+                <a:solidFill>
+                  <a:schemeClr val="dk1"/>
+                </a:solidFill>
+                <a:latin typeface="Calibri"/>
+                <a:ea typeface="Calibri"/>
+                <a:cs typeface="Calibri"/>
+                <a:sym typeface="Calibri"/>
+              </a:rPr>
+              <a:t> language model) is a </a:t>
             </a:r>
             <a:r>
               <a:rPr lang="en" sz="1300" b="1">
@@ -14953,7 +16478,39 @@
                 <a:cs typeface="Calibri"/>
                 <a:sym typeface="Calibri"/>
               </a:rPr>
-              <a:t>The model performs on par with the likes of GPT-4o, Gemini 1.5 Pro, and Claude-3.5 Sonnet</a:t>
+              <a:t>The model performs on par with the likes of GPT-4o, Gemini 1.5 Pro, and Claude-3.5 Sonnet.</a:t>
+            </a:r>
+            <a:endParaRPr sz="1300">
+              <a:solidFill>
+                <a:schemeClr val="dk1"/>
+              </a:solidFill>
+              <a:latin typeface="Calibri"/>
+              <a:ea typeface="Calibri"/>
+              <a:cs typeface="Calibri"/>
+              <a:sym typeface="Calibri"/>
+            </a:endParaRPr>
+          </a:p>
+          <a:p>
+            <a:pPr marL="0" lvl="0" indent="0" algn="l" rtl="0">
+              <a:spcBef>
+                <a:spcPts val="0"/>
+              </a:spcBef>
+              <a:spcAft>
+                <a:spcPts val="0"/>
+              </a:spcAft>
+              <a:buNone/>
+            </a:pPr>
+            <a:r>
+              <a:rPr lang="en" sz="1300">
+                <a:solidFill>
+                  <a:schemeClr val="dk1"/>
+                </a:solidFill>
+                <a:latin typeface="Calibri"/>
+                <a:ea typeface="Calibri"/>
+                <a:cs typeface="Calibri"/>
+                <a:sym typeface="Calibri"/>
+              </a:rPr>
+              <a:t>It can read time from analog clock, has spatial awareness, etc.!</a:t>
             </a:r>
             <a:endParaRPr sz="1300">
               <a:solidFill>
@@ -15020,12 +16577,12 @@
 </p:sld>
 </file>
 
-<file path=ppt/slides/slide12.xml><?xml version="1.0" encoding="utf-8"?>
+<file path=ppt/slides/slide13.xml><?xml version="1.0" encoding="utf-8"?>
 <p:sld xmlns:a="http://schemas.openxmlformats.org/drawingml/2006/main" xmlns:r="http://schemas.openxmlformats.org/officeDocument/2006/relationships" xmlns:p="http://schemas.openxmlformats.org/presentationml/2006/main">
   <p:cSld>
     <p:spTree>
       <p:nvGrpSpPr>
-        <p:cNvPr id="1" name="Shape 169"/>
+        <p:cNvPr id="1" name="Shape 180"/>
         <p:cNvGrpSpPr/>
         <p:nvPr/>
       </p:nvGrpSpPr>
@@ -15039,7 +16596,7 @@
       </p:grpSpPr>
       <p:sp>
         <p:nvSpPr>
-          <p:cNvPr id="170" name="Google Shape;170;p25"/>
+          <p:cNvPr id="181" name="Google Shape;181;p26"/>
           <p:cNvSpPr txBox="1"/>
           <p:nvPr/>
         </p:nvSpPr>
@@ -15102,7 +16659,7 @@
       </p:sp>
       <p:sp>
         <p:nvSpPr>
-          <p:cNvPr id="171" name="Google Shape;171;p25"/>
+          <p:cNvPr id="182" name="Google Shape;182;p26"/>
           <p:cNvSpPr txBox="1"/>
           <p:nvPr/>
         </p:nvSpPr>
@@ -15731,7 +17288,7 @@
       </p:sp>
       <p:pic>
         <p:nvPicPr>
-          <p:cNvPr id="172" name="Google Shape;172;p25"/>
+          <p:cNvPr id="183" name="Google Shape;183;p26"/>
           <p:cNvPicPr preferRelativeResize="0"/>
           <p:nvPr/>
         </p:nvPicPr>
@@ -15775,12 +17332,12 @@
 </p:sld>
 </file>
 
-<file path=ppt/slides/slide13.xml><?xml version="1.0" encoding="utf-8"?>
+<file path=ppt/slides/slide14.xml><?xml version="1.0" encoding="utf-8"?>
 <p:sld xmlns:a="http://schemas.openxmlformats.org/drawingml/2006/main" xmlns:r="http://schemas.openxmlformats.org/officeDocument/2006/relationships" xmlns:p="http://schemas.openxmlformats.org/presentationml/2006/main">
   <p:cSld>
     <p:spTree>
       <p:nvGrpSpPr>
-        <p:cNvPr id="1" name="Shape 176"/>
+        <p:cNvPr id="1" name="Shape 187"/>
         <p:cNvGrpSpPr/>
         <p:nvPr/>
       </p:nvGrpSpPr>
@@ -15794,7 +17351,7 @@
       </p:grpSpPr>
       <p:sp>
         <p:nvSpPr>
-          <p:cNvPr id="177" name="Google Shape;177;p26"/>
+          <p:cNvPr id="188" name="Google Shape;188;p27"/>
           <p:cNvSpPr txBox="1"/>
           <p:nvPr/>
         </p:nvSpPr>
@@ -15857,7 +17414,7 @@
       </p:sp>
       <p:sp>
         <p:nvSpPr>
-          <p:cNvPr id="178" name="Google Shape;178;p26"/>
+          <p:cNvPr id="189" name="Google Shape;189;p27"/>
           <p:cNvSpPr txBox="1"/>
           <p:nvPr/>
         </p:nvSpPr>
@@ -16178,7 +17735,7 @@
       </p:sp>
       <p:pic>
         <p:nvPicPr>
-          <p:cNvPr id="179" name="Google Shape;179;p26"/>
+          <p:cNvPr id="190" name="Google Shape;190;p27"/>
           <p:cNvPicPr preferRelativeResize="0"/>
           <p:nvPr/>
         </p:nvPicPr>
@@ -16217,12 +17774,12 @@
 </p:sld>
 </file>
 
-<file path=ppt/slides/slide14.xml><?xml version="1.0" encoding="utf-8"?>
+<file path=ppt/slides/slide15.xml><?xml version="1.0" encoding="utf-8"?>
 <p:sld xmlns:a="http://schemas.openxmlformats.org/drawingml/2006/main" xmlns:r="http://schemas.openxmlformats.org/officeDocument/2006/relationships" xmlns:p="http://schemas.openxmlformats.org/presentationml/2006/main">
   <p:cSld>
     <p:spTree>
       <p:nvGrpSpPr>
-        <p:cNvPr id="1" name="Shape 183"/>
+        <p:cNvPr id="1" name="Shape 194"/>
         <p:cNvGrpSpPr/>
         <p:nvPr/>
       </p:nvGrpSpPr>
@@ -16236,7 +17793,7 @@
       </p:grpSpPr>
       <p:sp>
         <p:nvSpPr>
-          <p:cNvPr id="184" name="Google Shape;184;p27"/>
+          <p:cNvPr id="195" name="Google Shape;195;p28"/>
           <p:cNvSpPr txBox="1"/>
           <p:nvPr/>
         </p:nvSpPr>
@@ -16299,7 +17856,7 @@
       </p:sp>
       <p:sp>
         <p:nvSpPr>
-          <p:cNvPr id="185" name="Google Shape;185;p27"/>
+          <p:cNvPr id="196" name="Google Shape;196;p28"/>
           <p:cNvSpPr txBox="1"/>
           <p:nvPr/>
         </p:nvSpPr>
@@ -16578,7 +18135,7 @@
       </p:sp>
       <p:sp>
         <p:nvSpPr>
-          <p:cNvPr id="186" name="Google Shape;186;p27"/>
+          <p:cNvPr id="197" name="Google Shape;197;p28"/>
           <p:cNvSpPr txBox="1"/>
           <p:nvPr/>
         </p:nvSpPr>
@@ -16746,7 +18303,7 @@
       </p:sp>
       <p:sp>
         <p:nvSpPr>
-          <p:cNvPr id="187" name="Google Shape;187;p27"/>
+          <p:cNvPr id="198" name="Google Shape;198;p28"/>
           <p:cNvSpPr txBox="1"/>
           <p:nvPr/>
         </p:nvSpPr>
@@ -17060,7 +18617,7 @@
       </p:sp>
       <p:pic>
         <p:nvPicPr>
-          <p:cNvPr id="188" name="Google Shape;188;p27"/>
+          <p:cNvPr id="199" name="Google Shape;199;p28"/>
           <p:cNvPicPr preferRelativeResize="0"/>
           <p:nvPr/>
         </p:nvPicPr>
@@ -17093,7 +18650,7 @@
       </p:pic>
       <p:sp>
         <p:nvSpPr>
-          <p:cNvPr id="189" name="Google Shape;189;p27"/>
+          <p:cNvPr id="200" name="Google Shape;200;p28"/>
           <p:cNvSpPr txBox="1"/>
           <p:nvPr/>
         </p:nvSpPr>
@@ -17368,7 +18925,7 @@
       </p:sp>
       <p:pic>
         <p:nvPicPr>
-          <p:cNvPr id="190" name="Google Shape;190;p27"/>
+          <p:cNvPr id="201" name="Google Shape;201;p28"/>
           <p:cNvPicPr preferRelativeResize="0"/>
           <p:nvPr/>
         </p:nvPicPr>
@@ -17401,7 +18958,7 @@
       </p:pic>
       <p:pic>
         <p:nvPicPr>
-          <p:cNvPr id="191" name="Google Shape;191;p27"/>
+          <p:cNvPr id="202" name="Google Shape;202;p28"/>
           <p:cNvPicPr preferRelativeResize="0"/>
           <p:nvPr/>
         </p:nvPicPr>
@@ -17434,7 +18991,7 @@
       </p:pic>
       <p:pic>
         <p:nvPicPr>
-          <p:cNvPr id="192" name="Google Shape;192;p27"/>
+          <p:cNvPr id="203" name="Google Shape;203;p28"/>
           <p:cNvPicPr preferRelativeResize="0"/>
           <p:nvPr/>
         </p:nvPicPr>
@@ -17473,12 +19030,12 @@
 </p:sld>
 </file>
 
-<file path=ppt/slides/slide15.xml><?xml version="1.0" encoding="utf-8"?>
+<file path=ppt/slides/slide16.xml><?xml version="1.0" encoding="utf-8"?>
 <p:sld xmlns:a="http://schemas.openxmlformats.org/drawingml/2006/main" xmlns:r="http://schemas.openxmlformats.org/officeDocument/2006/relationships" xmlns:p="http://schemas.openxmlformats.org/presentationml/2006/main">
   <p:cSld>
     <p:spTree>
       <p:nvGrpSpPr>
-        <p:cNvPr id="1" name="Shape 196"/>
+        <p:cNvPr id="1" name="Shape 207"/>
         <p:cNvGrpSpPr/>
         <p:nvPr/>
       </p:nvGrpSpPr>
@@ -17492,7 +19049,7 @@
       </p:grpSpPr>
       <p:sp>
         <p:nvSpPr>
-          <p:cNvPr id="197" name="Google Shape;197;p28"/>
+          <p:cNvPr id="208" name="Google Shape;208;p29"/>
           <p:cNvSpPr txBox="1"/>
           <p:nvPr/>
         </p:nvSpPr>
@@ -17653,7 +19210,7 @@
       </p:sp>
       <p:sp>
         <p:nvSpPr>
-          <p:cNvPr id="198" name="Google Shape;198;p28"/>
+          <p:cNvPr id="209" name="Google Shape;209;p29"/>
           <p:cNvSpPr txBox="1"/>
           <p:nvPr/>
         </p:nvSpPr>
@@ -17767,7 +19324,7 @@
       </p:sp>
       <p:sp>
         <p:nvSpPr>
-          <p:cNvPr id="199" name="Google Shape;199;p28"/>
+          <p:cNvPr id="210" name="Google Shape;210;p29"/>
           <p:cNvSpPr txBox="1"/>
           <p:nvPr/>
         </p:nvSpPr>
@@ -17833,7 +19390,7 @@
       </p:sp>
       <p:sp>
         <p:nvSpPr>
-          <p:cNvPr id="200" name="Google Shape;200;p28"/>
+          <p:cNvPr id="211" name="Google Shape;211;p29"/>
           <p:cNvSpPr txBox="1"/>
           <p:nvPr/>
         </p:nvSpPr>
@@ -17924,7 +19481,7 @@
       </p:sp>
       <p:sp>
         <p:nvSpPr>
-          <p:cNvPr id="201" name="Google Shape;201;p28"/>
+          <p:cNvPr id="212" name="Google Shape;212;p29"/>
           <p:cNvSpPr txBox="1"/>
           <p:nvPr/>
         </p:nvSpPr>
@@ -17998,7 +19555,7 @@
       </p:sp>
       <p:sp>
         <p:nvSpPr>
-          <p:cNvPr id="202" name="Google Shape;202;p28"/>
+          <p:cNvPr id="213" name="Google Shape;213;p29"/>
           <p:cNvSpPr/>
           <p:nvPr/>
         </p:nvSpPr>
@@ -18044,7 +19601,7 @@
       </p:sp>
       <p:sp>
         <p:nvSpPr>
-          <p:cNvPr id="203" name="Google Shape;203;p28"/>
+          <p:cNvPr id="214" name="Google Shape;214;p29"/>
           <p:cNvSpPr/>
           <p:nvPr/>
         </p:nvSpPr>
@@ -18090,7 +19647,7 @@
       </p:sp>
       <p:sp>
         <p:nvSpPr>
-          <p:cNvPr id="204" name="Google Shape;204;p28"/>
+          <p:cNvPr id="215" name="Google Shape;215;p29"/>
           <p:cNvSpPr/>
           <p:nvPr/>
         </p:nvSpPr>
@@ -18136,7 +19693,7 @@
       </p:sp>
       <p:sp>
         <p:nvSpPr>
-          <p:cNvPr id="205" name="Google Shape;205;p28"/>
+          <p:cNvPr id="216" name="Google Shape;216;p29"/>
           <p:cNvSpPr/>
           <p:nvPr/>
         </p:nvSpPr>
@@ -18182,7 +19739,7 @@
       </p:sp>
       <p:sp>
         <p:nvSpPr>
-          <p:cNvPr id="206" name="Google Shape;206;p28"/>
+          <p:cNvPr id="217" name="Google Shape;217;p29"/>
           <p:cNvSpPr/>
           <p:nvPr/>
         </p:nvSpPr>
@@ -18228,7 +19785,7 @@
       </p:sp>
       <p:sp>
         <p:nvSpPr>
-          <p:cNvPr id="207" name="Google Shape;207;p28"/>
+          <p:cNvPr id="218" name="Google Shape;218;p29"/>
           <p:cNvSpPr/>
           <p:nvPr/>
         </p:nvSpPr>
@@ -18274,7 +19831,7 @@
       </p:sp>
       <p:sp>
         <p:nvSpPr>
-          <p:cNvPr id="208" name="Google Shape;208;p28"/>
+          <p:cNvPr id="219" name="Google Shape;219;p29"/>
           <p:cNvSpPr/>
           <p:nvPr/>
         </p:nvSpPr>
@@ -18320,7 +19877,7 @@
       </p:sp>
       <p:sp>
         <p:nvSpPr>
-          <p:cNvPr id="209" name="Google Shape;209;p28"/>
+          <p:cNvPr id="220" name="Google Shape;220;p29"/>
           <p:cNvSpPr/>
           <p:nvPr/>
         </p:nvSpPr>
@@ -18366,7 +19923,7 @@
       </p:sp>
       <p:sp>
         <p:nvSpPr>
-          <p:cNvPr id="210" name="Google Shape;210;p28"/>
+          <p:cNvPr id="221" name="Google Shape;221;p29"/>
           <p:cNvSpPr/>
           <p:nvPr/>
         </p:nvSpPr>
@@ -18412,7 +19969,7 @@
       </p:sp>
       <p:sp>
         <p:nvSpPr>
-          <p:cNvPr id="211" name="Google Shape;211;p28"/>
+          <p:cNvPr id="222" name="Google Shape;222;p29"/>
           <p:cNvSpPr/>
           <p:nvPr/>
         </p:nvSpPr>
@@ -18458,7 +20015,7 @@
       </p:sp>
       <p:sp>
         <p:nvSpPr>
-          <p:cNvPr id="212" name="Google Shape;212;p28"/>
+          <p:cNvPr id="223" name="Google Shape;223;p29"/>
           <p:cNvSpPr/>
           <p:nvPr/>
         </p:nvSpPr>
@@ -18504,7 +20061,7 @@
       </p:sp>
       <p:sp>
         <p:nvSpPr>
-          <p:cNvPr id="213" name="Google Shape;213;p28"/>
+          <p:cNvPr id="224" name="Google Shape;224;p29"/>
           <p:cNvSpPr/>
           <p:nvPr/>
         </p:nvSpPr>
@@ -18550,7 +20107,7 @@
       </p:sp>
       <p:sp>
         <p:nvSpPr>
-          <p:cNvPr id="214" name="Google Shape;214;p28"/>
+          <p:cNvPr id="225" name="Google Shape;225;p29"/>
           <p:cNvSpPr/>
           <p:nvPr/>
         </p:nvSpPr>
@@ -18596,7 +20153,7 @@
       </p:sp>
       <p:sp>
         <p:nvSpPr>
-          <p:cNvPr id="215" name="Google Shape;215;p28"/>
+          <p:cNvPr id="226" name="Google Shape;226;p29"/>
           <p:cNvSpPr txBox="1"/>
           <p:nvPr/>
         </p:nvSpPr>
@@ -18670,7 +20227,7 @@
       </p:sp>
       <p:sp>
         <p:nvSpPr>
-          <p:cNvPr id="216" name="Google Shape;216;p28"/>
+          <p:cNvPr id="227" name="Google Shape;227;p29"/>
           <p:cNvSpPr txBox="1"/>
           <p:nvPr/>
         </p:nvSpPr>
@@ -18744,7 +20301,7 @@
       </p:sp>
       <p:pic>
         <p:nvPicPr>
-          <p:cNvPr id="217" name="Google Shape;217;p28"/>
+          <p:cNvPr id="228" name="Google Shape;228;p29"/>
           <p:cNvPicPr preferRelativeResize="0"/>
           <p:nvPr/>
         </p:nvPicPr>
@@ -18783,7 +20340,7 @@
       </p:pic>
       <p:pic>
         <p:nvPicPr>
-          <p:cNvPr id="218" name="Google Shape;218;p28"/>
+          <p:cNvPr id="229" name="Google Shape;229;p29"/>
           <p:cNvPicPr preferRelativeResize="0"/>
           <p:nvPr/>
         </p:nvPicPr>
@@ -18822,7 +20379,7 @@
       </p:pic>
       <p:sp>
         <p:nvSpPr>
-          <p:cNvPr id="219" name="Google Shape;219;p28"/>
+          <p:cNvPr id="230" name="Google Shape;230;p29"/>
           <p:cNvSpPr txBox="1"/>
           <p:nvPr/>
         </p:nvSpPr>
@@ -18896,7 +20453,7 @@
       </p:sp>
       <p:sp>
         <p:nvSpPr>
-          <p:cNvPr id="220" name="Google Shape;220;p28"/>
+          <p:cNvPr id="231" name="Google Shape;231;p29"/>
           <p:cNvSpPr txBox="1"/>
           <p:nvPr/>
         </p:nvSpPr>
@@ -18976,12 +20533,12 @@
 </p:sld>
 </file>
 
-<file path=ppt/slides/slide16.xml><?xml version="1.0" encoding="utf-8"?>
+<file path=ppt/slides/slide17.xml><?xml version="1.0" encoding="utf-8"?>
 <p:sld xmlns:a="http://schemas.openxmlformats.org/drawingml/2006/main" xmlns:r="http://schemas.openxmlformats.org/officeDocument/2006/relationships" xmlns:p="http://schemas.openxmlformats.org/presentationml/2006/main">
   <p:cSld>
     <p:spTree>
       <p:nvGrpSpPr>
-        <p:cNvPr id="1" name="Shape 224"/>
+        <p:cNvPr id="1" name="Shape 235"/>
         <p:cNvGrpSpPr/>
         <p:nvPr/>
       </p:nvGrpSpPr>
@@ -18995,7 +20552,7 @@
       </p:grpSpPr>
       <p:sp>
         <p:nvSpPr>
-          <p:cNvPr id="225" name="Google Shape;225;p29"/>
+          <p:cNvPr id="236" name="Google Shape;236;p30"/>
           <p:cNvSpPr txBox="1"/>
           <p:nvPr/>
         </p:nvSpPr>
@@ -19109,7 +20666,7 @@
       </p:sp>
       <p:sp>
         <p:nvSpPr>
-          <p:cNvPr id="226" name="Google Shape;226;p29"/>
+          <p:cNvPr id="237" name="Google Shape;237;p30"/>
           <p:cNvSpPr txBox="1"/>
           <p:nvPr/>
         </p:nvSpPr>
@@ -19175,7 +20732,7 @@
       </p:sp>
       <p:sp>
         <p:nvSpPr>
-          <p:cNvPr id="227" name="Google Shape;227;p29"/>
+          <p:cNvPr id="238" name="Google Shape;238;p30"/>
           <p:cNvSpPr txBox="1"/>
           <p:nvPr/>
         </p:nvSpPr>
@@ -19266,7 +20823,7 @@
       </p:sp>
       <p:sp>
         <p:nvSpPr>
-          <p:cNvPr id="228" name="Google Shape;228;p29"/>
+          <p:cNvPr id="239" name="Google Shape;239;p30"/>
           <p:cNvSpPr txBox="1"/>
           <p:nvPr/>
         </p:nvSpPr>
@@ -19340,7 +20897,7 @@
       </p:sp>
       <p:sp>
         <p:nvSpPr>
-          <p:cNvPr id="229" name="Google Shape;229;p29"/>
+          <p:cNvPr id="240" name="Google Shape;240;p30"/>
           <p:cNvSpPr/>
           <p:nvPr/>
         </p:nvSpPr>
@@ -19386,7 +20943,7 @@
       </p:sp>
       <p:sp>
         <p:nvSpPr>
-          <p:cNvPr id="230" name="Google Shape;230;p29"/>
+          <p:cNvPr id="241" name="Google Shape;241;p30"/>
           <p:cNvSpPr/>
           <p:nvPr/>
         </p:nvSpPr>
@@ -19432,7 +20989,7 @@
       </p:sp>
       <p:sp>
         <p:nvSpPr>
-          <p:cNvPr id="231" name="Google Shape;231;p29"/>
+          <p:cNvPr id="242" name="Google Shape;242;p30"/>
           <p:cNvSpPr/>
           <p:nvPr/>
         </p:nvSpPr>
@@ -19478,7 +21035,7 @@
       </p:sp>
       <p:sp>
         <p:nvSpPr>
-          <p:cNvPr id="232" name="Google Shape;232;p29"/>
+          <p:cNvPr id="243" name="Google Shape;243;p30"/>
           <p:cNvSpPr/>
           <p:nvPr/>
         </p:nvSpPr>
@@ -19524,7 +21081,7 @@
       </p:sp>
       <p:sp>
         <p:nvSpPr>
-          <p:cNvPr id="233" name="Google Shape;233;p29"/>
+          <p:cNvPr id="244" name="Google Shape;244;p30"/>
           <p:cNvSpPr/>
           <p:nvPr/>
         </p:nvSpPr>
@@ -19570,7 +21127,7 @@
       </p:sp>
       <p:sp>
         <p:nvSpPr>
-          <p:cNvPr id="234" name="Google Shape;234;p29"/>
+          <p:cNvPr id="245" name="Google Shape;245;p30"/>
           <p:cNvSpPr/>
           <p:nvPr/>
         </p:nvSpPr>
@@ -19616,7 +21173,7 @@
       </p:sp>
       <p:sp>
         <p:nvSpPr>
-          <p:cNvPr id="235" name="Google Shape;235;p29"/>
+          <p:cNvPr id="246" name="Google Shape;246;p30"/>
           <p:cNvSpPr/>
           <p:nvPr/>
         </p:nvSpPr>
@@ -19662,7 +21219,7 @@
       </p:sp>
       <p:sp>
         <p:nvSpPr>
-          <p:cNvPr id="236" name="Google Shape;236;p29"/>
+          <p:cNvPr id="247" name="Google Shape;247;p30"/>
           <p:cNvSpPr/>
           <p:nvPr/>
         </p:nvSpPr>
@@ -19708,7 +21265,7 @@
       </p:sp>
       <p:sp>
         <p:nvSpPr>
-          <p:cNvPr id="237" name="Google Shape;237;p29"/>
+          <p:cNvPr id="248" name="Google Shape;248;p30"/>
           <p:cNvSpPr txBox="1"/>
           <p:nvPr/>
         </p:nvSpPr>
@@ -19869,7 +21426,7 @@
       </p:sp>
       <p:sp>
         <p:nvSpPr>
-          <p:cNvPr id="238" name="Google Shape;238;p29"/>
+          <p:cNvPr id="249" name="Google Shape;249;p30"/>
           <p:cNvSpPr/>
           <p:nvPr/>
         </p:nvSpPr>
@@ -19915,7 +21472,7 @@
       </p:sp>
       <p:sp>
         <p:nvSpPr>
-          <p:cNvPr id="239" name="Google Shape;239;p29"/>
+          <p:cNvPr id="250" name="Google Shape;250;p30"/>
           <p:cNvSpPr/>
           <p:nvPr/>
         </p:nvSpPr>
@@ -19961,7 +21518,7 @@
       </p:sp>
       <p:sp>
         <p:nvSpPr>
-          <p:cNvPr id="240" name="Google Shape;240;p29"/>
+          <p:cNvPr id="251" name="Google Shape;251;p30"/>
           <p:cNvSpPr/>
           <p:nvPr/>
         </p:nvSpPr>
@@ -20007,7 +21564,7 @@
       </p:sp>
       <p:sp>
         <p:nvSpPr>
-          <p:cNvPr id="241" name="Google Shape;241;p29"/>
+          <p:cNvPr id="252" name="Google Shape;252;p30"/>
           <p:cNvSpPr/>
           <p:nvPr/>
         </p:nvSpPr>
@@ -20053,7 +21610,7 @@
       </p:sp>
       <p:sp>
         <p:nvSpPr>
-          <p:cNvPr id="242" name="Google Shape;242;p29"/>
+          <p:cNvPr id="253" name="Google Shape;253;p30"/>
           <p:cNvSpPr txBox="1"/>
           <p:nvPr/>
         </p:nvSpPr>
@@ -20127,7 +21684,7 @@
       </p:sp>
       <p:sp>
         <p:nvSpPr>
-          <p:cNvPr id="243" name="Google Shape;243;p29"/>
+          <p:cNvPr id="254" name="Google Shape;254;p30"/>
           <p:cNvSpPr txBox="1"/>
           <p:nvPr/>
         </p:nvSpPr>
@@ -20201,7 +21758,7 @@
       </p:sp>
       <p:pic>
         <p:nvPicPr>
-          <p:cNvPr id="244" name="Google Shape;244;p29"/>
+          <p:cNvPr id="255" name="Google Shape;255;p30"/>
           <p:cNvPicPr preferRelativeResize="0"/>
           <p:nvPr/>
         </p:nvPicPr>
@@ -20240,7 +21797,7 @@
       </p:pic>
       <p:pic>
         <p:nvPicPr>
-          <p:cNvPr id="245" name="Google Shape;245;p29"/>
+          <p:cNvPr id="256" name="Google Shape;256;p30"/>
           <p:cNvPicPr preferRelativeResize="0"/>
           <p:nvPr/>
         </p:nvPicPr>
@@ -20279,7 +21836,7 @@
       </p:pic>
       <p:sp>
         <p:nvSpPr>
-          <p:cNvPr id="246" name="Google Shape;246;p29"/>
+          <p:cNvPr id="257" name="Google Shape;257;p30"/>
           <p:cNvSpPr txBox="1"/>
           <p:nvPr/>
         </p:nvSpPr>
@@ -20353,7 +21910,7 @@
       </p:sp>
       <p:sp>
         <p:nvSpPr>
-          <p:cNvPr id="247" name="Google Shape;247;p29"/>
+          <p:cNvPr id="258" name="Google Shape;258;p30"/>
           <p:cNvSpPr/>
           <p:nvPr/>
         </p:nvSpPr>
@@ -20405,12 +21962,12 @@
 </p:sld>
 </file>
 
-<file path=ppt/slides/slide17.xml><?xml version="1.0" encoding="utf-8"?>
+<file path=ppt/slides/slide18.xml><?xml version="1.0" encoding="utf-8"?>
 <p:sld xmlns:a="http://schemas.openxmlformats.org/drawingml/2006/main" xmlns:r="http://schemas.openxmlformats.org/officeDocument/2006/relationships" xmlns:p="http://schemas.openxmlformats.org/presentationml/2006/main">
   <p:cSld>
     <p:spTree>
       <p:nvGrpSpPr>
-        <p:cNvPr id="1" name="Shape 251"/>
+        <p:cNvPr id="1" name="Shape 262"/>
         <p:cNvGrpSpPr/>
         <p:nvPr/>
       </p:nvGrpSpPr>
@@ -20424,7 +21981,7 @@
       </p:grpSpPr>
       <p:sp>
         <p:nvSpPr>
-          <p:cNvPr id="252" name="Google Shape;252;p30"/>
+          <p:cNvPr id="263" name="Google Shape;263;p31"/>
           <p:cNvSpPr txBox="1"/>
           <p:nvPr/>
         </p:nvSpPr>
@@ -20490,7 +22047,7 @@
       </p:sp>
       <p:sp>
         <p:nvSpPr>
-          <p:cNvPr id="253" name="Google Shape;253;p30"/>
+          <p:cNvPr id="264" name="Google Shape;264;p31"/>
           <p:cNvSpPr txBox="1"/>
           <p:nvPr/>
         </p:nvSpPr>
@@ -20581,7 +22138,7 @@
       </p:sp>
       <p:pic>
         <p:nvPicPr>
-          <p:cNvPr id="254" name="Google Shape;254;p30"/>
+          <p:cNvPr id="265" name="Google Shape;265;p31"/>
           <p:cNvPicPr preferRelativeResize="0"/>
           <p:nvPr/>
         </p:nvPicPr>
@@ -20614,7 +22171,7 @@
       </p:pic>
       <p:pic>
         <p:nvPicPr>
-          <p:cNvPr id="255" name="Google Shape;255;p30"/>
+          <p:cNvPr id="266" name="Google Shape;266;p31"/>
           <p:cNvPicPr preferRelativeResize="0"/>
           <p:nvPr/>
         </p:nvPicPr>
@@ -20653,12 +22210,12 @@
 </p:sld>
 </file>
 
-<file path=ppt/slides/slide18.xml><?xml version="1.0" encoding="utf-8"?>
+<file path=ppt/slides/slide19.xml><?xml version="1.0" encoding="utf-8"?>
 <p:sld xmlns:a="http://schemas.openxmlformats.org/drawingml/2006/main" xmlns:r="http://schemas.openxmlformats.org/officeDocument/2006/relationships" xmlns:p="http://schemas.openxmlformats.org/presentationml/2006/main">
   <p:cSld>
     <p:spTree>
       <p:nvGrpSpPr>
-        <p:cNvPr id="1" name="Shape 259"/>
+        <p:cNvPr id="1" name="Shape 270"/>
         <p:cNvGrpSpPr/>
         <p:nvPr/>
       </p:nvGrpSpPr>
@@ -20672,7 +22229,7 @@
       </p:grpSpPr>
       <p:pic>
         <p:nvPicPr>
-          <p:cNvPr id="260" name="Google Shape;260;p31"/>
+          <p:cNvPr id="271" name="Google Shape;271;p32"/>
           <p:cNvPicPr preferRelativeResize="0"/>
           <p:nvPr/>
         </p:nvPicPr>
@@ -20691,21 +22248,27 @@
         </p:blipFill>
         <p:spPr>
           <a:xfrm>
-            <a:off x="612950" y="869175"/>
-            <a:ext cx="7805721" cy="3369500"/>
+            <a:off x="79550" y="411975"/>
+            <a:ext cx="5904350" cy="2548724"/>
           </a:xfrm>
           <a:prstGeom prst="rect">
             <a:avLst/>
           </a:prstGeom>
           <a:noFill/>
-          <a:ln>
-            <a:noFill/>
+          <a:ln w="9525" cap="flat" cmpd="sng">
+            <a:solidFill>
+              <a:srgbClr val="FF0000"/>
+            </a:solidFill>
+            <a:prstDash val="solid"/>
+            <a:round/>
+            <a:headEnd type="none" w="sm" len="sm"/>
+            <a:tailEnd type="none" w="sm" len="sm"/>
           </a:ln>
         </p:spPr>
       </p:pic>
       <p:sp>
         <p:nvSpPr>
-          <p:cNvPr id="261" name="Google Shape;261;p31"/>
+          <p:cNvPr id="272" name="Google Shape;272;p32"/>
           <p:cNvSpPr txBox="1"/>
           <p:nvPr/>
         </p:nvSpPr>
@@ -20771,13 +22334,13 @@
       </p:sp>
       <p:sp>
         <p:nvSpPr>
-          <p:cNvPr id="262" name="Google Shape;262;p31"/>
+          <p:cNvPr id="273" name="Google Shape;273;p32"/>
           <p:cNvSpPr txBox="1"/>
           <p:nvPr/>
         </p:nvSpPr>
         <p:spPr>
           <a:xfrm>
-            <a:off x="6291625" y="109963"/>
+            <a:off x="6291625" y="33763"/>
             <a:ext cx="2002500" cy="384900"/>
           </a:xfrm>
           <a:prstGeom prst="rect">
@@ -20862,14 +22425,14 @@
       </p:sp>
       <p:cxnSp>
         <p:nvCxnSpPr>
-          <p:cNvPr id="263" name="Google Shape;263;p31"/>
+          <p:cNvPr id="274" name="Google Shape;274;p32"/>
           <p:cNvCxnSpPr/>
           <p:nvPr/>
         </p:nvCxnSpPr>
         <p:spPr>
           <a:xfrm rot="10800000">
-            <a:off x="3955988" y="904676"/>
-            <a:ext cx="0" cy="3023100"/>
+            <a:off x="2620900" y="1270050"/>
+            <a:ext cx="0" cy="1595400"/>
           </a:xfrm>
           <a:prstGeom prst="straightConnector1">
             <a:avLst/>
@@ -20886,115 +22449,63 @@
           </a:ln>
         </p:spPr>
       </p:cxnSp>
-    </p:spTree>
-  </p:cSld>
-  <p:clrMapOvr>
-    <a:masterClrMapping/>
-  </p:clrMapOvr>
-</p:sld>
-</file>
-
-<file path=ppt/slides/slide19.xml><?xml version="1.0" encoding="utf-8"?>
-<p:sld xmlns:a="http://schemas.openxmlformats.org/drawingml/2006/main" xmlns:r="http://schemas.openxmlformats.org/officeDocument/2006/relationships" xmlns:p="http://schemas.openxmlformats.org/presentationml/2006/main">
-  <p:cSld>
-    <p:spTree>
-      <p:nvGrpSpPr>
-        <p:cNvPr id="1" name="Shape 267"/>
-        <p:cNvGrpSpPr/>
-        <p:nvPr/>
-      </p:nvGrpSpPr>
-      <p:grpSpPr>
-        <a:xfrm>
-          <a:off x="0" y="0"/>
-          <a:ext cx="0" cy="0"/>
-          <a:chOff x="0" y="0"/>
-          <a:chExt cx="0" cy="0"/>
-        </a:xfrm>
-      </p:grpSpPr>
-      <p:pic>
-        <p:nvPicPr>
-          <p:cNvPr id="268" name="Google Shape;268;p32"/>
-          <p:cNvPicPr preferRelativeResize="0"/>
-          <p:nvPr/>
-        </p:nvPicPr>
-        <p:blipFill rotWithShape="1">
-          <a:blip r:embed="rId3">
-            <a:alphaModFix/>
-          </a:blip>
-          <a:srcRect/>
-          <a:stretch/>
-        </p:blipFill>
-        <p:spPr>
-          <a:xfrm>
-            <a:off x="605238" y="1203525"/>
-            <a:ext cx="2094075" cy="2094075"/>
-          </a:xfrm>
-          <a:prstGeom prst="rect">
-            <a:avLst/>
-          </a:prstGeom>
-          <a:noFill/>
-          <a:ln>
-            <a:noFill/>
-          </a:ln>
-        </p:spPr>
-      </p:pic>
       <p:sp>
         <p:nvSpPr>
-          <p:cNvPr id="269" name="Google Shape;269;p32"/>
+          <p:cNvPr id="275" name="Google Shape;275;p32"/>
           <p:cNvSpPr txBox="1"/>
           <p:nvPr/>
         </p:nvSpPr>
         <p:spPr>
           <a:xfrm>
-            <a:off x="-25625" y="-14775"/>
-            <a:ext cx="3355800" cy="569400"/>
+            <a:off x="1983325" y="3619375"/>
+            <a:ext cx="3275400" cy="818700"/>
           </a:xfrm>
           <a:prstGeom prst="rect">
             <a:avLst/>
           </a:prstGeom>
-          <a:noFill/>
-          <a:ln>
-            <a:noFill/>
+          <a:solidFill>
+            <a:srgbClr val="FFF2CC"/>
+          </a:solidFill>
+          <a:ln w="9525" cap="flat" cmpd="sng">
+            <a:solidFill>
+              <a:srgbClr val="FF0000"/>
+            </a:solidFill>
+            <a:prstDash val="solid"/>
+            <a:round/>
+            <a:headEnd type="none" w="sm" len="sm"/>
+            <a:tailEnd type="none" w="sm" len="sm"/>
           </a:ln>
         </p:spPr>
         <p:txBody>
-          <a:bodyPr spcFirstLastPara="1" wrap="square" lIns="91425" tIns="91425" rIns="91425" bIns="91425" anchor="t" anchorCtr="0">
+          <a:bodyPr spcFirstLastPara="1" wrap="square" lIns="9125" tIns="9125" rIns="9125" bIns="9125" anchor="t" anchorCtr="0">
             <a:spAutoFit/>
           </a:bodyPr>
           <a:lstStyle/>
           <a:p>
-            <a:pPr marL="0" marR="0" lvl="0" indent="0" algn="l" rtl="0">
-              <a:lnSpc>
-                <a:spcPct val="100000"/>
-              </a:lnSpc>
-              <a:spcBef>
-                <a:spcPts val="0"/>
-              </a:spcBef>
-              <a:spcAft>
-                <a:spcPts val="0"/>
-              </a:spcAft>
-              <a:buClr>
-                <a:srgbClr val="000000"/>
-              </a:buClr>
-              <a:buSzPts val="2500"/>
-              <a:buFont typeface="Arial"/>
-              <a:buNone/>
-            </a:pPr>
-            <a:r>
-              <a:rPr lang="en" sz="2500" b="1" i="0" u="none" strike="noStrike" cap="none">
-                <a:solidFill>
-                  <a:srgbClr val="000000"/>
-                </a:solidFill>
-                <a:latin typeface="Calibri"/>
-                <a:ea typeface="Calibri"/>
-                <a:cs typeface="Calibri"/>
-                <a:sym typeface="Calibri"/>
-              </a:rPr>
-              <a:t>About the Speaker</a:t>
-            </a:r>
-            <a:endParaRPr sz="2500" b="1" i="0" u="none" strike="noStrike" cap="none">
+            <a:pPr marL="0" lvl="0" indent="0" algn="l" rtl="0">
+              <a:spcBef>
+                <a:spcPts val="0"/>
+              </a:spcBef>
+              <a:spcAft>
+                <a:spcPts val="0"/>
+              </a:spcAft>
+              <a:buNone/>
+            </a:pPr>
+            <a:r>
+              <a:rPr lang="en" sz="1300" b="1">
+                <a:solidFill>
+                  <a:srgbClr val="FF0000"/>
+                </a:solidFill>
+                <a:latin typeface="Calibri"/>
+                <a:ea typeface="Calibri"/>
+                <a:cs typeface="Calibri"/>
+                <a:sym typeface="Calibri"/>
+              </a:rPr>
+              <a:t>US Unemployment Rate:  4.2%</a:t>
+            </a:r>
+            <a:endParaRPr sz="1300" b="1">
               <a:solidFill>
-                <a:srgbClr val="000000"/>
+                <a:srgbClr val="FF0000"/>
               </a:solidFill>
               <a:latin typeface="Calibri"/>
               <a:ea typeface="Calibri"/>
@@ -21002,65 +22513,36 @@
               <a:sym typeface="Calibri"/>
             </a:endParaRPr>
           </a:p>
-        </p:txBody>
-      </p:sp>
-      <p:sp>
-        <p:nvSpPr>
-          <p:cNvPr id="270" name="Google Shape;270;p32"/>
-          <p:cNvSpPr txBox="1"/>
-          <p:nvPr/>
-        </p:nvSpPr>
-        <p:spPr>
-          <a:xfrm>
-            <a:off x="3330175" y="878750"/>
-            <a:ext cx="5621700" cy="3309300"/>
-          </a:xfrm>
-          <a:prstGeom prst="rect">
-            <a:avLst/>
-          </a:prstGeom>
-          <a:noFill/>
-          <a:ln>
-            <a:noFill/>
-          </a:ln>
-        </p:spPr>
-        <p:txBody>
-          <a:bodyPr spcFirstLastPara="1" wrap="square" lIns="91425" tIns="91425" rIns="91425" bIns="91425" anchor="t" anchorCtr="0">
-            <a:spAutoFit/>
-          </a:bodyPr>
-          <a:lstStyle/>
-          <a:p>
-            <a:pPr marL="0" marR="0" lvl="0" indent="0" algn="l" rtl="0">
-              <a:lnSpc>
-                <a:spcPct val="100000"/>
-              </a:lnSpc>
-              <a:spcBef>
-                <a:spcPts val="0"/>
-              </a:spcBef>
-              <a:spcAft>
-                <a:spcPts val="0"/>
-              </a:spcAft>
-              <a:buClr>
-                <a:schemeClr val="dk1"/>
-              </a:buClr>
-              <a:buSzPts val="1100"/>
-              <a:buFont typeface="Arial"/>
-              <a:buNone/>
-            </a:pPr>
-            <a:r>
-              <a:rPr lang="en" sz="2500" b="1" i="0" u="none" strike="noStrike" cap="none">
-                <a:solidFill>
-                  <a:srgbClr val="000000"/>
-                </a:solidFill>
-                <a:latin typeface="Calibri"/>
-                <a:ea typeface="Calibri"/>
-                <a:cs typeface="Calibri"/>
-                <a:sym typeface="Calibri"/>
-              </a:rPr>
-              <a:t>Lev Selector, Ph.D.</a:t>
-            </a:r>
-            <a:endParaRPr sz="2500" b="1" i="0" u="none" strike="noStrike" cap="none">
+          <a:p>
+            <a:pPr marL="228600" lvl="0" indent="-107950" algn="l" rtl="0">
+              <a:spcBef>
+                <a:spcPts val="0"/>
+              </a:spcBef>
+              <a:spcAft>
+                <a:spcPts val="0"/>
+              </a:spcAft>
+              <a:buClr>
+                <a:schemeClr val="dk1"/>
+              </a:buClr>
+              <a:buSzPts val="800"/>
+              <a:buFont typeface="Calibri"/>
+              <a:buChar char="●"/>
+            </a:pPr>
+            <a:r>
+              <a:rPr lang="en" sz="1200">
+                <a:solidFill>
+                  <a:schemeClr val="dk1"/>
+                </a:solidFill>
+                <a:latin typeface="Calibri"/>
+                <a:ea typeface="Calibri"/>
+                <a:cs typeface="Calibri"/>
+                <a:sym typeface="Calibri"/>
+              </a:rPr>
+              <a:t>(was 8% in 2020, 9.6% in 2010)</a:t>
+            </a:r>
+            <a:endParaRPr sz="1200">
               <a:solidFill>
-                <a:srgbClr val="000000"/>
+                <a:schemeClr val="dk1"/>
               </a:solidFill>
               <a:latin typeface="Calibri"/>
               <a:ea typeface="Calibri"/>
@@ -21069,26 +22551,45 @@
             </a:endParaRPr>
           </a:p>
           <a:p>
-            <a:pPr marL="0" marR="0" lvl="0" indent="0" algn="l" rtl="0">
-              <a:lnSpc>
-                <a:spcPct val="100000"/>
-              </a:lnSpc>
-              <a:spcBef>
-                <a:spcPts val="0"/>
-              </a:spcBef>
-              <a:spcAft>
-                <a:spcPts val="0"/>
-              </a:spcAft>
-              <a:buClr>
-                <a:schemeClr val="dk1"/>
-              </a:buClr>
-              <a:buSzPts val="1100"/>
-              <a:buFont typeface="Arial"/>
-              <a:buNone/>
-            </a:pPr>
-            <a:endParaRPr sz="1800" b="0" i="0" u="none" strike="noStrike" cap="none">
+            <a:pPr marL="228600" lvl="0" indent="-114300" algn="l" rtl="0">
+              <a:spcBef>
+                <a:spcPts val="0"/>
+              </a:spcBef>
+              <a:spcAft>
+                <a:spcPts val="0"/>
+              </a:spcAft>
+              <a:buSzPts val="900"/>
+              <a:buFont typeface="Calibri"/>
+              <a:buChar char="●"/>
+            </a:pPr>
+            <a:r>
+              <a:rPr lang="en" sz="900" u="sng">
+                <a:solidFill>
+                  <a:schemeClr val="hlink"/>
+                </a:solidFill>
+                <a:latin typeface="Calibri"/>
+                <a:ea typeface="Calibri"/>
+                <a:cs typeface="Calibri"/>
+                <a:sym typeface="Calibri"/>
+                <a:hlinkClick r:id="rId5"/>
+              </a:rPr>
+              <a:t>https://www.bls.gov/news.release/pdf/empsit.pdf</a:t>
+            </a:r>
+            <a:r>
+              <a:rPr lang="en" sz="900">
+                <a:solidFill>
+                  <a:schemeClr val="dk1"/>
+                </a:solidFill>
+                <a:latin typeface="Calibri"/>
+                <a:ea typeface="Calibri"/>
+                <a:cs typeface="Calibri"/>
+                <a:sym typeface="Calibri"/>
+              </a:rPr>
+              <a:t> </a:t>
+            </a:r>
+            <a:endParaRPr sz="900">
               <a:solidFill>
-                <a:srgbClr val="000000"/>
+                <a:schemeClr val="dk1"/>
               </a:solidFill>
               <a:latin typeface="Calibri"/>
               <a:ea typeface="Calibri"/>
@@ -21097,25 +22598,32 @@
             </a:endParaRPr>
           </a:p>
           <a:p>
-            <a:pPr marL="457200" marR="0" lvl="0" indent="-330200" algn="l" rtl="0">
-              <a:lnSpc>
-                <a:spcPct val="100000"/>
-              </a:lnSpc>
-              <a:spcBef>
-                <a:spcPts val="0"/>
-              </a:spcBef>
-              <a:spcAft>
-                <a:spcPts val="0"/>
-              </a:spcAft>
-              <a:buClr>
-                <a:srgbClr val="000000"/>
-              </a:buClr>
-              <a:buSzPts val="1600"/>
+            <a:pPr marL="228600" lvl="0" indent="-114300" algn="l" rtl="0">
+              <a:spcBef>
+                <a:spcPts val="0"/>
+              </a:spcBef>
+              <a:spcAft>
+                <a:spcPts val="0"/>
+              </a:spcAft>
+              <a:buSzPts val="900"/>
               <a:buFont typeface="Calibri"/>
               <a:buChar char="●"/>
             </a:pPr>
             <a:r>
-              <a:rPr lang="en" sz="1600" b="0" i="0" u="none" strike="noStrike" cap="none">
+              <a:rPr lang="en" sz="900" u="sng">
+                <a:solidFill>
+                  <a:schemeClr val="hlink"/>
+                </a:solidFill>
+                <a:latin typeface="Calibri"/>
+                <a:ea typeface="Calibri"/>
+                <a:cs typeface="Calibri"/>
+                <a:sym typeface="Calibri"/>
+                <a:hlinkClick r:id="rId6"/>
+              </a:rPr>
+              <a:t>https://www.statista.com/statistics/193290/unemployment-rate-in-the-usa-since-1990/</a:t>
+            </a:r>
+            <a:r>
+              <a:rPr lang="en" sz="900">
                 <a:solidFill>
                   <a:schemeClr val="dk1"/>
                 </a:solidFill>
@@ -21124,9 +22632,9 @@
                 <a:cs typeface="Calibri"/>
                 <a:sym typeface="Calibri"/>
               </a:rPr>
-              <a:t>40+ years of software engineering, data science, and building teams (hiring, training, and managing)</a:t>
-            </a:r>
-            <a:endParaRPr sz="1600" b="0" i="0" u="none" strike="noStrike" cap="none">
+              <a:t> </a:t>
+            </a:r>
+            <a:endParaRPr sz="900">
               <a:solidFill>
                 <a:schemeClr val="dk1"/>
               </a:solidFill>
@@ -21136,312 +22644,16 @@
               <a:sym typeface="Calibri"/>
             </a:endParaRPr>
           </a:p>
-          <a:p>
-            <a:pPr marL="457200" marR="0" lvl="0" indent="-330200" algn="l" rtl="0">
-              <a:lnSpc>
-                <a:spcPct val="100000"/>
-              </a:lnSpc>
-              <a:spcBef>
-                <a:spcPts val="0"/>
-              </a:spcBef>
-              <a:spcAft>
-                <a:spcPts val="0"/>
-              </a:spcAft>
-              <a:buClr>
-                <a:srgbClr val="000000"/>
-              </a:buClr>
-              <a:buSzPts val="1600"/>
-              <a:buFont typeface="Calibri"/>
-              <a:buChar char="●"/>
-            </a:pPr>
-            <a:r>
-              <a:rPr lang="en" sz="1600" b="0" i="0" u="none" strike="noStrike" cap="none">
-                <a:solidFill>
-                  <a:schemeClr val="dk1"/>
-                </a:solidFill>
-                <a:latin typeface="Calibri"/>
-                <a:ea typeface="Calibri"/>
-                <a:cs typeface="Calibri"/>
-                <a:sym typeface="Calibri"/>
-              </a:rPr>
-              <a:t>Ph.D. in mathematical modeling and computer simulations</a:t>
-            </a:r>
-            <a:endParaRPr sz="1600" b="0" i="0" u="none" strike="noStrike" cap="none">
-              <a:solidFill>
-                <a:srgbClr val="000000"/>
-              </a:solidFill>
-              <a:latin typeface="Calibri"/>
-              <a:ea typeface="Calibri"/>
-              <a:cs typeface="Calibri"/>
-              <a:sym typeface="Calibri"/>
-            </a:endParaRPr>
-          </a:p>
-          <a:p>
-            <a:pPr marL="0" marR="0" lvl="0" indent="0" algn="l" rtl="0">
-              <a:lnSpc>
-                <a:spcPct val="100000"/>
-              </a:lnSpc>
-              <a:spcBef>
-                <a:spcPts val="0"/>
-              </a:spcBef>
-              <a:spcAft>
-                <a:spcPts val="0"/>
-              </a:spcAft>
-              <a:buClr>
-                <a:schemeClr val="dk1"/>
-              </a:buClr>
-              <a:buSzPts val="1100"/>
-              <a:buFont typeface="Arial"/>
-              <a:buNone/>
-            </a:pPr>
-            <a:endParaRPr sz="1600" b="0" i="0" u="none" strike="noStrike" cap="none">
-              <a:solidFill>
-                <a:srgbClr val="000000"/>
-              </a:solidFill>
-              <a:latin typeface="Calibri"/>
-              <a:ea typeface="Calibri"/>
-              <a:cs typeface="Calibri"/>
-              <a:sym typeface="Calibri"/>
-            </a:endParaRPr>
-          </a:p>
-          <a:p>
-            <a:pPr marL="0" marR="0" lvl="0" indent="0" algn="l" rtl="0">
-              <a:lnSpc>
-                <a:spcPct val="100000"/>
-              </a:lnSpc>
-              <a:spcBef>
-                <a:spcPts val="0"/>
-              </a:spcBef>
-              <a:spcAft>
-                <a:spcPts val="0"/>
-              </a:spcAft>
-              <a:buClr>
-                <a:srgbClr val="000000"/>
-              </a:buClr>
-              <a:buSzPts val="1600"/>
-              <a:buFont typeface="Arial"/>
-              <a:buNone/>
-            </a:pPr>
-            <a:r>
-              <a:rPr lang="en" sz="1600" b="0" i="0" u="none" strike="noStrike" cap="none">
-                <a:solidFill>
-                  <a:srgbClr val="000000"/>
-                </a:solidFill>
-                <a:latin typeface="Calibri"/>
-                <a:ea typeface="Calibri"/>
-                <a:cs typeface="Calibri"/>
-                <a:sym typeface="Calibri"/>
-              </a:rPr>
-              <a:t>Interests: </a:t>
-            </a:r>
-            <a:endParaRPr sz="1600" b="0" i="0" u="none" strike="noStrike" cap="none">
-              <a:solidFill>
-                <a:srgbClr val="000000"/>
-              </a:solidFill>
-              <a:latin typeface="Calibri"/>
-              <a:ea typeface="Calibri"/>
-              <a:cs typeface="Calibri"/>
-              <a:sym typeface="Calibri"/>
-            </a:endParaRPr>
-          </a:p>
-          <a:p>
-            <a:pPr marL="457200" marR="0" lvl="0" indent="-330200" algn="l" rtl="0">
-              <a:lnSpc>
-                <a:spcPct val="100000"/>
-              </a:lnSpc>
-              <a:spcBef>
-                <a:spcPts val="0"/>
-              </a:spcBef>
-              <a:spcAft>
-                <a:spcPts val="0"/>
-              </a:spcAft>
-              <a:buClr>
-                <a:srgbClr val="000000"/>
-              </a:buClr>
-              <a:buSzPts val="1600"/>
-              <a:buFont typeface="Calibri"/>
-              <a:buChar char="●"/>
-            </a:pPr>
-            <a:r>
-              <a:rPr lang="en" sz="1600" b="0" i="0" u="none" strike="noStrike" cap="none">
-                <a:solidFill>
-                  <a:schemeClr val="dk1"/>
-                </a:solidFill>
-                <a:latin typeface="Calibri"/>
-                <a:ea typeface="Calibri"/>
-                <a:cs typeface="Calibri"/>
-                <a:sym typeface="Calibri"/>
-              </a:rPr>
-              <a:t>Generative AI, Using LLM with your data</a:t>
-            </a:r>
-            <a:endParaRPr sz="1600" b="0" i="0" u="none" strike="noStrike" cap="none">
-              <a:solidFill>
-                <a:schemeClr val="dk1"/>
-              </a:solidFill>
-              <a:latin typeface="Calibri"/>
-              <a:ea typeface="Calibri"/>
-              <a:cs typeface="Calibri"/>
-              <a:sym typeface="Calibri"/>
-            </a:endParaRPr>
-          </a:p>
-          <a:p>
-            <a:pPr marL="457200" marR="0" lvl="0" indent="-330200" algn="l" rtl="0">
-              <a:lnSpc>
-                <a:spcPct val="100000"/>
-              </a:lnSpc>
-              <a:spcBef>
-                <a:spcPts val="0"/>
-              </a:spcBef>
-              <a:spcAft>
-                <a:spcPts val="0"/>
-              </a:spcAft>
-              <a:buClr>
-                <a:schemeClr val="dk1"/>
-              </a:buClr>
-              <a:buSzPts val="1600"/>
-              <a:buFont typeface="Calibri"/>
-              <a:buChar char="●"/>
-            </a:pPr>
-            <a:r>
-              <a:rPr lang="en" sz="1600" b="0" i="0" u="none" strike="noStrike" cap="none">
-                <a:solidFill>
-                  <a:schemeClr val="dk1"/>
-                </a:solidFill>
-                <a:latin typeface="Calibri"/>
-                <a:ea typeface="Calibri"/>
-                <a:cs typeface="Calibri"/>
-                <a:sym typeface="Calibri"/>
-              </a:rPr>
-              <a:t>Local AI for Local Private Data</a:t>
-            </a:r>
-            <a:endParaRPr sz="1600" b="0" i="0" u="none" strike="noStrike" cap="none">
-              <a:solidFill>
-                <a:schemeClr val="dk1"/>
-              </a:solidFill>
-              <a:latin typeface="Calibri"/>
-              <a:ea typeface="Calibri"/>
-              <a:cs typeface="Calibri"/>
-              <a:sym typeface="Calibri"/>
-            </a:endParaRPr>
-          </a:p>
-          <a:p>
-            <a:pPr marL="457200" marR="0" lvl="0" indent="-330200" algn="l" rtl="0">
-              <a:lnSpc>
-                <a:spcPct val="100000"/>
-              </a:lnSpc>
-              <a:spcBef>
-                <a:spcPts val="0"/>
-              </a:spcBef>
-              <a:spcAft>
-                <a:spcPts val="0"/>
-              </a:spcAft>
-              <a:buClr>
-                <a:srgbClr val="000000"/>
-              </a:buClr>
-              <a:buSzPts val="1600"/>
-              <a:buFont typeface="Calibri"/>
-              <a:buChar char="●"/>
-            </a:pPr>
-            <a:r>
-              <a:rPr lang="en" sz="1600" b="0" i="0" u="none" strike="noStrike" cap="none">
-                <a:solidFill>
-                  <a:srgbClr val="000000"/>
-                </a:solidFill>
-                <a:latin typeface="Calibri"/>
-                <a:ea typeface="Calibri"/>
-                <a:cs typeface="Calibri"/>
-                <a:sym typeface="Calibri"/>
-              </a:rPr>
-              <a:t>Cloud architecture, fin-tech, application security</a:t>
-            </a:r>
-            <a:endParaRPr sz="1600" b="0" i="0" u="none" strike="noStrike" cap="none">
-              <a:solidFill>
-                <a:srgbClr val="000000"/>
-              </a:solidFill>
-              <a:latin typeface="Calibri"/>
-              <a:ea typeface="Calibri"/>
-              <a:cs typeface="Calibri"/>
-              <a:sym typeface="Calibri"/>
-            </a:endParaRPr>
-          </a:p>
-          <a:p>
-            <a:pPr marL="0" marR="0" lvl="0" indent="0" algn="l" rtl="0">
-              <a:lnSpc>
-                <a:spcPct val="100000"/>
-              </a:lnSpc>
-              <a:spcBef>
-                <a:spcPts val="0"/>
-              </a:spcBef>
-              <a:spcAft>
-                <a:spcPts val="0"/>
-              </a:spcAft>
-              <a:buClr>
-                <a:srgbClr val="000000"/>
-              </a:buClr>
-              <a:buSzPts val="1600"/>
-              <a:buFont typeface="Arial"/>
-              <a:buNone/>
-            </a:pPr>
-            <a:endParaRPr sz="1600" b="0" i="0" u="none" strike="noStrike" cap="none">
-              <a:solidFill>
-                <a:srgbClr val="000000"/>
-              </a:solidFill>
-              <a:latin typeface="Calibri"/>
-              <a:ea typeface="Calibri"/>
-              <a:cs typeface="Calibri"/>
-              <a:sym typeface="Calibri"/>
-            </a:endParaRPr>
-          </a:p>
-          <a:p>
-            <a:pPr marL="0" marR="0" lvl="0" indent="0" algn="l" rtl="0">
-              <a:lnSpc>
-                <a:spcPct val="100000"/>
-              </a:lnSpc>
-              <a:spcBef>
-                <a:spcPts val="0"/>
-              </a:spcBef>
-              <a:spcAft>
-                <a:spcPts val="0"/>
-              </a:spcAft>
-              <a:buClr>
-                <a:srgbClr val="000000"/>
-              </a:buClr>
-              <a:buSzPts val="1600"/>
-              <a:buFont typeface="Arial"/>
-              <a:buNone/>
-            </a:pPr>
-            <a:r>
-              <a:rPr lang="en" sz="1600" b="0" i="0" u="none" strike="noStrike" cap="none">
-                <a:solidFill>
-                  <a:srgbClr val="000000"/>
-                </a:solidFill>
-                <a:latin typeface="Calibri"/>
-                <a:ea typeface="Calibri"/>
-                <a:cs typeface="Calibri"/>
-                <a:sym typeface="Calibri"/>
-              </a:rPr>
-              <a:t>Find/connect: Linkedin, GitHub, YouTube, Google</a:t>
-            </a:r>
-            <a:endParaRPr sz="1600" b="0" i="0" u="none" strike="noStrike" cap="none">
-              <a:solidFill>
-                <a:srgbClr val="000000"/>
-              </a:solidFill>
-              <a:latin typeface="Calibri"/>
-              <a:ea typeface="Calibri"/>
-              <a:cs typeface="Calibri"/>
-              <a:sym typeface="Calibri"/>
-            </a:endParaRPr>
-          </a:p>
         </p:txBody>
       </p:sp>
       <p:pic>
         <p:nvPicPr>
-          <p:cNvPr id="271" name="Google Shape;271;p32"/>
+          <p:cNvPr id="276" name="Google Shape;276;p32"/>
           <p:cNvPicPr preferRelativeResize="0"/>
           <p:nvPr/>
         </p:nvPicPr>
-        <p:blipFill rotWithShape="1">
-          <a:blip r:embed="rId4" cstate="email">
+        <p:blipFill>
+          <a:blip r:embed="rId7" cstate="email">
             <a:alphaModFix/>
             <a:extLst>
               <a:ext uri="{28A0092B-C50C-407E-A947-70E740481C1C}">
@@ -21449,168 +22661,30 @@
               </a:ext>
             </a:extLst>
           </a:blip>
-          <a:srcRect/>
-          <a:stretch/>
+          <a:stretch>
+            <a:fillRect/>
+          </a:stretch>
         </p:blipFill>
         <p:spPr>
           <a:xfrm>
-            <a:off x="1010941" y="3664175"/>
-            <a:ext cx="1144600" cy="415875"/>
+            <a:off x="5459825" y="2682875"/>
+            <a:ext cx="3579974" cy="2397125"/>
           </a:xfrm>
           <a:prstGeom prst="rect">
             <a:avLst/>
           </a:prstGeom>
           <a:noFill/>
-          <a:ln>
-            <a:noFill/>
+          <a:ln w="9525" cap="flat" cmpd="sng">
+            <a:solidFill>
+              <a:srgbClr val="FF0000"/>
+            </a:solidFill>
+            <a:prstDash val="solid"/>
+            <a:round/>
+            <a:headEnd type="none" w="sm" len="sm"/>
+            <a:tailEnd type="none" w="sm" len="sm"/>
           </a:ln>
         </p:spPr>
       </p:pic>
-      <p:sp>
-        <p:nvSpPr>
-          <p:cNvPr id="272" name="Google Shape;272;p32"/>
-          <p:cNvSpPr txBox="1"/>
-          <p:nvPr/>
-        </p:nvSpPr>
-        <p:spPr>
-          <a:xfrm>
-            <a:off x="912377" y="4005903"/>
-            <a:ext cx="1391400" cy="431100"/>
-          </a:xfrm>
-          <a:prstGeom prst="rect">
-            <a:avLst/>
-          </a:prstGeom>
-          <a:noFill/>
-          <a:ln>
-            <a:noFill/>
-          </a:ln>
-        </p:spPr>
-        <p:txBody>
-          <a:bodyPr spcFirstLastPara="1" wrap="square" lIns="91425" tIns="91425" rIns="91425" bIns="91425" anchor="t" anchorCtr="0">
-            <a:spAutoFit/>
-          </a:bodyPr>
-          <a:lstStyle/>
-          <a:p>
-            <a:pPr marL="0" marR="0" lvl="0" indent="0" algn="l" rtl="0">
-              <a:lnSpc>
-                <a:spcPct val="100000"/>
-              </a:lnSpc>
-              <a:spcBef>
-                <a:spcPts val="0"/>
-              </a:spcBef>
-              <a:spcAft>
-                <a:spcPts val="0"/>
-              </a:spcAft>
-              <a:buClr>
-                <a:srgbClr val="000000"/>
-              </a:buClr>
-              <a:buSzPts val="1600"/>
-              <a:buFont typeface="Arial"/>
-              <a:buNone/>
-            </a:pPr>
-            <a:r>
-              <a:rPr lang="en" sz="1600" b="0" i="0" u="sng" strike="noStrike" cap="none">
-                <a:solidFill>
-                  <a:schemeClr val="hlink"/>
-                </a:solidFill>
-                <a:latin typeface="Calibri"/>
-                <a:ea typeface="Calibri"/>
-                <a:cs typeface="Calibri"/>
-                <a:sym typeface="Calibri"/>
-                <a:hlinkClick r:id="rId5"/>
-              </a:rPr>
-              <a:t>https://eais.ai</a:t>
-            </a:r>
-            <a:r>
-              <a:rPr lang="en" sz="1600" b="0" i="0" u="none" strike="noStrike" cap="none">
-                <a:solidFill>
-                  <a:srgbClr val="000000"/>
-                </a:solidFill>
-                <a:latin typeface="Calibri"/>
-                <a:ea typeface="Calibri"/>
-                <a:cs typeface="Calibri"/>
-                <a:sym typeface="Calibri"/>
-              </a:rPr>
-              <a:t> </a:t>
-            </a:r>
-            <a:endParaRPr sz="1600" b="0" i="0" u="none" strike="noStrike" cap="none">
-              <a:solidFill>
-                <a:srgbClr val="000000"/>
-              </a:solidFill>
-              <a:latin typeface="Calibri"/>
-              <a:ea typeface="Calibri"/>
-              <a:cs typeface="Calibri"/>
-              <a:sym typeface="Calibri"/>
-            </a:endParaRPr>
-          </a:p>
-        </p:txBody>
-      </p:sp>
-      <p:sp>
-        <p:nvSpPr>
-          <p:cNvPr id="273" name="Google Shape;273;p32"/>
-          <p:cNvSpPr txBox="1"/>
-          <p:nvPr/>
-        </p:nvSpPr>
-        <p:spPr>
-          <a:xfrm>
-            <a:off x="536203" y="4360974"/>
-            <a:ext cx="2094075" cy="430857"/>
-          </a:xfrm>
-          <a:prstGeom prst="rect">
-            <a:avLst/>
-          </a:prstGeom>
-          <a:noFill/>
-          <a:ln>
-            <a:noFill/>
-          </a:ln>
-        </p:spPr>
-        <p:txBody>
-          <a:bodyPr spcFirstLastPara="1" wrap="square" lIns="91425" tIns="91425" rIns="91425" bIns="91425" anchor="t" anchorCtr="0">
-            <a:spAutoFit/>
-          </a:bodyPr>
-          <a:lstStyle/>
-          <a:p>
-            <a:pPr marL="0" marR="0" lvl="0" indent="0" algn="ctr" rtl="0">
-              <a:lnSpc>
-                <a:spcPct val="100000"/>
-              </a:lnSpc>
-              <a:spcBef>
-                <a:spcPts val="0"/>
-              </a:spcBef>
-              <a:spcAft>
-                <a:spcPts val="0"/>
-              </a:spcAft>
-              <a:buClr>
-                <a:schemeClr val="dk1"/>
-              </a:buClr>
-              <a:buSzPts val="1100"/>
-              <a:buFont typeface="Arial"/>
-              <a:buNone/>
-            </a:pPr>
-            <a:r>
-              <a:rPr lang="en" sz="1600" b="0" i="0" u="none" strike="noStrike" cap="none">
-                <a:solidFill>
-                  <a:srgbClr val="000000"/>
-                </a:solidFill>
-                <a:latin typeface="Calibri"/>
-                <a:ea typeface="Calibri"/>
-                <a:cs typeface="Calibri"/>
-                <a:sym typeface="Calibri"/>
-              </a:rPr>
-              <a:t>Enterprise AI Systems</a:t>
-            </a:r>
-            <a:endParaRPr sz="1600" b="0" i="0" u="none" strike="noStrike" cap="none">
-              <a:solidFill>
-                <a:srgbClr val="000000"/>
-              </a:solidFill>
-              <a:latin typeface="Calibri"/>
-              <a:ea typeface="Calibri"/>
-              <a:cs typeface="Calibri"/>
-              <a:sym typeface="Calibri"/>
-            </a:endParaRPr>
-          </a:p>
-        </p:txBody>
-      </p:sp>
     </p:spTree>
   </p:cSld>
   <p:clrMapOvr>
@@ -21645,7 +22719,7 @@
         <p:spPr>
           <a:xfrm>
             <a:off x="91750" y="98850"/>
-            <a:ext cx="4316400" cy="326400"/>
+            <a:ext cx="1249200" cy="326400"/>
           </a:xfrm>
           <a:prstGeom prst="rect">
             <a:avLst/>
@@ -21707,7 +22781,7 @@
         </p:nvSpPr>
         <p:spPr>
           <a:xfrm>
-            <a:off x="91750" y="586750"/>
+            <a:off x="91750" y="537686"/>
             <a:ext cx="4515900" cy="2696700"/>
           </a:xfrm>
           <a:prstGeom prst="rect">
@@ -21817,7 +22891,7 @@
                 <a:cs typeface="Calibri"/>
                 <a:sym typeface="Calibri"/>
               </a:rPr>
-              <a:t>Llama can now see and run on your device</a:t>
+              <a:t>Llama can now see and run on your device (11B &amp; 90B)</a:t>
             </a:r>
             <a:endParaRPr sz="1200">
               <a:solidFill>
@@ -21847,14 +22921,88 @@
             <a:r>
               <a:rPr lang="en" sz="1100" b="1">
                 <a:solidFill>
-                  <a:srgbClr val="3C78D8"/>
+                  <a:srgbClr val="6AA84F"/>
                 </a:solidFill>
                 <a:latin typeface="Roboto Mono"/>
                 <a:ea typeface="Roboto Mono"/>
                 <a:cs typeface="Roboto Mono"/>
                 <a:sym typeface="Roboto Mono"/>
               </a:rPr>
-              <a:t>   1B ~ Gemma 2 2.6B</a:t>
+              <a:t>   1B, 3B - for "edge" (devices, Qualicom, ...)</a:t>
+            </a:r>
+            <a:endParaRPr sz="1100" b="1">
+              <a:solidFill>
+                <a:srgbClr val="6AA84F"/>
+              </a:solidFill>
+              <a:latin typeface="Roboto Mono"/>
+              <a:ea typeface="Roboto Mono"/>
+              <a:cs typeface="Roboto Mono"/>
+              <a:sym typeface="Roboto Mono"/>
+            </a:endParaRPr>
+          </a:p>
+          <a:p>
+            <a:pPr marL="0" lvl="0" indent="0" algn="l" rtl="0">
+              <a:spcBef>
+                <a:spcPts val="0"/>
+              </a:spcBef>
+              <a:spcAft>
+                <a:spcPts val="0"/>
+              </a:spcAft>
+              <a:buClr>
+                <a:schemeClr val="dk1"/>
+              </a:buClr>
+              <a:buSzPts val="1100"/>
+              <a:buFont typeface="Arial"/>
+              <a:buNone/>
+            </a:pPr>
+            <a:r>
+              <a:rPr lang="en" sz="1100" b="1">
+                <a:solidFill>
+                  <a:srgbClr val="6AA84F"/>
+                </a:solidFill>
+                <a:latin typeface="Roboto Mono"/>
+                <a:ea typeface="Roboto Mono"/>
+                <a:cs typeface="Roboto Mono"/>
+                <a:sym typeface="Roboto Mono"/>
+              </a:rPr>
+              <a:t>  11B, 90B - has "vision"</a:t>
+            </a:r>
+            <a:endParaRPr sz="1100" b="1">
+              <a:solidFill>
+                <a:srgbClr val="6AA84F"/>
+              </a:solidFill>
+              <a:latin typeface="Roboto Mono"/>
+              <a:ea typeface="Roboto Mono"/>
+              <a:cs typeface="Roboto Mono"/>
+              <a:sym typeface="Roboto Mono"/>
+            </a:endParaRPr>
+          </a:p>
+          <a:p>
+            <a:pPr marL="0" lvl="0" indent="0" algn="l" rtl="0">
+              <a:spcBef>
+                <a:spcPts val="0"/>
+              </a:spcBef>
+              <a:spcAft>
+                <a:spcPts val="0"/>
+              </a:spcAft>
+              <a:buClr>
+                <a:schemeClr val="dk1"/>
+              </a:buClr>
+              <a:buSzPts val="1100"/>
+              <a:buFont typeface="Arial"/>
+              <a:buNone/>
+            </a:pPr>
+            <a:r>
+              <a:rPr lang="en" sz="1100" b="1">
+                <a:solidFill>
+                  <a:srgbClr val="3C78D8"/>
+                </a:solidFill>
+                <a:latin typeface="Roboto Mono"/>
+                <a:ea typeface="Roboto Mono"/>
+                <a:cs typeface="Roboto Mono"/>
+                <a:sym typeface="Roboto Mono"/>
+              </a:rPr>
+              <a:t>  11B &gt;~ Claude-Haiku</a:t>
             </a:r>
             <a:endParaRPr sz="1100" b="1">
               <a:solidFill>
@@ -21891,81 +23039,7 @@
                 <a:cs typeface="Roboto Mono"/>
                 <a:sym typeface="Roboto Mono"/>
               </a:rPr>
-              <a:t>   3B ~ Phi 3.5-mini</a:t>
-            </a:r>
-            <a:endParaRPr sz="1100" b="1">
-              <a:solidFill>
-                <a:srgbClr val="3C78D8"/>
-              </a:solidFill>
-              <a:latin typeface="Roboto Mono"/>
-              <a:ea typeface="Roboto Mono"/>
-              <a:cs typeface="Roboto Mono"/>
-              <a:sym typeface="Roboto Mono"/>
-            </a:endParaRPr>
-          </a:p>
-          <a:p>
-            <a:pPr marL="0" lvl="0" indent="0" algn="l" rtl="0">
-              <a:spcBef>
-                <a:spcPts val="0"/>
-              </a:spcBef>
-              <a:spcAft>
-                <a:spcPts val="0"/>
-              </a:spcAft>
-              <a:buClr>
-                <a:schemeClr val="dk1"/>
-              </a:buClr>
-              <a:buSzPts val="1100"/>
-              <a:buFont typeface="Arial"/>
-              <a:buNone/>
-            </a:pPr>
-            <a:r>
-              <a:rPr lang="en" sz="1100" b="1">
-                <a:solidFill>
-                  <a:srgbClr val="3C78D8"/>
-                </a:solidFill>
-                <a:latin typeface="Roboto Mono"/>
-                <a:ea typeface="Roboto Mono"/>
-                <a:cs typeface="Roboto Mono"/>
-                <a:sym typeface="Roboto Mono"/>
-              </a:rPr>
-              <a:t>  11B ~ Claude Haiku</a:t>
-            </a:r>
-            <a:endParaRPr sz="1100" b="1">
-              <a:solidFill>
-                <a:srgbClr val="3C78D8"/>
-              </a:solidFill>
-              <a:latin typeface="Roboto Mono"/>
-              <a:ea typeface="Roboto Mono"/>
-              <a:cs typeface="Roboto Mono"/>
-              <a:sym typeface="Roboto Mono"/>
-            </a:endParaRPr>
-          </a:p>
-          <a:p>
-            <a:pPr marL="0" lvl="0" indent="0" algn="l" rtl="0">
-              <a:spcBef>
-                <a:spcPts val="0"/>
-              </a:spcBef>
-              <a:spcAft>
-                <a:spcPts val="0"/>
-              </a:spcAft>
-              <a:buClr>
-                <a:schemeClr val="dk1"/>
-              </a:buClr>
-              <a:buSzPts val="1100"/>
-              <a:buFont typeface="Arial"/>
-              <a:buNone/>
-            </a:pPr>
-            <a:r>
-              <a:rPr lang="en" sz="1100" b="1">
-                <a:solidFill>
-                  <a:srgbClr val="3C78D8"/>
-                </a:solidFill>
-                <a:latin typeface="Roboto Mono"/>
-                <a:ea typeface="Roboto Mono"/>
-                <a:cs typeface="Roboto Mono"/>
-                <a:sym typeface="Roboto Mono"/>
-              </a:rPr>
-              <a:t>  90B ~ GPT-4o-mini</a:t>
+              <a:t>  90B &gt;~ GPT-4o-mini</a:t>
             </a:r>
             <a:endParaRPr sz="1300">
               <a:solidFill>
@@ -22197,7 +23271,7 @@
                 <a:cs typeface="Calibri"/>
                 <a:sym typeface="Calibri"/>
               </a:rPr>
-              <a:t> - APIs</a:t>
+              <a:t> - APIs, tuning, running, ...</a:t>
             </a:r>
             <a:endParaRPr sz="1000">
               <a:solidFill>
@@ -22422,7 +23496,7 @@
         </p:blipFill>
         <p:spPr>
           <a:xfrm>
-            <a:off x="105450" y="3368151"/>
+            <a:off x="97273" y="3291951"/>
             <a:ext cx="1559747" cy="1070001"/>
           </a:xfrm>
           <a:prstGeom prst="rect">
@@ -22448,8 +23522,8 @@
         </p:nvSpPr>
         <p:spPr>
           <a:xfrm>
-            <a:off x="1424950" y="98850"/>
-            <a:ext cx="3182700" cy="403200"/>
+            <a:off x="1648480" y="82500"/>
+            <a:ext cx="2960100" cy="418500"/>
           </a:xfrm>
           <a:prstGeom prst="rect">
             <a:avLst/>
@@ -22497,11 +23571,11 @@
                 <a:cs typeface="Calibri"/>
                 <a:sym typeface="Calibri"/>
               </a:rPr>
-              <a:t>Meta Connect Event - September 25-26, 2024</a:t>
-            </a:r>
-            <a:endParaRPr sz="1300">
+              <a:t>Meta Connect Virtual Conference</a:t>
+            </a:r>
+            <a:endParaRPr sz="1300" b="1">
               <a:solidFill>
-                <a:schemeClr val="dk1"/>
+                <a:srgbClr val="FF0000"/>
               </a:solidFill>
               <a:latin typeface="Calibri"/>
               <a:ea typeface="Calibri"/>
@@ -22525,7 +23599,31 @@
               <a:buNone/>
             </a:pPr>
             <a:r>
-              <a:rPr lang="en" sz="1200" u="sng">
+              <a:rPr lang="en" sz="1300" b="1">
+                <a:solidFill>
+                  <a:srgbClr val="FF0000"/>
+                </a:solidFill>
+                <a:latin typeface="Calibri"/>
+                <a:ea typeface="Calibri"/>
+                <a:cs typeface="Calibri"/>
+                <a:sym typeface="Calibri"/>
+              </a:rPr>
+              <a:t>Sept 25-26, 2024</a:t>
+            </a:r>
+            <a:r>
+              <a:rPr lang="en" sz="900" b="1">
+                <a:solidFill>
+                  <a:srgbClr val="FF0000"/>
+                </a:solidFill>
+                <a:latin typeface="Calibri"/>
+                <a:ea typeface="Calibri"/>
+                <a:cs typeface="Calibri"/>
+                <a:sym typeface="Calibri"/>
+              </a:rPr>
+              <a:t> - </a:t>
+            </a:r>
+            <a:r>
+              <a:rPr lang="en" sz="900" u="sng">
                 <a:solidFill>
                   <a:schemeClr val="hlink"/>
                 </a:solidFill>
@@ -22537,14 +23635,14 @@
               </a:rPr>
               <a:t>https://www.meta.com/connect/</a:t>
             </a:r>
-            <a:endParaRPr sz="1100" b="1">
+            <a:endParaRPr sz="900" b="1">
               <a:solidFill>
                 <a:srgbClr val="3C78D8"/>
               </a:solidFill>
-              <a:latin typeface="Roboto Mono"/>
-              <a:ea typeface="Roboto Mono"/>
-              <a:cs typeface="Roboto Mono"/>
-              <a:sym typeface="Roboto Mono"/>
+              <a:latin typeface="Calibri"/>
+              <a:ea typeface="Calibri"/>
+              <a:cs typeface="Calibri"/>
+              <a:sym typeface="Calibri"/>
             </a:endParaRPr>
           </a:p>
         </p:txBody>
@@ -23150,7 +24248,7 @@
         </p:nvSpPr>
         <p:spPr>
           <a:xfrm>
-            <a:off x="1751300" y="3327624"/>
+            <a:off x="1751300" y="3286737"/>
             <a:ext cx="2862000" cy="1280700"/>
           </a:xfrm>
           <a:prstGeom prst="rect">
@@ -23185,9 +24283,9 @@
               <a:buNone/>
             </a:pPr>
             <a:r>
-              <a:rPr lang="en" sz="1300">
-                <a:solidFill>
-                  <a:schemeClr val="dk1"/>
+              <a:rPr lang="en" sz="1300" b="1">
+                <a:solidFill>
+                  <a:srgbClr val="FF0000"/>
                 </a:solidFill>
                 <a:latin typeface="Calibri"/>
                 <a:ea typeface="Calibri"/>
@@ -23196,9 +24294,9 @@
               </a:rPr>
               <a:t>Interview with Mark Zuckerberg</a:t>
             </a:r>
-            <a:endParaRPr sz="1300">
+            <a:endParaRPr sz="1300" b="1">
               <a:solidFill>
-                <a:schemeClr val="dk1"/>
+                <a:srgbClr val="FF0000"/>
               </a:solidFill>
               <a:latin typeface="Calibri"/>
               <a:ea typeface="Calibri"/>
@@ -23272,6 +24370,104 @@
                 <a:sym typeface="Calibri"/>
               </a:rPr>
               <a:t>Mark wants to build "awesome" products that inspire and uplift people. His vision is combining AI with work of Reality Labs (division of Meta for virtual reality (VR) and augmented reality (AR)).</a:t>
+            </a:r>
+            <a:endParaRPr sz="800">
+              <a:solidFill>
+                <a:schemeClr val="dk1"/>
+              </a:solidFill>
+              <a:latin typeface="Calibri"/>
+              <a:ea typeface="Calibri"/>
+              <a:cs typeface="Calibri"/>
+              <a:sym typeface="Calibri"/>
+            </a:endParaRPr>
+          </a:p>
+        </p:txBody>
+      </p:sp>
+      <p:sp>
+        <p:nvSpPr>
+          <p:cNvPr id="77" name="Google Shape;77;p15"/>
+          <p:cNvSpPr txBox="1"/>
+          <p:nvPr/>
+        </p:nvSpPr>
+        <p:spPr>
+          <a:xfrm>
+            <a:off x="1751300" y="4624678"/>
+            <a:ext cx="2862000" cy="387900"/>
+          </a:xfrm>
+          <a:prstGeom prst="rect">
+            <a:avLst/>
+          </a:prstGeom>
+          <a:solidFill>
+            <a:srgbClr val="FFF2CC"/>
+          </a:solidFill>
+          <a:ln w="9525" cap="flat" cmpd="sng">
+            <a:solidFill>
+              <a:srgbClr val="FF0000"/>
+            </a:solidFill>
+            <a:prstDash val="solid"/>
+            <a:round/>
+            <a:headEnd type="none" w="sm" len="sm"/>
+            <a:tailEnd type="none" w="sm" len="sm"/>
+          </a:ln>
+        </p:spPr>
+        <p:txBody>
+          <a:bodyPr spcFirstLastPara="1" wrap="square" lIns="9125" tIns="9125" rIns="9125" bIns="9125" anchor="t" anchorCtr="0">
+            <a:spAutoFit/>
+          </a:bodyPr>
+          <a:lstStyle/>
+          <a:p>
+            <a:pPr marL="0" lvl="0" indent="0" algn="l" rtl="0">
+              <a:spcBef>
+                <a:spcPts val="0"/>
+              </a:spcBef>
+              <a:spcAft>
+                <a:spcPts val="0"/>
+              </a:spcAft>
+              <a:buNone/>
+            </a:pPr>
+            <a:r>
+              <a:rPr lang="en" sz="1200" b="1">
+                <a:solidFill>
+                  <a:srgbClr val="FF0000"/>
+                </a:solidFill>
+                <a:latin typeface="Calibri"/>
+                <a:ea typeface="Calibri"/>
+                <a:cs typeface="Calibri"/>
+                <a:sym typeface="Calibri"/>
+              </a:rPr>
+              <a:t>Meta has 500 Mln AI users</a:t>
+            </a:r>
+            <a:endParaRPr sz="1200" b="1">
+              <a:solidFill>
+                <a:srgbClr val="FF0000"/>
+              </a:solidFill>
+              <a:latin typeface="Calibri"/>
+              <a:ea typeface="Calibri"/>
+              <a:cs typeface="Calibri"/>
+              <a:sym typeface="Calibri"/>
+            </a:endParaRPr>
+          </a:p>
+          <a:p>
+            <a:pPr marL="0" lvl="0" indent="0" algn="l" rtl="0">
+              <a:spcBef>
+                <a:spcPts val="0"/>
+              </a:spcBef>
+              <a:spcAft>
+                <a:spcPts val="0"/>
+              </a:spcAft>
+              <a:buNone/>
+            </a:pPr>
+            <a:r>
+              <a:rPr lang="en" sz="1200">
+                <a:solidFill>
+                  <a:schemeClr val="dk1"/>
+                </a:solidFill>
+                <a:latin typeface="Calibri"/>
+                <a:ea typeface="Calibri"/>
+                <a:cs typeface="Calibri"/>
+                <a:sym typeface="Calibri"/>
+              </a:rPr>
+              <a:t>OpenAI has 260 Mln AI users</a:t>
             </a:r>
             <a:endParaRPr sz="800">
               <a:solidFill>
@@ -23298,7 +24494,732 @@
   <p:cSld>
     <p:spTree>
       <p:nvGrpSpPr>
-        <p:cNvPr id="1" name="Shape 277"/>
+        <p:cNvPr id="1" name="Shape 280"/>
+        <p:cNvGrpSpPr/>
+        <p:nvPr/>
+      </p:nvGrpSpPr>
+      <p:grpSpPr>
+        <a:xfrm>
+          <a:off x="0" y="0"/>
+          <a:ext cx="0" cy="0"/>
+          <a:chOff x="0" y="0"/>
+          <a:chExt cx="0" cy="0"/>
+        </a:xfrm>
+      </p:grpSpPr>
+      <p:pic>
+        <p:nvPicPr>
+          <p:cNvPr id="281" name="Google Shape;281;p33"/>
+          <p:cNvPicPr preferRelativeResize="0"/>
+          <p:nvPr/>
+        </p:nvPicPr>
+        <p:blipFill rotWithShape="1">
+          <a:blip r:embed="rId3">
+            <a:alphaModFix/>
+          </a:blip>
+          <a:srcRect/>
+          <a:stretch/>
+        </p:blipFill>
+        <p:spPr>
+          <a:xfrm>
+            <a:off x="605238" y="1203525"/>
+            <a:ext cx="2094075" cy="2094075"/>
+          </a:xfrm>
+          <a:prstGeom prst="rect">
+            <a:avLst/>
+          </a:prstGeom>
+          <a:noFill/>
+          <a:ln>
+            <a:noFill/>
+          </a:ln>
+        </p:spPr>
+      </p:pic>
+      <p:sp>
+        <p:nvSpPr>
+          <p:cNvPr id="282" name="Google Shape;282;p33"/>
+          <p:cNvSpPr txBox="1"/>
+          <p:nvPr/>
+        </p:nvSpPr>
+        <p:spPr>
+          <a:xfrm>
+            <a:off x="-25625" y="-14775"/>
+            <a:ext cx="3355800" cy="569400"/>
+          </a:xfrm>
+          <a:prstGeom prst="rect">
+            <a:avLst/>
+          </a:prstGeom>
+          <a:noFill/>
+          <a:ln>
+            <a:noFill/>
+          </a:ln>
+        </p:spPr>
+        <p:txBody>
+          <a:bodyPr spcFirstLastPara="1" wrap="square" lIns="91425" tIns="91425" rIns="91425" bIns="91425" anchor="t" anchorCtr="0">
+            <a:spAutoFit/>
+          </a:bodyPr>
+          <a:lstStyle/>
+          <a:p>
+            <a:pPr marL="0" marR="0" lvl="0" indent="0" algn="l" rtl="0">
+              <a:lnSpc>
+                <a:spcPct val="100000"/>
+              </a:lnSpc>
+              <a:spcBef>
+                <a:spcPts val="0"/>
+              </a:spcBef>
+              <a:spcAft>
+                <a:spcPts val="0"/>
+              </a:spcAft>
+              <a:buClr>
+                <a:srgbClr val="000000"/>
+              </a:buClr>
+              <a:buSzPts val="2500"/>
+              <a:buFont typeface="Arial"/>
+              <a:buNone/>
+            </a:pPr>
+            <a:r>
+              <a:rPr lang="en" sz="2500" b="1" i="0" u="none" strike="noStrike" cap="none">
+                <a:solidFill>
+                  <a:srgbClr val="000000"/>
+                </a:solidFill>
+                <a:latin typeface="Calibri"/>
+                <a:ea typeface="Calibri"/>
+                <a:cs typeface="Calibri"/>
+                <a:sym typeface="Calibri"/>
+              </a:rPr>
+              <a:t>About the Speaker</a:t>
+            </a:r>
+            <a:endParaRPr sz="2500" b="1" i="0" u="none" strike="noStrike" cap="none">
+              <a:solidFill>
+                <a:srgbClr val="000000"/>
+              </a:solidFill>
+              <a:latin typeface="Calibri"/>
+              <a:ea typeface="Calibri"/>
+              <a:cs typeface="Calibri"/>
+              <a:sym typeface="Calibri"/>
+            </a:endParaRPr>
+          </a:p>
+        </p:txBody>
+      </p:sp>
+      <p:sp>
+        <p:nvSpPr>
+          <p:cNvPr id="283" name="Google Shape;283;p33"/>
+          <p:cNvSpPr txBox="1"/>
+          <p:nvPr/>
+        </p:nvSpPr>
+        <p:spPr>
+          <a:xfrm>
+            <a:off x="3330175" y="878750"/>
+            <a:ext cx="5621700" cy="3309300"/>
+          </a:xfrm>
+          <a:prstGeom prst="rect">
+            <a:avLst/>
+          </a:prstGeom>
+          <a:noFill/>
+          <a:ln>
+            <a:noFill/>
+          </a:ln>
+        </p:spPr>
+        <p:txBody>
+          <a:bodyPr spcFirstLastPara="1" wrap="square" lIns="91425" tIns="91425" rIns="91425" bIns="91425" anchor="t" anchorCtr="0">
+            <a:spAutoFit/>
+          </a:bodyPr>
+          <a:lstStyle/>
+          <a:p>
+            <a:pPr marL="0" marR="0" lvl="0" indent="0" algn="l" rtl="0">
+              <a:lnSpc>
+                <a:spcPct val="100000"/>
+              </a:lnSpc>
+              <a:spcBef>
+                <a:spcPts val="0"/>
+              </a:spcBef>
+              <a:spcAft>
+                <a:spcPts val="0"/>
+              </a:spcAft>
+              <a:buClr>
+                <a:schemeClr val="dk1"/>
+              </a:buClr>
+              <a:buSzPts val="1100"/>
+              <a:buFont typeface="Arial"/>
+              <a:buNone/>
+            </a:pPr>
+            <a:r>
+              <a:rPr lang="en" sz="2500" b="1" i="0" u="none" strike="noStrike" cap="none">
+                <a:solidFill>
+                  <a:srgbClr val="000000"/>
+                </a:solidFill>
+                <a:latin typeface="Calibri"/>
+                <a:ea typeface="Calibri"/>
+                <a:cs typeface="Calibri"/>
+                <a:sym typeface="Calibri"/>
+              </a:rPr>
+              <a:t>Lev Selector, Ph.D.</a:t>
+            </a:r>
+            <a:endParaRPr sz="2500" b="1" i="0" u="none" strike="noStrike" cap="none">
+              <a:solidFill>
+                <a:srgbClr val="000000"/>
+              </a:solidFill>
+              <a:latin typeface="Calibri"/>
+              <a:ea typeface="Calibri"/>
+              <a:cs typeface="Calibri"/>
+              <a:sym typeface="Calibri"/>
+            </a:endParaRPr>
+          </a:p>
+          <a:p>
+            <a:pPr marL="0" marR="0" lvl="0" indent="0" algn="l" rtl="0">
+              <a:lnSpc>
+                <a:spcPct val="100000"/>
+              </a:lnSpc>
+              <a:spcBef>
+                <a:spcPts val="0"/>
+              </a:spcBef>
+              <a:spcAft>
+                <a:spcPts val="0"/>
+              </a:spcAft>
+              <a:buClr>
+                <a:schemeClr val="dk1"/>
+              </a:buClr>
+              <a:buSzPts val="1100"/>
+              <a:buFont typeface="Arial"/>
+              <a:buNone/>
+            </a:pPr>
+            <a:endParaRPr sz="1800" b="0" i="0" u="none" strike="noStrike" cap="none">
+              <a:solidFill>
+                <a:srgbClr val="000000"/>
+              </a:solidFill>
+              <a:latin typeface="Calibri"/>
+              <a:ea typeface="Calibri"/>
+              <a:cs typeface="Calibri"/>
+              <a:sym typeface="Calibri"/>
+            </a:endParaRPr>
+          </a:p>
+          <a:p>
+            <a:pPr marL="457200" marR="0" lvl="0" indent="-330200" algn="l" rtl="0">
+              <a:lnSpc>
+                <a:spcPct val="100000"/>
+              </a:lnSpc>
+              <a:spcBef>
+                <a:spcPts val="0"/>
+              </a:spcBef>
+              <a:spcAft>
+                <a:spcPts val="0"/>
+              </a:spcAft>
+              <a:buClr>
+                <a:srgbClr val="000000"/>
+              </a:buClr>
+              <a:buSzPts val="1600"/>
+              <a:buFont typeface="Calibri"/>
+              <a:buChar char="●"/>
+            </a:pPr>
+            <a:r>
+              <a:rPr lang="en" sz="1600" b="0" i="0" u="none" strike="noStrike" cap="none">
+                <a:solidFill>
+                  <a:schemeClr val="dk1"/>
+                </a:solidFill>
+                <a:latin typeface="Calibri"/>
+                <a:ea typeface="Calibri"/>
+                <a:cs typeface="Calibri"/>
+                <a:sym typeface="Calibri"/>
+              </a:rPr>
+              <a:t>40+ years of software engineering, data science, and building teams (hiring, training, and managing)</a:t>
+            </a:r>
+            <a:endParaRPr sz="1600" b="0" i="0" u="none" strike="noStrike" cap="none">
+              <a:solidFill>
+                <a:schemeClr val="dk1"/>
+              </a:solidFill>
+              <a:latin typeface="Calibri"/>
+              <a:ea typeface="Calibri"/>
+              <a:cs typeface="Calibri"/>
+              <a:sym typeface="Calibri"/>
+            </a:endParaRPr>
+          </a:p>
+          <a:p>
+            <a:pPr marL="457200" marR="0" lvl="0" indent="-330200" algn="l" rtl="0">
+              <a:lnSpc>
+                <a:spcPct val="100000"/>
+              </a:lnSpc>
+              <a:spcBef>
+                <a:spcPts val="0"/>
+              </a:spcBef>
+              <a:spcAft>
+                <a:spcPts val="0"/>
+              </a:spcAft>
+              <a:buClr>
+                <a:srgbClr val="000000"/>
+              </a:buClr>
+              <a:buSzPts val="1600"/>
+              <a:buFont typeface="Calibri"/>
+              <a:buChar char="●"/>
+            </a:pPr>
+            <a:r>
+              <a:rPr lang="en" sz="1600" b="0" i="0" u="none" strike="noStrike" cap="none">
+                <a:solidFill>
+                  <a:schemeClr val="dk1"/>
+                </a:solidFill>
+                <a:latin typeface="Calibri"/>
+                <a:ea typeface="Calibri"/>
+                <a:cs typeface="Calibri"/>
+                <a:sym typeface="Calibri"/>
+              </a:rPr>
+              <a:t>Ph.D. in mathematical modeling and computer simulations</a:t>
+            </a:r>
+            <a:endParaRPr sz="1600" b="0" i="0" u="none" strike="noStrike" cap="none">
+              <a:solidFill>
+                <a:srgbClr val="000000"/>
+              </a:solidFill>
+              <a:latin typeface="Calibri"/>
+              <a:ea typeface="Calibri"/>
+              <a:cs typeface="Calibri"/>
+              <a:sym typeface="Calibri"/>
+            </a:endParaRPr>
+          </a:p>
+          <a:p>
+            <a:pPr marL="0" marR="0" lvl="0" indent="0" algn="l" rtl="0">
+              <a:lnSpc>
+                <a:spcPct val="100000"/>
+              </a:lnSpc>
+              <a:spcBef>
+                <a:spcPts val="0"/>
+              </a:spcBef>
+              <a:spcAft>
+                <a:spcPts val="0"/>
+              </a:spcAft>
+              <a:buClr>
+                <a:schemeClr val="dk1"/>
+              </a:buClr>
+              <a:buSzPts val="1100"/>
+              <a:buFont typeface="Arial"/>
+              <a:buNone/>
+            </a:pPr>
+            <a:endParaRPr sz="1600" b="0" i="0" u="none" strike="noStrike" cap="none">
+              <a:solidFill>
+                <a:srgbClr val="000000"/>
+              </a:solidFill>
+              <a:latin typeface="Calibri"/>
+              <a:ea typeface="Calibri"/>
+              <a:cs typeface="Calibri"/>
+              <a:sym typeface="Calibri"/>
+            </a:endParaRPr>
+          </a:p>
+          <a:p>
+            <a:pPr marL="0" marR="0" lvl="0" indent="0" algn="l" rtl="0">
+              <a:lnSpc>
+                <a:spcPct val="100000"/>
+              </a:lnSpc>
+              <a:spcBef>
+                <a:spcPts val="0"/>
+              </a:spcBef>
+              <a:spcAft>
+                <a:spcPts val="0"/>
+              </a:spcAft>
+              <a:buClr>
+                <a:srgbClr val="000000"/>
+              </a:buClr>
+              <a:buSzPts val="1600"/>
+              <a:buFont typeface="Arial"/>
+              <a:buNone/>
+            </a:pPr>
+            <a:r>
+              <a:rPr lang="en" sz="1600" b="0" i="0" u="none" strike="noStrike" cap="none">
+                <a:solidFill>
+                  <a:srgbClr val="000000"/>
+                </a:solidFill>
+                <a:latin typeface="Calibri"/>
+                <a:ea typeface="Calibri"/>
+                <a:cs typeface="Calibri"/>
+                <a:sym typeface="Calibri"/>
+              </a:rPr>
+              <a:t>Interests: </a:t>
+            </a:r>
+            <a:endParaRPr sz="1600" b="0" i="0" u="none" strike="noStrike" cap="none">
+              <a:solidFill>
+                <a:srgbClr val="000000"/>
+              </a:solidFill>
+              <a:latin typeface="Calibri"/>
+              <a:ea typeface="Calibri"/>
+              <a:cs typeface="Calibri"/>
+              <a:sym typeface="Calibri"/>
+            </a:endParaRPr>
+          </a:p>
+          <a:p>
+            <a:pPr marL="457200" marR="0" lvl="0" indent="-330200" algn="l" rtl="0">
+              <a:lnSpc>
+                <a:spcPct val="100000"/>
+              </a:lnSpc>
+              <a:spcBef>
+                <a:spcPts val="0"/>
+              </a:spcBef>
+              <a:spcAft>
+                <a:spcPts val="0"/>
+              </a:spcAft>
+              <a:buClr>
+                <a:srgbClr val="000000"/>
+              </a:buClr>
+              <a:buSzPts val="1600"/>
+              <a:buFont typeface="Calibri"/>
+              <a:buChar char="●"/>
+            </a:pPr>
+            <a:r>
+              <a:rPr lang="en" sz="1600" b="0" i="0" u="none" strike="noStrike" cap="none">
+                <a:solidFill>
+                  <a:schemeClr val="dk1"/>
+                </a:solidFill>
+                <a:latin typeface="Calibri"/>
+                <a:ea typeface="Calibri"/>
+                <a:cs typeface="Calibri"/>
+                <a:sym typeface="Calibri"/>
+              </a:rPr>
+              <a:t>Generative AI, Using LLM with your data</a:t>
+            </a:r>
+            <a:endParaRPr sz="1600" b="0" i="0" u="none" strike="noStrike" cap="none">
+              <a:solidFill>
+                <a:schemeClr val="dk1"/>
+              </a:solidFill>
+              <a:latin typeface="Calibri"/>
+              <a:ea typeface="Calibri"/>
+              <a:cs typeface="Calibri"/>
+              <a:sym typeface="Calibri"/>
+            </a:endParaRPr>
+          </a:p>
+          <a:p>
+            <a:pPr marL="457200" marR="0" lvl="0" indent="-330200" algn="l" rtl="0">
+              <a:lnSpc>
+                <a:spcPct val="100000"/>
+              </a:lnSpc>
+              <a:spcBef>
+                <a:spcPts val="0"/>
+              </a:spcBef>
+              <a:spcAft>
+                <a:spcPts val="0"/>
+              </a:spcAft>
+              <a:buClr>
+                <a:schemeClr val="dk1"/>
+              </a:buClr>
+              <a:buSzPts val="1600"/>
+              <a:buFont typeface="Calibri"/>
+              <a:buChar char="●"/>
+            </a:pPr>
+            <a:r>
+              <a:rPr lang="en" sz="1600" b="0" i="0" u="none" strike="noStrike" cap="none">
+                <a:solidFill>
+                  <a:schemeClr val="dk1"/>
+                </a:solidFill>
+                <a:latin typeface="Calibri"/>
+                <a:ea typeface="Calibri"/>
+                <a:cs typeface="Calibri"/>
+                <a:sym typeface="Calibri"/>
+              </a:rPr>
+              <a:t>Local AI for Local Private Data</a:t>
+            </a:r>
+            <a:endParaRPr sz="1600" b="0" i="0" u="none" strike="noStrike" cap="none">
+              <a:solidFill>
+                <a:schemeClr val="dk1"/>
+              </a:solidFill>
+              <a:latin typeface="Calibri"/>
+              <a:ea typeface="Calibri"/>
+              <a:cs typeface="Calibri"/>
+              <a:sym typeface="Calibri"/>
+            </a:endParaRPr>
+          </a:p>
+          <a:p>
+            <a:pPr marL="457200" marR="0" lvl="0" indent="-330200" algn="l" rtl="0">
+              <a:lnSpc>
+                <a:spcPct val="100000"/>
+              </a:lnSpc>
+              <a:spcBef>
+                <a:spcPts val="0"/>
+              </a:spcBef>
+              <a:spcAft>
+                <a:spcPts val="0"/>
+              </a:spcAft>
+              <a:buClr>
+                <a:srgbClr val="000000"/>
+              </a:buClr>
+              <a:buSzPts val="1600"/>
+              <a:buFont typeface="Calibri"/>
+              <a:buChar char="●"/>
+            </a:pPr>
+            <a:r>
+              <a:rPr lang="en" sz="1600" b="0" i="0" u="none" strike="noStrike" cap="none">
+                <a:solidFill>
+                  <a:srgbClr val="000000"/>
+                </a:solidFill>
+                <a:latin typeface="Calibri"/>
+                <a:ea typeface="Calibri"/>
+                <a:cs typeface="Calibri"/>
+                <a:sym typeface="Calibri"/>
+              </a:rPr>
+              <a:t>Cloud architecture, fin-tech, application security</a:t>
+            </a:r>
+            <a:endParaRPr sz="1600" b="0" i="0" u="none" strike="noStrike" cap="none">
+              <a:solidFill>
+                <a:srgbClr val="000000"/>
+              </a:solidFill>
+              <a:latin typeface="Calibri"/>
+              <a:ea typeface="Calibri"/>
+              <a:cs typeface="Calibri"/>
+              <a:sym typeface="Calibri"/>
+            </a:endParaRPr>
+          </a:p>
+          <a:p>
+            <a:pPr marL="0" marR="0" lvl="0" indent="0" algn="l" rtl="0">
+              <a:lnSpc>
+                <a:spcPct val="100000"/>
+              </a:lnSpc>
+              <a:spcBef>
+                <a:spcPts val="0"/>
+              </a:spcBef>
+              <a:spcAft>
+                <a:spcPts val="0"/>
+              </a:spcAft>
+              <a:buClr>
+                <a:srgbClr val="000000"/>
+              </a:buClr>
+              <a:buSzPts val="1600"/>
+              <a:buFont typeface="Arial"/>
+              <a:buNone/>
+            </a:pPr>
+            <a:endParaRPr sz="1600" b="0" i="0" u="none" strike="noStrike" cap="none">
+              <a:solidFill>
+                <a:srgbClr val="000000"/>
+              </a:solidFill>
+              <a:latin typeface="Calibri"/>
+              <a:ea typeface="Calibri"/>
+              <a:cs typeface="Calibri"/>
+              <a:sym typeface="Calibri"/>
+            </a:endParaRPr>
+          </a:p>
+          <a:p>
+            <a:pPr marL="0" marR="0" lvl="0" indent="0" algn="l" rtl="0">
+              <a:lnSpc>
+                <a:spcPct val="100000"/>
+              </a:lnSpc>
+              <a:spcBef>
+                <a:spcPts val="0"/>
+              </a:spcBef>
+              <a:spcAft>
+                <a:spcPts val="0"/>
+              </a:spcAft>
+              <a:buClr>
+                <a:srgbClr val="000000"/>
+              </a:buClr>
+              <a:buSzPts val="1600"/>
+              <a:buFont typeface="Arial"/>
+              <a:buNone/>
+            </a:pPr>
+            <a:r>
+              <a:rPr lang="en" sz="1600" b="0" i="0" u="none" strike="noStrike" cap="none">
+                <a:solidFill>
+                  <a:srgbClr val="000000"/>
+                </a:solidFill>
+                <a:latin typeface="Calibri"/>
+                <a:ea typeface="Calibri"/>
+                <a:cs typeface="Calibri"/>
+                <a:sym typeface="Calibri"/>
+              </a:rPr>
+              <a:t>Find/connect: Linkedin, GitHub, YouTube, Google</a:t>
+            </a:r>
+            <a:endParaRPr sz="1600" b="0" i="0" u="none" strike="noStrike" cap="none">
+              <a:solidFill>
+                <a:srgbClr val="000000"/>
+              </a:solidFill>
+              <a:latin typeface="Calibri"/>
+              <a:ea typeface="Calibri"/>
+              <a:cs typeface="Calibri"/>
+              <a:sym typeface="Calibri"/>
+            </a:endParaRPr>
+          </a:p>
+        </p:txBody>
+      </p:sp>
+      <p:pic>
+        <p:nvPicPr>
+          <p:cNvPr id="284" name="Google Shape;284;p33"/>
+          <p:cNvPicPr preferRelativeResize="0"/>
+          <p:nvPr/>
+        </p:nvPicPr>
+        <p:blipFill rotWithShape="1">
+          <a:blip r:embed="rId4" cstate="email">
+            <a:alphaModFix/>
+            <a:extLst>
+              <a:ext uri="{28A0092B-C50C-407E-A947-70E740481C1C}">
+                <a14:useLocalDpi xmlns:a14="http://schemas.microsoft.com/office/drawing/2010/main"/>
+              </a:ext>
+            </a:extLst>
+          </a:blip>
+          <a:srcRect/>
+          <a:stretch/>
+        </p:blipFill>
+        <p:spPr>
+          <a:xfrm>
+            <a:off x="1010941" y="3664175"/>
+            <a:ext cx="1144600" cy="415875"/>
+          </a:xfrm>
+          <a:prstGeom prst="rect">
+            <a:avLst/>
+          </a:prstGeom>
+          <a:noFill/>
+          <a:ln>
+            <a:noFill/>
+          </a:ln>
+        </p:spPr>
+      </p:pic>
+      <p:sp>
+        <p:nvSpPr>
+          <p:cNvPr id="285" name="Google Shape;285;p33"/>
+          <p:cNvSpPr txBox="1"/>
+          <p:nvPr/>
+        </p:nvSpPr>
+        <p:spPr>
+          <a:xfrm>
+            <a:off x="912377" y="4005903"/>
+            <a:ext cx="1391400" cy="431100"/>
+          </a:xfrm>
+          <a:prstGeom prst="rect">
+            <a:avLst/>
+          </a:prstGeom>
+          <a:noFill/>
+          <a:ln>
+            <a:noFill/>
+          </a:ln>
+        </p:spPr>
+        <p:txBody>
+          <a:bodyPr spcFirstLastPara="1" wrap="square" lIns="91425" tIns="91425" rIns="91425" bIns="91425" anchor="t" anchorCtr="0">
+            <a:spAutoFit/>
+          </a:bodyPr>
+          <a:lstStyle/>
+          <a:p>
+            <a:pPr marL="0" marR="0" lvl="0" indent="0" algn="l" rtl="0">
+              <a:lnSpc>
+                <a:spcPct val="100000"/>
+              </a:lnSpc>
+              <a:spcBef>
+                <a:spcPts val="0"/>
+              </a:spcBef>
+              <a:spcAft>
+                <a:spcPts val="0"/>
+              </a:spcAft>
+              <a:buClr>
+                <a:srgbClr val="000000"/>
+              </a:buClr>
+              <a:buSzPts val="1600"/>
+              <a:buFont typeface="Arial"/>
+              <a:buNone/>
+            </a:pPr>
+            <a:r>
+              <a:rPr lang="en" sz="1600" b="0" i="0" u="sng" strike="noStrike" cap="none">
+                <a:solidFill>
+                  <a:schemeClr val="hlink"/>
+                </a:solidFill>
+                <a:latin typeface="Calibri"/>
+                <a:ea typeface="Calibri"/>
+                <a:cs typeface="Calibri"/>
+                <a:sym typeface="Calibri"/>
+                <a:hlinkClick r:id="rId5"/>
+              </a:rPr>
+              <a:t>https://eais.ai</a:t>
+            </a:r>
+            <a:r>
+              <a:rPr lang="en" sz="1600" b="0" i="0" u="none" strike="noStrike" cap="none">
+                <a:solidFill>
+                  <a:srgbClr val="000000"/>
+                </a:solidFill>
+                <a:latin typeface="Calibri"/>
+                <a:ea typeface="Calibri"/>
+                <a:cs typeface="Calibri"/>
+                <a:sym typeface="Calibri"/>
+              </a:rPr>
+              <a:t> </a:t>
+            </a:r>
+            <a:endParaRPr sz="1600" b="0" i="0" u="none" strike="noStrike" cap="none">
+              <a:solidFill>
+                <a:srgbClr val="000000"/>
+              </a:solidFill>
+              <a:latin typeface="Calibri"/>
+              <a:ea typeface="Calibri"/>
+              <a:cs typeface="Calibri"/>
+              <a:sym typeface="Calibri"/>
+            </a:endParaRPr>
+          </a:p>
+        </p:txBody>
+      </p:sp>
+      <p:sp>
+        <p:nvSpPr>
+          <p:cNvPr id="286" name="Google Shape;286;p33"/>
+          <p:cNvSpPr txBox="1"/>
+          <p:nvPr/>
+        </p:nvSpPr>
+        <p:spPr>
+          <a:xfrm>
+            <a:off x="536203" y="4360974"/>
+            <a:ext cx="2094075" cy="430857"/>
+          </a:xfrm>
+          <a:prstGeom prst="rect">
+            <a:avLst/>
+          </a:prstGeom>
+          <a:noFill/>
+          <a:ln>
+            <a:noFill/>
+          </a:ln>
+        </p:spPr>
+        <p:txBody>
+          <a:bodyPr spcFirstLastPara="1" wrap="square" lIns="91425" tIns="91425" rIns="91425" bIns="91425" anchor="t" anchorCtr="0">
+            <a:spAutoFit/>
+          </a:bodyPr>
+          <a:lstStyle/>
+          <a:p>
+            <a:pPr marL="0" marR="0" lvl="0" indent="0" algn="ctr" rtl="0">
+              <a:lnSpc>
+                <a:spcPct val="100000"/>
+              </a:lnSpc>
+              <a:spcBef>
+                <a:spcPts val="0"/>
+              </a:spcBef>
+              <a:spcAft>
+                <a:spcPts val="0"/>
+              </a:spcAft>
+              <a:buClr>
+                <a:schemeClr val="dk1"/>
+              </a:buClr>
+              <a:buSzPts val="1100"/>
+              <a:buFont typeface="Arial"/>
+              <a:buNone/>
+            </a:pPr>
+            <a:r>
+              <a:rPr lang="en" sz="1600" b="0" i="0" u="none" strike="noStrike" cap="none">
+                <a:solidFill>
+                  <a:srgbClr val="000000"/>
+                </a:solidFill>
+                <a:latin typeface="Calibri"/>
+                <a:ea typeface="Calibri"/>
+                <a:cs typeface="Calibri"/>
+                <a:sym typeface="Calibri"/>
+              </a:rPr>
+              <a:t>Enterprise AI Systems</a:t>
+            </a:r>
+            <a:endParaRPr sz="1600" b="0" i="0" u="none" strike="noStrike" cap="none">
+              <a:solidFill>
+                <a:srgbClr val="000000"/>
+              </a:solidFill>
+              <a:latin typeface="Calibri"/>
+              <a:ea typeface="Calibri"/>
+              <a:cs typeface="Calibri"/>
+              <a:sym typeface="Calibri"/>
+            </a:endParaRPr>
+          </a:p>
+        </p:txBody>
+      </p:sp>
+    </p:spTree>
+  </p:cSld>
+  <p:clrMapOvr>
+    <a:masterClrMapping/>
+  </p:clrMapOvr>
+</p:sld>
+</file>
+
+<file path=ppt/slides/slide21.xml><?xml version="1.0" encoding="utf-8"?>
+<p:sld xmlns:a="http://schemas.openxmlformats.org/drawingml/2006/main" xmlns:r="http://schemas.openxmlformats.org/officeDocument/2006/relationships" xmlns:p="http://schemas.openxmlformats.org/presentationml/2006/main">
+  <p:cSld>
+    <p:spTree>
+      <p:nvGrpSpPr>
+        <p:cNvPr id="1" name="Shape 290"/>
         <p:cNvGrpSpPr/>
         <p:nvPr/>
       </p:nvGrpSpPr>
@@ -23312,7 +25233,7 @@
       </p:grpSpPr>
       <p:sp>
         <p:nvSpPr>
-          <p:cNvPr id="278" name="Google Shape;278;p33"/>
+          <p:cNvPr id="291" name="Google Shape;291;p34"/>
           <p:cNvSpPr txBox="1"/>
           <p:nvPr/>
         </p:nvSpPr>
@@ -23389,7 +25310,7 @@
   <p:cSld>
     <p:spTree>
       <p:nvGrpSpPr>
-        <p:cNvPr id="1" name="Shape 80"/>
+        <p:cNvPr id="1" name="Shape 81"/>
         <p:cNvGrpSpPr/>
         <p:nvPr/>
       </p:nvGrpSpPr>
@@ -23403,7 +25324,7 @@
       </p:grpSpPr>
       <p:sp>
         <p:nvSpPr>
-          <p:cNvPr id="81" name="Google Shape;81;p16"/>
+          <p:cNvPr id="82" name="Google Shape;82;p16"/>
           <p:cNvSpPr txBox="1"/>
           <p:nvPr/>
         </p:nvSpPr>
@@ -23466,7 +25387,7 @@
       </p:sp>
       <p:pic>
         <p:nvPicPr>
-          <p:cNvPr id="82" name="Google Shape;82;p16"/>
+          <p:cNvPr id="83" name="Google Shape;83;p16"/>
           <p:cNvPicPr preferRelativeResize="0"/>
           <p:nvPr/>
         </p:nvPicPr>
@@ -23504,7 +25425,7 @@
       </p:pic>
       <p:sp>
         <p:nvSpPr>
-          <p:cNvPr id="83" name="Google Shape;83;p16"/>
+          <p:cNvPr id="84" name="Google Shape;84;p16"/>
           <p:cNvSpPr txBox="1"/>
           <p:nvPr/>
         </p:nvSpPr>
@@ -23779,7 +25700,7 @@
   <p:cSld>
     <p:spTree>
       <p:nvGrpSpPr>
-        <p:cNvPr id="1" name="Shape 87"/>
+        <p:cNvPr id="1" name="Shape 88"/>
         <p:cNvGrpSpPr/>
         <p:nvPr/>
       </p:nvGrpSpPr>
@@ -23793,7 +25714,7 @@
       </p:grpSpPr>
       <p:sp>
         <p:nvSpPr>
-          <p:cNvPr id="88" name="Google Shape;88;p17"/>
+          <p:cNvPr id="89" name="Google Shape;89;p17"/>
           <p:cNvSpPr txBox="1"/>
           <p:nvPr/>
         </p:nvSpPr>
@@ -23856,13 +25777,13 @@
       </p:sp>
       <p:sp>
         <p:nvSpPr>
-          <p:cNvPr id="89" name="Google Shape;89;p17"/>
+          <p:cNvPr id="90" name="Google Shape;90;p17"/>
           <p:cNvSpPr txBox="1"/>
           <p:nvPr/>
         </p:nvSpPr>
         <p:spPr>
           <a:xfrm>
-            <a:off x="91750" y="815350"/>
+            <a:off x="91750" y="553400"/>
             <a:ext cx="4412700" cy="2989200"/>
           </a:xfrm>
           <a:prstGeom prst="rect">
@@ -24421,7 +26342,7 @@
       </p:sp>
       <p:pic>
         <p:nvPicPr>
-          <p:cNvPr id="90" name="Google Shape;90;p17"/>
+          <p:cNvPr id="91" name="Google Shape;91;p17"/>
           <p:cNvPicPr preferRelativeResize="0"/>
           <p:nvPr/>
         </p:nvPicPr>
@@ -24454,7 +26375,7 @@
       </p:pic>
       <p:pic>
         <p:nvPicPr>
-          <p:cNvPr id="91" name="Google Shape;91;p17"/>
+          <p:cNvPr id="92" name="Google Shape;92;p17"/>
           <p:cNvPicPr preferRelativeResize="0"/>
           <p:nvPr/>
         </p:nvPicPr>
@@ -24469,7 +26390,7 @@
         <p:spPr>
           <a:xfrm>
             <a:off x="5695125" y="2569600"/>
-            <a:ext cx="2847975" cy="1600200"/>
+            <a:ext cx="2945600" cy="1655053"/>
           </a:xfrm>
           <a:prstGeom prst="rect">
             <a:avLst/>
@@ -24493,7 +26414,7 @@
   <p:cSld>
     <p:spTree>
       <p:nvGrpSpPr>
-        <p:cNvPr id="1" name="Shape 95"/>
+        <p:cNvPr id="1" name="Shape 96"/>
         <p:cNvGrpSpPr/>
         <p:nvPr/>
       </p:nvGrpSpPr>
@@ -24507,7 +26428,870 @@
       </p:grpSpPr>
       <p:sp>
         <p:nvSpPr>
-          <p:cNvPr id="96" name="Google Shape;96;p18"/>
+          <p:cNvPr id="97" name="Google Shape;97;p18"/>
+          <p:cNvSpPr txBox="1"/>
+          <p:nvPr/>
+        </p:nvSpPr>
+        <p:spPr>
+          <a:xfrm>
+            <a:off x="91750" y="98850"/>
+            <a:ext cx="4316400" cy="326400"/>
+          </a:xfrm>
+          <a:prstGeom prst="rect">
+            <a:avLst/>
+          </a:prstGeom>
+          <a:noFill/>
+          <a:ln>
+            <a:noFill/>
+          </a:ln>
+        </p:spPr>
+        <p:txBody>
+          <a:bodyPr spcFirstLastPara="1" wrap="square" lIns="9125" tIns="9125" rIns="9125" bIns="9125" anchor="t" anchorCtr="0">
+            <a:spAutoFit/>
+          </a:bodyPr>
+          <a:lstStyle/>
+          <a:p>
+            <a:pPr marL="0" lvl="0" indent="0" algn="l" rtl="0">
+              <a:spcBef>
+                <a:spcPts val="0"/>
+              </a:spcBef>
+              <a:spcAft>
+                <a:spcPts val="0"/>
+              </a:spcAft>
+              <a:buClr>
+                <a:schemeClr val="dk1"/>
+              </a:buClr>
+              <a:buSzPts val="1100"/>
+              <a:buFont typeface="Arial"/>
+              <a:buNone/>
+            </a:pPr>
+            <a:r>
+              <a:rPr lang="en" sz="2000" b="1">
+                <a:solidFill>
+                  <a:schemeClr val="dk1"/>
+                </a:solidFill>
+                <a:latin typeface="Calibri"/>
+                <a:ea typeface="Calibri"/>
+                <a:cs typeface="Calibri"/>
+                <a:sym typeface="Calibri"/>
+              </a:rPr>
+              <a:t>OpenAI becomes "ClosedAI"</a:t>
+            </a:r>
+            <a:endParaRPr sz="2000" b="1">
+              <a:solidFill>
+                <a:schemeClr val="dk1"/>
+              </a:solidFill>
+              <a:latin typeface="Calibri"/>
+              <a:ea typeface="Calibri"/>
+              <a:cs typeface="Calibri"/>
+              <a:sym typeface="Calibri"/>
+            </a:endParaRPr>
+          </a:p>
+        </p:txBody>
+      </p:sp>
+      <p:sp>
+        <p:nvSpPr>
+          <p:cNvPr id="98" name="Google Shape;98;p18"/>
+          <p:cNvSpPr txBox="1"/>
+          <p:nvPr/>
+        </p:nvSpPr>
+        <p:spPr>
+          <a:xfrm>
+            <a:off x="264978" y="683050"/>
+            <a:ext cx="5361000" cy="1696200"/>
+          </a:xfrm>
+          <a:prstGeom prst="rect">
+            <a:avLst/>
+          </a:prstGeom>
+          <a:solidFill>
+            <a:srgbClr val="FFF2CC"/>
+          </a:solidFill>
+          <a:ln w="9525" cap="flat" cmpd="sng">
+            <a:solidFill>
+              <a:srgbClr val="FF0000"/>
+            </a:solidFill>
+            <a:prstDash val="solid"/>
+            <a:round/>
+            <a:headEnd type="none" w="sm" len="sm"/>
+            <a:tailEnd type="none" w="sm" len="sm"/>
+          </a:ln>
+        </p:spPr>
+        <p:txBody>
+          <a:bodyPr spcFirstLastPara="1" wrap="square" lIns="9125" tIns="9125" rIns="9125" bIns="9125" anchor="t" anchorCtr="0">
+            <a:spAutoFit/>
+          </a:bodyPr>
+          <a:lstStyle/>
+          <a:p>
+            <a:pPr marL="0" lvl="0" indent="0" algn="l" rtl="0">
+              <a:spcBef>
+                <a:spcPts val="0"/>
+              </a:spcBef>
+              <a:spcAft>
+                <a:spcPts val="0"/>
+              </a:spcAft>
+              <a:buClr>
+                <a:schemeClr val="dk1"/>
+              </a:buClr>
+              <a:buSzPts val="1100"/>
+              <a:buFont typeface="Arial"/>
+              <a:buNone/>
+            </a:pPr>
+            <a:r>
+              <a:rPr lang="en" sz="1300" b="1">
+                <a:solidFill>
+                  <a:srgbClr val="FF0000"/>
+                </a:solidFill>
+                <a:latin typeface="Calibri"/>
+                <a:ea typeface="Calibri"/>
+                <a:cs typeface="Calibri"/>
+                <a:sym typeface="Calibri"/>
+              </a:rPr>
+              <a:t>OpenAI becomes "ClosedAI"</a:t>
+            </a:r>
+            <a:endParaRPr sz="1300">
+              <a:solidFill>
+                <a:schemeClr val="dk1"/>
+              </a:solidFill>
+              <a:latin typeface="Calibri"/>
+              <a:ea typeface="Calibri"/>
+              <a:cs typeface="Calibri"/>
+              <a:sym typeface="Calibri"/>
+            </a:endParaRPr>
+          </a:p>
+          <a:p>
+            <a:pPr marL="228600" lvl="0" indent="-139700" algn="l" rtl="0">
+              <a:spcBef>
+                <a:spcPts val="0"/>
+              </a:spcBef>
+              <a:spcAft>
+                <a:spcPts val="0"/>
+              </a:spcAft>
+              <a:buClr>
+                <a:schemeClr val="dk1"/>
+              </a:buClr>
+              <a:buSzPts val="1300"/>
+              <a:buFont typeface="Calibri"/>
+              <a:buChar char="●"/>
+            </a:pPr>
+            <a:r>
+              <a:rPr lang="en" sz="1300">
+                <a:solidFill>
+                  <a:schemeClr val="dk1"/>
+                </a:solidFill>
+                <a:latin typeface="Calibri"/>
+                <a:ea typeface="Calibri"/>
+                <a:cs typeface="Calibri"/>
+                <a:sym typeface="Calibri"/>
+              </a:rPr>
+              <a:t>According to Reuters, OpenAI is planning to restructure its business into a for-profit benefit corporation, removing control from its non-profit board (which will become a minority stake holder). </a:t>
+            </a:r>
+            <a:endParaRPr sz="1300">
+              <a:solidFill>
+                <a:schemeClr val="dk1"/>
+              </a:solidFill>
+              <a:latin typeface="Calibri"/>
+              <a:ea typeface="Calibri"/>
+              <a:cs typeface="Calibri"/>
+              <a:sym typeface="Calibri"/>
+            </a:endParaRPr>
+          </a:p>
+          <a:p>
+            <a:pPr marL="228600" lvl="0" indent="-139700" algn="l" rtl="0">
+              <a:spcBef>
+                <a:spcPts val="0"/>
+              </a:spcBef>
+              <a:spcAft>
+                <a:spcPts val="0"/>
+              </a:spcAft>
+              <a:buClr>
+                <a:schemeClr val="dk1"/>
+              </a:buClr>
+              <a:buSzPts val="1300"/>
+              <a:buFont typeface="Calibri"/>
+              <a:buChar char="●"/>
+            </a:pPr>
+            <a:r>
+              <a:rPr lang="en" sz="1300">
+                <a:solidFill>
+                  <a:schemeClr val="dk1"/>
+                </a:solidFill>
+                <a:latin typeface="Calibri"/>
+                <a:ea typeface="Calibri"/>
+                <a:cs typeface="Calibri"/>
+                <a:sym typeface="Calibri"/>
+              </a:rPr>
+              <a:t>This shift is aiming at attracting more investors</a:t>
+            </a:r>
+            <a:endParaRPr sz="1300">
+              <a:solidFill>
+                <a:schemeClr val="dk1"/>
+              </a:solidFill>
+              <a:latin typeface="Calibri"/>
+              <a:ea typeface="Calibri"/>
+              <a:cs typeface="Calibri"/>
+              <a:sym typeface="Calibri"/>
+            </a:endParaRPr>
+          </a:p>
+          <a:p>
+            <a:pPr marL="228600" lvl="0" indent="-139700" algn="l" rtl="0">
+              <a:spcBef>
+                <a:spcPts val="0"/>
+              </a:spcBef>
+              <a:spcAft>
+                <a:spcPts val="0"/>
+              </a:spcAft>
+              <a:buClr>
+                <a:schemeClr val="dk1"/>
+              </a:buClr>
+              <a:buSzPts val="1300"/>
+              <a:buFont typeface="Calibri"/>
+              <a:buChar char="●"/>
+            </a:pPr>
+            <a:r>
+              <a:rPr lang="en" sz="1300">
+                <a:solidFill>
+                  <a:schemeClr val="dk1"/>
+                </a:solidFill>
+                <a:latin typeface="Calibri"/>
+                <a:ea typeface="Calibri"/>
+                <a:cs typeface="Calibri"/>
+                <a:sym typeface="Calibri"/>
+              </a:rPr>
+              <a:t>The company valuation is at $150 billion.</a:t>
+            </a:r>
+            <a:endParaRPr sz="1300">
+              <a:solidFill>
+                <a:schemeClr val="dk1"/>
+              </a:solidFill>
+              <a:latin typeface="Calibri"/>
+              <a:ea typeface="Calibri"/>
+              <a:cs typeface="Calibri"/>
+              <a:sym typeface="Calibri"/>
+            </a:endParaRPr>
+          </a:p>
+          <a:p>
+            <a:pPr marL="228600" lvl="0" indent="-139700" algn="l" rtl="0">
+              <a:spcBef>
+                <a:spcPts val="0"/>
+              </a:spcBef>
+              <a:spcAft>
+                <a:spcPts val="0"/>
+              </a:spcAft>
+              <a:buClr>
+                <a:schemeClr val="dk1"/>
+              </a:buClr>
+              <a:buSzPts val="1300"/>
+              <a:buFont typeface="Calibri"/>
+              <a:buChar char="●"/>
+            </a:pPr>
+            <a:r>
+              <a:rPr lang="en" sz="1300">
+                <a:solidFill>
+                  <a:schemeClr val="dk1"/>
+                </a:solidFill>
+                <a:latin typeface="Calibri"/>
+                <a:ea typeface="Calibri"/>
+                <a:cs typeface="Calibri"/>
+                <a:sym typeface="Calibri"/>
+              </a:rPr>
+              <a:t>Sam Altman to receive 7% (estimated $10 Bln at current valuation)</a:t>
+            </a:r>
+            <a:endParaRPr sz="1300">
+              <a:solidFill>
+                <a:schemeClr val="dk1"/>
+              </a:solidFill>
+              <a:latin typeface="Calibri"/>
+              <a:ea typeface="Calibri"/>
+              <a:cs typeface="Calibri"/>
+              <a:sym typeface="Calibri"/>
+            </a:endParaRPr>
+          </a:p>
+          <a:p>
+            <a:pPr marL="228600" lvl="0" indent="-114300" algn="l" rtl="0">
+              <a:spcBef>
+                <a:spcPts val="0"/>
+              </a:spcBef>
+              <a:spcAft>
+                <a:spcPts val="0"/>
+              </a:spcAft>
+              <a:buClr>
+                <a:schemeClr val="dk1"/>
+              </a:buClr>
+              <a:buSzPts val="900"/>
+              <a:buFont typeface="Calibri"/>
+              <a:buChar char="●"/>
+            </a:pPr>
+            <a:r>
+              <a:rPr lang="en" sz="900" u="sng">
+                <a:solidFill>
+                  <a:schemeClr val="hlink"/>
+                </a:solidFill>
+                <a:latin typeface="Calibri"/>
+                <a:ea typeface="Calibri"/>
+                <a:cs typeface="Calibri"/>
+                <a:sym typeface="Calibri"/>
+                <a:hlinkClick r:id="rId3"/>
+              </a:rPr>
+              <a:t>https://twitter.com/MarioNawfal/status/1839044537940865304</a:t>
+            </a:r>
+            <a:r>
+              <a:rPr lang="en" sz="900">
+                <a:solidFill>
+                  <a:schemeClr val="dk1"/>
+                </a:solidFill>
+                <a:latin typeface="Calibri"/>
+                <a:ea typeface="Calibri"/>
+                <a:cs typeface="Calibri"/>
+                <a:sym typeface="Calibri"/>
+              </a:rPr>
+              <a:t> </a:t>
+            </a:r>
+            <a:endParaRPr sz="900">
+              <a:solidFill>
+                <a:schemeClr val="dk1"/>
+              </a:solidFill>
+              <a:latin typeface="Calibri"/>
+              <a:ea typeface="Calibri"/>
+              <a:cs typeface="Calibri"/>
+              <a:sym typeface="Calibri"/>
+            </a:endParaRPr>
+          </a:p>
+          <a:p>
+            <a:pPr marL="228600" lvl="0" indent="-114300" algn="l" rtl="0">
+              <a:spcBef>
+                <a:spcPts val="0"/>
+              </a:spcBef>
+              <a:spcAft>
+                <a:spcPts val="0"/>
+              </a:spcAft>
+              <a:buClr>
+                <a:schemeClr val="dk1"/>
+              </a:buClr>
+              <a:buSzPts val="900"/>
+              <a:buFont typeface="Calibri"/>
+              <a:buChar char="●"/>
+            </a:pPr>
+            <a:r>
+              <a:rPr lang="en" sz="900" u="sng">
+                <a:solidFill>
+                  <a:schemeClr val="hlink"/>
+                </a:solidFill>
+                <a:latin typeface="Calibri"/>
+                <a:ea typeface="Calibri"/>
+                <a:cs typeface="Calibri"/>
+                <a:sym typeface="Calibri"/>
+                <a:hlinkClick r:id="rId4"/>
+              </a:rPr>
+              <a:t>https://jucasoliveira.medium.com/openai-is-now-closedai-bd619f2cdb54</a:t>
+            </a:r>
+            <a:r>
+              <a:rPr lang="en" sz="900">
+                <a:solidFill>
+                  <a:schemeClr val="dk1"/>
+                </a:solidFill>
+                <a:latin typeface="Calibri"/>
+                <a:ea typeface="Calibri"/>
+                <a:cs typeface="Calibri"/>
+                <a:sym typeface="Calibri"/>
+              </a:rPr>
+              <a:t> </a:t>
+            </a:r>
+            <a:endParaRPr sz="900">
+              <a:solidFill>
+                <a:schemeClr val="dk1"/>
+              </a:solidFill>
+              <a:latin typeface="Calibri"/>
+              <a:ea typeface="Calibri"/>
+              <a:cs typeface="Calibri"/>
+              <a:sym typeface="Calibri"/>
+            </a:endParaRPr>
+          </a:p>
+        </p:txBody>
+      </p:sp>
+      <p:pic>
+        <p:nvPicPr>
+          <p:cNvPr id="99" name="Google Shape;99;p18"/>
+          <p:cNvPicPr preferRelativeResize="0"/>
+          <p:nvPr/>
+        </p:nvPicPr>
+        <p:blipFill>
+          <a:blip r:embed="rId5" cstate="email">
+            <a:alphaModFix/>
+            <a:extLst>
+              <a:ext uri="{28A0092B-C50C-407E-A947-70E740481C1C}">
+                <a14:useLocalDpi xmlns:a14="http://schemas.microsoft.com/office/drawing/2010/main"/>
+              </a:ext>
+            </a:extLst>
+          </a:blip>
+          <a:stretch>
+            <a:fillRect/>
+          </a:stretch>
+        </p:blipFill>
+        <p:spPr>
+          <a:xfrm>
+            <a:off x="5953125" y="2590898"/>
+            <a:ext cx="2403475" cy="1617350"/>
+          </a:xfrm>
+          <a:prstGeom prst="rect">
+            <a:avLst/>
+          </a:prstGeom>
+          <a:noFill/>
+          <a:ln>
+            <a:noFill/>
+          </a:ln>
+        </p:spPr>
+      </p:pic>
+      <p:pic>
+        <p:nvPicPr>
+          <p:cNvPr id="100" name="Google Shape;100;p18"/>
+          <p:cNvPicPr preferRelativeResize="0"/>
+          <p:nvPr/>
+        </p:nvPicPr>
+        <p:blipFill rotWithShape="1">
+          <a:blip r:embed="rId6" cstate="email">
+            <a:alphaModFix/>
+            <a:extLst>
+              <a:ext uri="{28A0092B-C50C-407E-A947-70E740481C1C}">
+                <a14:useLocalDpi xmlns:a14="http://schemas.microsoft.com/office/drawing/2010/main"/>
+              </a:ext>
+            </a:extLst>
+          </a:blip>
+          <a:srcRect/>
+          <a:stretch/>
+        </p:blipFill>
+        <p:spPr>
+          <a:xfrm>
+            <a:off x="6011813" y="1063625"/>
+            <a:ext cx="2286100" cy="873125"/>
+          </a:xfrm>
+          <a:prstGeom prst="rect">
+            <a:avLst/>
+          </a:prstGeom>
+          <a:noFill/>
+          <a:ln>
+            <a:noFill/>
+          </a:ln>
+        </p:spPr>
+      </p:pic>
+      <p:sp>
+        <p:nvSpPr>
+          <p:cNvPr id="101" name="Google Shape;101;p18"/>
+          <p:cNvSpPr txBox="1"/>
+          <p:nvPr/>
+        </p:nvSpPr>
+        <p:spPr>
+          <a:xfrm>
+            <a:off x="244150" y="3375575"/>
+            <a:ext cx="2821500" cy="818700"/>
+          </a:xfrm>
+          <a:prstGeom prst="rect">
+            <a:avLst/>
+          </a:prstGeom>
+          <a:solidFill>
+            <a:srgbClr val="FFF2CC"/>
+          </a:solidFill>
+          <a:ln w="9525" cap="flat" cmpd="sng">
+            <a:solidFill>
+              <a:srgbClr val="FF0000"/>
+            </a:solidFill>
+            <a:prstDash val="solid"/>
+            <a:round/>
+            <a:headEnd type="none" w="sm" len="sm"/>
+            <a:tailEnd type="none" w="sm" len="sm"/>
+          </a:ln>
+        </p:spPr>
+        <p:txBody>
+          <a:bodyPr spcFirstLastPara="1" wrap="square" lIns="9125" tIns="9125" rIns="9125" bIns="9125" anchor="t" anchorCtr="0">
+            <a:spAutoFit/>
+          </a:bodyPr>
+          <a:lstStyle/>
+          <a:p>
+            <a:pPr marL="0" lvl="0" indent="0" algn="l" rtl="0">
+              <a:spcBef>
+                <a:spcPts val="0"/>
+              </a:spcBef>
+              <a:spcAft>
+                <a:spcPts val="0"/>
+              </a:spcAft>
+              <a:buNone/>
+            </a:pPr>
+            <a:r>
+              <a:rPr lang="en" sz="1300" b="1">
+                <a:solidFill>
+                  <a:srgbClr val="FF0000"/>
+                </a:solidFill>
+                <a:latin typeface="Calibri"/>
+                <a:ea typeface="Calibri"/>
+                <a:cs typeface="Calibri"/>
+                <a:sym typeface="Calibri"/>
+              </a:rPr>
+              <a:t>Leaving OpenAI:</a:t>
+            </a:r>
+            <a:endParaRPr sz="1300" b="1">
+              <a:solidFill>
+                <a:srgbClr val="FF0000"/>
+              </a:solidFill>
+              <a:latin typeface="Calibri"/>
+              <a:ea typeface="Calibri"/>
+              <a:cs typeface="Calibri"/>
+              <a:sym typeface="Calibri"/>
+            </a:endParaRPr>
+          </a:p>
+          <a:p>
+            <a:pPr marL="228600" lvl="0" indent="-139700" algn="l" rtl="0">
+              <a:spcBef>
+                <a:spcPts val="0"/>
+              </a:spcBef>
+              <a:spcAft>
+                <a:spcPts val="0"/>
+              </a:spcAft>
+              <a:buClr>
+                <a:srgbClr val="3C78D8"/>
+              </a:buClr>
+              <a:buSzPts val="1300"/>
+              <a:buFont typeface="Calibri"/>
+              <a:buChar char="●"/>
+            </a:pPr>
+            <a:r>
+              <a:rPr lang="en" sz="1300" b="1">
+                <a:solidFill>
+                  <a:srgbClr val="3C78D8"/>
+                </a:solidFill>
+                <a:latin typeface="Calibri"/>
+                <a:ea typeface="Calibri"/>
+                <a:cs typeface="Calibri"/>
+                <a:sym typeface="Calibri"/>
+              </a:rPr>
+              <a:t>Mira Murati, CTO</a:t>
+            </a:r>
+            <a:endParaRPr sz="1300" b="1">
+              <a:solidFill>
+                <a:srgbClr val="3C78D8"/>
+              </a:solidFill>
+              <a:latin typeface="Calibri"/>
+              <a:ea typeface="Calibri"/>
+              <a:cs typeface="Calibri"/>
+              <a:sym typeface="Calibri"/>
+            </a:endParaRPr>
+          </a:p>
+          <a:p>
+            <a:pPr marL="228600" lvl="0" indent="-139700" algn="l" rtl="0">
+              <a:spcBef>
+                <a:spcPts val="0"/>
+              </a:spcBef>
+              <a:spcAft>
+                <a:spcPts val="0"/>
+              </a:spcAft>
+              <a:buClr>
+                <a:srgbClr val="3C78D8"/>
+              </a:buClr>
+              <a:buSzPts val="1300"/>
+              <a:buFont typeface="Calibri"/>
+              <a:buChar char="●"/>
+            </a:pPr>
+            <a:r>
+              <a:rPr lang="en" sz="1300" b="1">
+                <a:solidFill>
+                  <a:srgbClr val="3C78D8"/>
+                </a:solidFill>
+                <a:latin typeface="Calibri"/>
+                <a:ea typeface="Calibri"/>
+                <a:cs typeface="Calibri"/>
+                <a:sym typeface="Calibri"/>
+              </a:rPr>
+              <a:t>Bob McGrew, Chief Research Officer</a:t>
+            </a:r>
+            <a:endParaRPr sz="1300" b="1">
+              <a:solidFill>
+                <a:srgbClr val="3C78D8"/>
+              </a:solidFill>
+              <a:latin typeface="Calibri"/>
+              <a:ea typeface="Calibri"/>
+              <a:cs typeface="Calibri"/>
+              <a:sym typeface="Calibri"/>
+            </a:endParaRPr>
+          </a:p>
+          <a:p>
+            <a:pPr marL="228600" lvl="0" indent="-139700" algn="l" rtl="0">
+              <a:spcBef>
+                <a:spcPts val="0"/>
+              </a:spcBef>
+              <a:spcAft>
+                <a:spcPts val="0"/>
+              </a:spcAft>
+              <a:buClr>
+                <a:srgbClr val="3C78D8"/>
+              </a:buClr>
+              <a:buSzPts val="1300"/>
+              <a:buFont typeface="Calibri"/>
+              <a:buChar char="●"/>
+            </a:pPr>
+            <a:r>
+              <a:rPr lang="en" sz="1300" b="1">
+                <a:solidFill>
+                  <a:srgbClr val="3C78D8"/>
+                </a:solidFill>
+                <a:latin typeface="Calibri"/>
+                <a:ea typeface="Calibri"/>
+                <a:cs typeface="Calibri"/>
+                <a:sym typeface="Calibri"/>
+              </a:rPr>
+              <a:t>Barret Zoph, VP Research </a:t>
+            </a:r>
+            <a:endParaRPr sz="1300" b="1">
+              <a:solidFill>
+                <a:srgbClr val="3C78D8"/>
+              </a:solidFill>
+              <a:latin typeface="Calibri"/>
+              <a:ea typeface="Calibri"/>
+              <a:cs typeface="Calibri"/>
+              <a:sym typeface="Calibri"/>
+            </a:endParaRPr>
+          </a:p>
+        </p:txBody>
+      </p:sp>
+      <p:pic>
+        <p:nvPicPr>
+          <p:cNvPr id="102" name="Google Shape;102;p18"/>
+          <p:cNvPicPr preferRelativeResize="0"/>
+          <p:nvPr/>
+        </p:nvPicPr>
+        <p:blipFill rotWithShape="1">
+          <a:blip r:embed="rId7" cstate="email">
+            <a:alphaModFix/>
+            <a:extLst>
+              <a:ext uri="{28A0092B-C50C-407E-A947-70E740481C1C}">
+                <a14:useLocalDpi xmlns:a14="http://schemas.microsoft.com/office/drawing/2010/main"/>
+              </a:ext>
+            </a:extLst>
+          </a:blip>
+          <a:srcRect/>
+          <a:stretch/>
+        </p:blipFill>
+        <p:spPr>
+          <a:xfrm>
+            <a:off x="2334200" y="4104875"/>
+            <a:ext cx="731420" cy="818700"/>
+          </a:xfrm>
+          <a:prstGeom prst="rect">
+            <a:avLst/>
+          </a:prstGeom>
+          <a:noFill/>
+          <a:ln w="9525" cap="flat" cmpd="sng">
+            <a:solidFill>
+              <a:srgbClr val="FF0000"/>
+            </a:solidFill>
+            <a:prstDash val="solid"/>
+            <a:round/>
+            <a:headEnd type="none" w="sm" len="sm"/>
+            <a:tailEnd type="none" w="sm" len="sm"/>
+          </a:ln>
+        </p:spPr>
+      </p:pic>
+      <p:pic>
+        <p:nvPicPr>
+          <p:cNvPr id="103" name="Google Shape;103;p18"/>
+          <p:cNvPicPr preferRelativeResize="0"/>
+          <p:nvPr/>
+        </p:nvPicPr>
+        <p:blipFill>
+          <a:blip r:embed="rId8" cstate="email">
+            <a:alphaModFix/>
+            <a:extLst>
+              <a:ext uri="{28A0092B-C50C-407E-A947-70E740481C1C}">
+                <a14:useLocalDpi xmlns:a14="http://schemas.microsoft.com/office/drawing/2010/main"/>
+              </a:ext>
+            </a:extLst>
+          </a:blip>
+          <a:stretch>
+            <a:fillRect/>
+          </a:stretch>
+        </p:blipFill>
+        <p:spPr>
+          <a:xfrm>
+            <a:off x="3145000" y="4114075"/>
+            <a:ext cx="800300" cy="800300"/>
+          </a:xfrm>
+          <a:prstGeom prst="rect">
+            <a:avLst/>
+          </a:prstGeom>
+          <a:noFill/>
+          <a:ln w="9525" cap="flat" cmpd="sng">
+            <a:solidFill>
+              <a:srgbClr val="FF0000"/>
+            </a:solidFill>
+            <a:prstDash val="solid"/>
+            <a:round/>
+            <a:headEnd type="none" w="sm" len="sm"/>
+            <a:tailEnd type="none" w="sm" len="sm"/>
+          </a:ln>
+        </p:spPr>
+      </p:pic>
+      <p:pic>
+        <p:nvPicPr>
+          <p:cNvPr id="104" name="Google Shape;104;p18"/>
+          <p:cNvPicPr preferRelativeResize="0"/>
+          <p:nvPr/>
+        </p:nvPicPr>
+        <p:blipFill>
+          <a:blip r:embed="rId9" cstate="email">
+            <a:alphaModFix/>
+            <a:extLst>
+              <a:ext uri="{28A0092B-C50C-407E-A947-70E740481C1C}">
+                <a14:useLocalDpi xmlns:a14="http://schemas.microsoft.com/office/drawing/2010/main"/>
+              </a:ext>
+            </a:extLst>
+          </a:blip>
+          <a:stretch>
+            <a:fillRect/>
+          </a:stretch>
+        </p:blipFill>
+        <p:spPr>
+          <a:xfrm>
+            <a:off x="4024667" y="4114075"/>
+            <a:ext cx="775858" cy="800300"/>
+          </a:xfrm>
+          <a:prstGeom prst="rect">
+            <a:avLst/>
+          </a:prstGeom>
+          <a:noFill/>
+          <a:ln w="9525" cap="flat" cmpd="sng">
+            <a:solidFill>
+              <a:srgbClr val="FF0000"/>
+            </a:solidFill>
+            <a:prstDash val="solid"/>
+            <a:round/>
+            <a:headEnd type="none" w="sm" len="sm"/>
+            <a:tailEnd type="none" w="sm" len="sm"/>
+          </a:ln>
+        </p:spPr>
+      </p:pic>
+      <p:sp>
+        <p:nvSpPr>
+          <p:cNvPr id="105" name="Google Shape;105;p18"/>
+          <p:cNvSpPr txBox="1"/>
+          <p:nvPr/>
+        </p:nvSpPr>
+        <p:spPr>
+          <a:xfrm>
+            <a:off x="264975" y="2504050"/>
+            <a:ext cx="5361000" cy="418500"/>
+          </a:xfrm>
+          <a:prstGeom prst="rect">
+            <a:avLst/>
+          </a:prstGeom>
+          <a:solidFill>
+            <a:srgbClr val="FFF2CC"/>
+          </a:solidFill>
+          <a:ln w="9525" cap="flat" cmpd="sng">
+            <a:solidFill>
+              <a:srgbClr val="FF0000"/>
+            </a:solidFill>
+            <a:prstDash val="solid"/>
+            <a:round/>
+            <a:headEnd type="none" w="sm" len="sm"/>
+            <a:tailEnd type="none" w="sm" len="sm"/>
+          </a:ln>
+        </p:spPr>
+        <p:txBody>
+          <a:bodyPr spcFirstLastPara="1" wrap="square" lIns="9125" tIns="9125" rIns="9125" bIns="9125" anchor="t" anchorCtr="0">
+            <a:spAutoFit/>
+          </a:bodyPr>
+          <a:lstStyle/>
+          <a:p>
+            <a:pPr marL="0" lvl="0" indent="0" algn="l" rtl="0">
+              <a:spcBef>
+                <a:spcPts val="0"/>
+              </a:spcBef>
+              <a:spcAft>
+                <a:spcPts val="0"/>
+              </a:spcAft>
+              <a:buNone/>
+            </a:pPr>
+            <a:r>
+              <a:rPr lang="en" sz="1300" b="1">
+                <a:solidFill>
+                  <a:srgbClr val="FF0000"/>
+                </a:solidFill>
+                <a:latin typeface="Calibri"/>
+                <a:ea typeface="Calibri"/>
+                <a:cs typeface="Calibri"/>
+                <a:sym typeface="Calibri"/>
+              </a:rPr>
+              <a:t>OpenAI continues to "ship like crazy" new models:</a:t>
+            </a:r>
+            <a:endParaRPr sz="1300" b="1">
+              <a:solidFill>
+                <a:srgbClr val="FF0000"/>
+              </a:solidFill>
+              <a:latin typeface="Calibri"/>
+              <a:ea typeface="Calibri"/>
+              <a:cs typeface="Calibri"/>
+              <a:sym typeface="Calibri"/>
+            </a:endParaRPr>
+          </a:p>
+          <a:p>
+            <a:pPr marL="0" lvl="0" indent="0" algn="l" rtl="0">
+              <a:spcBef>
+                <a:spcPts val="0"/>
+              </a:spcBef>
+              <a:spcAft>
+                <a:spcPts val="0"/>
+              </a:spcAft>
+              <a:buNone/>
+            </a:pPr>
+            <a:r>
+              <a:rPr lang="en" sz="1300" b="1">
+                <a:solidFill>
+                  <a:schemeClr val="dk1"/>
+                </a:solidFill>
+                <a:latin typeface="Calibri"/>
+                <a:ea typeface="Calibri"/>
+                <a:cs typeface="Calibri"/>
+                <a:sym typeface="Calibri"/>
+              </a:rPr>
+              <a:t>Strawberry (o1), Orion (in Winter), new Sora (video), ... </a:t>
+            </a:r>
+            <a:endParaRPr sz="1300" b="1">
+              <a:solidFill>
+                <a:schemeClr val="dk1"/>
+              </a:solidFill>
+              <a:latin typeface="Calibri"/>
+              <a:ea typeface="Calibri"/>
+              <a:cs typeface="Calibri"/>
+              <a:sym typeface="Calibri"/>
+            </a:endParaRPr>
+          </a:p>
+        </p:txBody>
+      </p:sp>
+    </p:spTree>
+  </p:cSld>
+  <p:clrMapOvr>
+    <a:masterClrMapping/>
+  </p:clrMapOvr>
+</p:sld>
+</file>
+
+<file path=ppt/slides/slide6.xml><?xml version="1.0" encoding="utf-8"?>
+<p:sld xmlns:a="http://schemas.openxmlformats.org/drawingml/2006/main" xmlns:r="http://schemas.openxmlformats.org/officeDocument/2006/relationships" xmlns:p="http://schemas.openxmlformats.org/presentationml/2006/main">
+  <p:cSld>
+    <p:spTree>
+      <p:nvGrpSpPr>
+        <p:cNvPr id="1" name="Shape 109"/>
+        <p:cNvGrpSpPr/>
+        <p:nvPr/>
+      </p:nvGrpSpPr>
+      <p:grpSpPr>
+        <a:xfrm>
+          <a:off x="0" y="0"/>
+          <a:ext cx="0" cy="0"/>
+          <a:chOff x="0" y="0"/>
+          <a:chExt cx="0" cy="0"/>
+        </a:xfrm>
+      </p:grpSpPr>
+      <p:sp>
+        <p:nvSpPr>
+          <p:cNvPr id="110" name="Google Shape;110;p19"/>
           <p:cNvSpPr txBox="1"/>
           <p:nvPr/>
         </p:nvSpPr>
@@ -24570,7 +27354,7 @@
       </p:sp>
       <p:sp>
         <p:nvSpPr>
-          <p:cNvPr id="97" name="Google Shape;97;p18"/>
+          <p:cNvPr id="111" name="Google Shape;111;p19"/>
           <p:cNvSpPr txBox="1"/>
           <p:nvPr/>
         </p:nvSpPr>
@@ -25049,7 +27833,7 @@
       </p:sp>
       <p:sp>
         <p:nvSpPr>
-          <p:cNvPr id="98" name="Google Shape;98;p18"/>
+          <p:cNvPr id="112" name="Google Shape;112;p19"/>
           <p:cNvSpPr txBox="1"/>
           <p:nvPr/>
         </p:nvSpPr>
@@ -25213,7 +27997,7 @@
       </p:sp>
       <p:pic>
         <p:nvPicPr>
-          <p:cNvPr id="99" name="Google Shape;99;p18"/>
+          <p:cNvPr id="113" name="Google Shape;113;p19"/>
           <p:cNvPicPr preferRelativeResize="0"/>
           <p:nvPr/>
         </p:nvPicPr>
@@ -25258,12 +28042,12 @@
 </p:sld>
 </file>
 
-<file path=ppt/slides/slide6.xml><?xml version="1.0" encoding="utf-8"?>
+<file path=ppt/slides/slide7.xml><?xml version="1.0" encoding="utf-8"?>
 <p:sld xmlns:a="http://schemas.openxmlformats.org/drawingml/2006/main" xmlns:r="http://schemas.openxmlformats.org/officeDocument/2006/relationships" xmlns:p="http://schemas.openxmlformats.org/presentationml/2006/main">
   <p:cSld>
     <p:spTree>
       <p:nvGrpSpPr>
-        <p:cNvPr id="1" name="Shape 103"/>
+        <p:cNvPr id="1" name="Shape 117"/>
         <p:cNvGrpSpPr/>
         <p:nvPr/>
       </p:nvGrpSpPr>
@@ -25277,7 +28061,7 @@
       </p:grpSpPr>
       <p:sp>
         <p:nvSpPr>
-          <p:cNvPr id="104" name="Google Shape;104;p19"/>
+          <p:cNvPr id="118" name="Google Shape;118;p20"/>
           <p:cNvSpPr txBox="1"/>
           <p:nvPr/>
         </p:nvSpPr>
@@ -25340,7 +28124,7 @@
       </p:sp>
       <p:sp>
         <p:nvSpPr>
-          <p:cNvPr id="105" name="Google Shape;105;p19"/>
+          <p:cNvPr id="119" name="Google Shape;119;p20"/>
           <p:cNvSpPr txBox="1"/>
           <p:nvPr/>
         </p:nvSpPr>
@@ -25529,7 +28313,7 @@
       </p:sp>
       <p:pic>
         <p:nvPicPr>
-          <p:cNvPr id="106" name="Google Shape;106;p19"/>
+          <p:cNvPr id="120" name="Google Shape;120;p20"/>
           <p:cNvPicPr preferRelativeResize="0"/>
           <p:nvPr/>
         </p:nvPicPr>
@@ -25567,7 +28351,7 @@
       </p:pic>
       <p:pic>
         <p:nvPicPr>
-          <p:cNvPr id="107" name="Google Shape;107;p19"/>
+          <p:cNvPr id="121" name="Google Shape;121;p20"/>
           <p:cNvPicPr preferRelativeResize="0"/>
           <p:nvPr/>
         </p:nvPicPr>
@@ -25612,12 +28396,12 @@
 </p:sld>
 </file>
 
-<file path=ppt/slides/slide7.xml><?xml version="1.0" encoding="utf-8"?>
+<file path=ppt/slides/slide8.xml><?xml version="1.0" encoding="utf-8"?>
 <p:sld xmlns:a="http://schemas.openxmlformats.org/drawingml/2006/main" xmlns:r="http://schemas.openxmlformats.org/officeDocument/2006/relationships" xmlns:p="http://schemas.openxmlformats.org/presentationml/2006/main">
   <p:cSld>
     <p:spTree>
       <p:nvGrpSpPr>
-        <p:cNvPr id="1" name="Shape 111"/>
+        <p:cNvPr id="1" name="Shape 125"/>
         <p:cNvGrpSpPr/>
         <p:nvPr/>
       </p:nvGrpSpPr>
@@ -25631,7 +28415,7 @@
       </p:grpSpPr>
       <p:sp>
         <p:nvSpPr>
-          <p:cNvPr id="112" name="Google Shape;112;p20"/>
+          <p:cNvPr id="126" name="Google Shape;126;p21"/>
           <p:cNvSpPr txBox="1"/>
           <p:nvPr/>
         </p:nvSpPr>
@@ -25694,7 +28478,7 @@
       </p:sp>
       <p:sp>
         <p:nvSpPr>
-          <p:cNvPr id="113" name="Google Shape;113;p20"/>
+          <p:cNvPr id="127" name="Google Shape;127;p21"/>
           <p:cNvSpPr txBox="1"/>
           <p:nvPr/>
         </p:nvSpPr>
@@ -25798,7 +28582,7 @@
                 <a:cs typeface="Calibri"/>
                 <a:sym typeface="Calibri"/>
               </a:rPr>
-              <a:t>Upload documents</a:t>
+              <a:t>Upload documents, also YouTube videos or Audio</a:t>
             </a:r>
             <a:endParaRPr sz="1300">
               <a:solidFill>
@@ -26062,7 +28846,7 @@
       </p:sp>
       <p:sp>
         <p:nvSpPr>
-          <p:cNvPr id="114" name="Google Shape;114;p20"/>
+          <p:cNvPr id="128" name="Google Shape;128;p21"/>
           <p:cNvSpPr txBox="1"/>
           <p:nvPr/>
         </p:nvSpPr>
@@ -26530,12 +29314,12 @@
 </p:sld>
 </file>
 
-<file path=ppt/slides/slide8.xml><?xml version="1.0" encoding="utf-8"?>
+<file path=ppt/slides/slide9.xml><?xml version="1.0" encoding="utf-8"?>
 <p:sld xmlns:a="http://schemas.openxmlformats.org/drawingml/2006/main" xmlns:r="http://schemas.openxmlformats.org/officeDocument/2006/relationships" xmlns:p="http://schemas.openxmlformats.org/presentationml/2006/main">
   <p:cSld>
     <p:spTree>
       <p:nvGrpSpPr>
-        <p:cNvPr id="1" name="Shape 118"/>
+        <p:cNvPr id="1" name="Shape 132"/>
         <p:cNvGrpSpPr/>
         <p:nvPr/>
       </p:nvGrpSpPr>
@@ -26549,7 +29333,7 @@
       </p:grpSpPr>
       <p:sp>
         <p:nvSpPr>
-          <p:cNvPr id="119" name="Google Shape;119;p21"/>
+          <p:cNvPr id="133" name="Google Shape;133;p22"/>
           <p:cNvSpPr txBox="1"/>
           <p:nvPr/>
         </p:nvSpPr>
@@ -26612,7 +29396,7 @@
       </p:sp>
       <p:sp>
         <p:nvSpPr>
-          <p:cNvPr id="120" name="Google Shape;120;p21"/>
+          <p:cNvPr id="134" name="Google Shape;134;p22"/>
           <p:cNvSpPr txBox="1"/>
           <p:nvPr/>
         </p:nvSpPr>
@@ -26701,7 +29485,7 @@
       </p:sp>
       <p:sp>
         <p:nvSpPr>
-          <p:cNvPr id="121" name="Google Shape;121;p21"/>
+          <p:cNvPr id="135" name="Google Shape;135;p22"/>
           <p:cNvSpPr txBox="1"/>
           <p:nvPr/>
         </p:nvSpPr>
@@ -26910,7 +29694,7 @@
       </p:sp>
       <p:pic>
         <p:nvPicPr>
-          <p:cNvPr id="122" name="Google Shape;122;p21"/>
+          <p:cNvPr id="136" name="Google Shape;136;p22"/>
           <p:cNvPicPr preferRelativeResize="0"/>
           <p:nvPr/>
         </p:nvPicPr>
@@ -26943,7 +29727,7 @@
       </p:pic>
       <p:pic>
         <p:nvPicPr>
-          <p:cNvPr id="123" name="Google Shape;123;p21"/>
+          <p:cNvPr id="137" name="Google Shape;137;p22"/>
           <p:cNvPicPr preferRelativeResize="0"/>
           <p:nvPr/>
         </p:nvPicPr>
@@ -26982,7 +29766,7 @@
       </p:pic>
       <p:pic>
         <p:nvPicPr>
-          <p:cNvPr id="124" name="Google Shape;124;p21"/>
+          <p:cNvPr id="138" name="Google Shape;138;p22"/>
           <p:cNvPicPr preferRelativeResize="0"/>
           <p:nvPr/>
         </p:nvPicPr>
@@ -27021,7 +29805,7 @@
       </p:pic>
       <p:sp>
         <p:nvSpPr>
-          <p:cNvPr id="125" name="Google Shape;125;p21"/>
+          <p:cNvPr id="139" name="Google Shape;139;p22"/>
           <p:cNvSpPr txBox="1"/>
           <p:nvPr/>
         </p:nvSpPr>
@@ -27119,7 +29903,7 @@
       </p:sp>
       <p:sp>
         <p:nvSpPr>
-          <p:cNvPr id="126" name="Google Shape;126;p21"/>
+          <p:cNvPr id="140" name="Google Shape;140;p22"/>
           <p:cNvSpPr txBox="1"/>
           <p:nvPr/>
         </p:nvSpPr>
@@ -27243,1457 +30027,6 @@
           </a:p>
         </p:txBody>
       </p:sp>
-    </p:spTree>
-  </p:cSld>
-  <p:clrMapOvr>
-    <a:masterClrMapping/>
-  </p:clrMapOvr>
-</p:sld>
-</file>
-
-<file path=ppt/slides/slide9.xml><?xml version="1.0" encoding="utf-8"?>
-<p:sld xmlns:a="http://schemas.openxmlformats.org/drawingml/2006/main" xmlns:r="http://schemas.openxmlformats.org/officeDocument/2006/relationships" xmlns:p="http://schemas.openxmlformats.org/presentationml/2006/main">
-  <p:cSld>
-    <p:spTree>
-      <p:nvGrpSpPr>
-        <p:cNvPr id="1" name="Shape 130"/>
-        <p:cNvGrpSpPr/>
-        <p:nvPr/>
-      </p:nvGrpSpPr>
-      <p:grpSpPr>
-        <a:xfrm>
-          <a:off x="0" y="0"/>
-          <a:ext cx="0" cy="0"/>
-          <a:chOff x="0" y="0"/>
-          <a:chExt cx="0" cy="0"/>
-        </a:xfrm>
-      </p:grpSpPr>
-      <p:sp>
-        <p:nvSpPr>
-          <p:cNvPr id="131" name="Google Shape;131;p22"/>
-          <p:cNvSpPr txBox="1"/>
-          <p:nvPr/>
-        </p:nvSpPr>
-        <p:spPr>
-          <a:xfrm>
-            <a:off x="91750" y="22650"/>
-            <a:ext cx="994500" cy="326400"/>
-          </a:xfrm>
-          <a:prstGeom prst="rect">
-            <a:avLst/>
-          </a:prstGeom>
-          <a:noFill/>
-          <a:ln>
-            <a:noFill/>
-          </a:ln>
-        </p:spPr>
-        <p:txBody>
-          <a:bodyPr spcFirstLastPara="1" wrap="square" lIns="9125" tIns="9125" rIns="9125" bIns="9125" anchor="t" anchorCtr="0">
-            <a:spAutoFit/>
-          </a:bodyPr>
-          <a:lstStyle/>
-          <a:p>
-            <a:pPr marL="0" lvl="0" indent="0" algn="l" rtl="0">
-              <a:spcBef>
-                <a:spcPts val="0"/>
-              </a:spcBef>
-              <a:spcAft>
-                <a:spcPts val="0"/>
-              </a:spcAft>
-              <a:buClr>
-                <a:schemeClr val="dk1"/>
-              </a:buClr>
-              <a:buSzPts val="1100"/>
-              <a:buFont typeface="Arial"/>
-              <a:buNone/>
-            </a:pPr>
-            <a:r>
-              <a:rPr lang="en" sz="2000" b="1">
-                <a:solidFill>
-                  <a:schemeClr val="dk1"/>
-                </a:solidFill>
-                <a:latin typeface="Calibri"/>
-                <a:ea typeface="Calibri"/>
-                <a:cs typeface="Calibri"/>
-                <a:sym typeface="Calibri"/>
-              </a:rPr>
-              <a:t>Misc 2</a:t>
-            </a:r>
-            <a:endParaRPr sz="2000" b="1">
-              <a:solidFill>
-                <a:schemeClr val="dk1"/>
-              </a:solidFill>
-              <a:latin typeface="Calibri"/>
-              <a:ea typeface="Calibri"/>
-              <a:cs typeface="Calibri"/>
-              <a:sym typeface="Calibri"/>
-            </a:endParaRPr>
-          </a:p>
-        </p:txBody>
-      </p:sp>
-      <p:sp>
-        <p:nvSpPr>
-          <p:cNvPr id="132" name="Google Shape;132;p22"/>
-          <p:cNvSpPr txBox="1"/>
-          <p:nvPr/>
-        </p:nvSpPr>
-        <p:spPr>
-          <a:xfrm>
-            <a:off x="91750" y="367541"/>
-            <a:ext cx="4434300" cy="1527000"/>
-          </a:xfrm>
-          <a:prstGeom prst="rect">
-            <a:avLst/>
-          </a:prstGeom>
-          <a:solidFill>
-            <a:srgbClr val="FFF2CC"/>
-          </a:solidFill>
-          <a:ln w="9525" cap="flat" cmpd="sng">
-            <a:solidFill>
-              <a:srgbClr val="FF0000"/>
-            </a:solidFill>
-            <a:prstDash val="solid"/>
-            <a:round/>
-            <a:headEnd type="none" w="sm" len="sm"/>
-            <a:tailEnd type="none" w="sm" len="sm"/>
-          </a:ln>
-        </p:spPr>
-        <p:txBody>
-          <a:bodyPr spcFirstLastPara="1" wrap="square" lIns="9125" tIns="9125" rIns="9125" bIns="9125" anchor="t" anchorCtr="0">
-            <a:spAutoFit/>
-          </a:bodyPr>
-          <a:lstStyle/>
-          <a:p>
-            <a:pPr marL="0" lvl="0" indent="0" algn="l" rtl="0">
-              <a:spcBef>
-                <a:spcPts val="0"/>
-              </a:spcBef>
-              <a:spcAft>
-                <a:spcPts val="0"/>
-              </a:spcAft>
-              <a:buClr>
-                <a:schemeClr val="dk1"/>
-              </a:buClr>
-              <a:buSzPts val="1100"/>
-              <a:buFont typeface="Arial"/>
-              <a:buNone/>
-            </a:pPr>
-            <a:r>
-              <a:rPr lang="en" sz="1300" b="1">
-                <a:solidFill>
-                  <a:srgbClr val="FF0000"/>
-                </a:solidFill>
-                <a:latin typeface="Calibri"/>
-                <a:ea typeface="Calibri"/>
-                <a:cs typeface="Calibri"/>
-                <a:sym typeface="Calibri"/>
-              </a:rPr>
-              <a:t>NVIDIA Llama 3.1-Nemotron-51B</a:t>
-            </a:r>
-            <a:endParaRPr sz="1300" b="1">
-              <a:solidFill>
-                <a:srgbClr val="FF0000"/>
-              </a:solidFill>
-              <a:latin typeface="Calibri"/>
-              <a:ea typeface="Calibri"/>
-              <a:cs typeface="Calibri"/>
-              <a:sym typeface="Calibri"/>
-            </a:endParaRPr>
-          </a:p>
-          <a:p>
-            <a:pPr marL="228600" lvl="0" indent="-139700" algn="l" rtl="0">
-              <a:spcBef>
-                <a:spcPts val="0"/>
-              </a:spcBef>
-              <a:spcAft>
-                <a:spcPts val="0"/>
-              </a:spcAft>
-              <a:buClr>
-                <a:schemeClr val="dk1"/>
-              </a:buClr>
-              <a:buSzPts val="1300"/>
-              <a:buFont typeface="Calibri"/>
-              <a:buChar char="●"/>
-            </a:pPr>
-            <a:r>
-              <a:rPr lang="en" sz="1300">
-                <a:solidFill>
-                  <a:schemeClr val="dk1"/>
-                </a:solidFill>
-                <a:latin typeface="Calibri"/>
-                <a:ea typeface="Calibri"/>
-                <a:cs typeface="Calibri"/>
-                <a:sym typeface="Calibri"/>
-              </a:rPr>
-              <a:t>derived from Meta’s Llama-3.1-70B</a:t>
-            </a:r>
-            <a:endParaRPr sz="1300">
-              <a:solidFill>
-                <a:schemeClr val="dk1"/>
-              </a:solidFill>
-              <a:latin typeface="Calibri"/>
-              <a:ea typeface="Calibri"/>
-              <a:cs typeface="Calibri"/>
-              <a:sym typeface="Calibri"/>
-            </a:endParaRPr>
-          </a:p>
-          <a:p>
-            <a:pPr marL="228600" lvl="0" indent="-139700" algn="l" rtl="0">
-              <a:spcBef>
-                <a:spcPts val="0"/>
-              </a:spcBef>
-              <a:spcAft>
-                <a:spcPts val="0"/>
-              </a:spcAft>
-              <a:buClr>
-                <a:schemeClr val="dk1"/>
-              </a:buClr>
-              <a:buSzPts val="1300"/>
-              <a:buFont typeface="Calibri"/>
-              <a:buChar char="●"/>
-            </a:pPr>
-            <a:r>
-              <a:rPr lang="en" sz="1300">
-                <a:solidFill>
-                  <a:schemeClr val="dk1"/>
-                </a:solidFill>
-                <a:latin typeface="Calibri"/>
-                <a:ea typeface="Calibri"/>
-                <a:cs typeface="Calibri"/>
-                <a:sym typeface="Calibri"/>
-              </a:rPr>
-              <a:t>uses a novel Neural Architecture Search (NAS) </a:t>
-            </a:r>
-            <a:endParaRPr sz="1300">
-              <a:solidFill>
-                <a:schemeClr val="dk1"/>
-              </a:solidFill>
-              <a:latin typeface="Calibri"/>
-              <a:ea typeface="Calibri"/>
-              <a:cs typeface="Calibri"/>
-              <a:sym typeface="Calibri"/>
-            </a:endParaRPr>
-          </a:p>
-          <a:p>
-            <a:pPr marL="228600" lvl="0" indent="-139700" algn="l" rtl="0">
-              <a:spcBef>
-                <a:spcPts val="0"/>
-              </a:spcBef>
-              <a:spcAft>
-                <a:spcPts val="0"/>
-              </a:spcAft>
-              <a:buClr>
-                <a:schemeClr val="dk1"/>
-              </a:buClr>
-              <a:buSzPts val="1300"/>
-              <a:buFont typeface="Calibri"/>
-              <a:buChar char="●"/>
-            </a:pPr>
-            <a:r>
-              <a:rPr lang="en" sz="1300">
-                <a:solidFill>
-                  <a:schemeClr val="dk1"/>
-                </a:solidFill>
-                <a:latin typeface="Calibri"/>
-                <a:ea typeface="Calibri"/>
-                <a:cs typeface="Calibri"/>
-                <a:sym typeface="Calibri"/>
-              </a:rPr>
-              <a:t>highly accurate and efficient</a:t>
-            </a:r>
-            <a:endParaRPr sz="1300">
-              <a:solidFill>
-                <a:schemeClr val="dk1"/>
-              </a:solidFill>
-              <a:latin typeface="Calibri"/>
-              <a:ea typeface="Calibri"/>
-              <a:cs typeface="Calibri"/>
-              <a:sym typeface="Calibri"/>
-            </a:endParaRPr>
-          </a:p>
-          <a:p>
-            <a:pPr marL="228600" lvl="0" indent="-139700" algn="l" rtl="0">
-              <a:spcBef>
-                <a:spcPts val="0"/>
-              </a:spcBef>
-              <a:spcAft>
-                <a:spcPts val="0"/>
-              </a:spcAft>
-              <a:buClr>
-                <a:schemeClr val="dk1"/>
-              </a:buClr>
-              <a:buSzPts val="1300"/>
-              <a:buFont typeface="Calibri"/>
-              <a:buChar char="●"/>
-            </a:pPr>
-            <a:r>
-              <a:rPr lang="en" sz="1300">
-                <a:solidFill>
-                  <a:schemeClr val="dk1"/>
-                </a:solidFill>
-                <a:latin typeface="Calibri"/>
-                <a:ea typeface="Calibri"/>
-                <a:cs typeface="Calibri"/>
-                <a:sym typeface="Calibri"/>
-              </a:rPr>
-              <a:t>fits on a single NVIDIA </a:t>
-            </a:r>
-            <a:r>
-              <a:rPr lang="en" sz="1300" b="1">
-                <a:solidFill>
-                  <a:srgbClr val="FF0000"/>
-                </a:solidFill>
-                <a:latin typeface="Calibri"/>
-                <a:ea typeface="Calibri"/>
-                <a:cs typeface="Calibri"/>
-                <a:sym typeface="Calibri"/>
-              </a:rPr>
-              <a:t>H100</a:t>
-            </a:r>
-            <a:r>
-              <a:rPr lang="en" sz="1300">
-                <a:solidFill>
-                  <a:schemeClr val="dk1"/>
-                </a:solidFill>
-                <a:latin typeface="Calibri"/>
-                <a:ea typeface="Calibri"/>
-                <a:cs typeface="Calibri"/>
-                <a:sym typeface="Calibri"/>
-              </a:rPr>
-              <a:t> GPU</a:t>
-            </a:r>
-            <a:endParaRPr sz="1300">
-              <a:solidFill>
-                <a:schemeClr val="dk1"/>
-              </a:solidFill>
-              <a:latin typeface="Calibri"/>
-              <a:ea typeface="Calibri"/>
-              <a:cs typeface="Calibri"/>
-              <a:sym typeface="Calibri"/>
-            </a:endParaRPr>
-          </a:p>
-          <a:p>
-            <a:pPr marL="228600" lvl="0" indent="-139700" algn="l" rtl="0">
-              <a:spcBef>
-                <a:spcPts val="0"/>
-              </a:spcBef>
-              <a:spcAft>
-                <a:spcPts val="0"/>
-              </a:spcAft>
-              <a:buClr>
-                <a:schemeClr val="dk1"/>
-              </a:buClr>
-              <a:buSzPts val="1300"/>
-              <a:buFont typeface="Calibri"/>
-              <a:buChar char="●"/>
-            </a:pPr>
-            <a:r>
-              <a:rPr lang="en" sz="1300">
-                <a:solidFill>
-                  <a:schemeClr val="dk1"/>
-                </a:solidFill>
-                <a:latin typeface="Calibri"/>
-                <a:ea typeface="Calibri"/>
-                <a:cs typeface="Calibri"/>
-                <a:sym typeface="Calibri"/>
-              </a:rPr>
-              <a:t>2..4 times faster than original Llama-3.1-70B</a:t>
-            </a:r>
-            <a:endParaRPr sz="1300">
-              <a:solidFill>
-                <a:schemeClr val="dk1"/>
-              </a:solidFill>
-              <a:latin typeface="Calibri"/>
-              <a:ea typeface="Calibri"/>
-              <a:cs typeface="Calibri"/>
-              <a:sym typeface="Calibri"/>
-            </a:endParaRPr>
-          </a:p>
-          <a:p>
-            <a:pPr marL="228600" lvl="0" indent="-120650" algn="l" rtl="0">
-              <a:spcBef>
-                <a:spcPts val="0"/>
-              </a:spcBef>
-              <a:spcAft>
-                <a:spcPts val="0"/>
-              </a:spcAft>
-              <a:buClr>
-                <a:schemeClr val="dk1"/>
-              </a:buClr>
-              <a:buSzPts val="1000"/>
-              <a:buFont typeface="Calibri"/>
-              <a:buChar char="●"/>
-            </a:pPr>
-            <a:r>
-              <a:rPr lang="en" sz="1000" u="sng">
-                <a:solidFill>
-                  <a:schemeClr val="hlink"/>
-                </a:solidFill>
-                <a:latin typeface="Calibri"/>
-                <a:ea typeface="Calibri"/>
-                <a:cs typeface="Calibri"/>
-                <a:sym typeface="Calibri"/>
-                <a:hlinkClick r:id="rId3"/>
-              </a:rPr>
-              <a:t>https://developer.nvidia.com/blog/advancing-the-accuracy-efficiency-frontier-with-llama-3-1-nemotron-51b/</a:t>
-            </a:r>
-            <a:r>
-              <a:rPr lang="en" sz="1000">
-                <a:solidFill>
-                  <a:schemeClr val="dk1"/>
-                </a:solidFill>
-                <a:latin typeface="Calibri"/>
-                <a:ea typeface="Calibri"/>
-                <a:cs typeface="Calibri"/>
-                <a:sym typeface="Calibri"/>
-              </a:rPr>
-              <a:t> </a:t>
-            </a:r>
-            <a:endParaRPr sz="1000">
-              <a:solidFill>
-                <a:schemeClr val="dk1"/>
-              </a:solidFill>
-              <a:latin typeface="Calibri"/>
-              <a:ea typeface="Calibri"/>
-              <a:cs typeface="Calibri"/>
-              <a:sym typeface="Calibri"/>
-            </a:endParaRPr>
-          </a:p>
-        </p:txBody>
-      </p:sp>
-      <p:sp>
-        <p:nvSpPr>
-          <p:cNvPr id="133" name="Google Shape;133;p22"/>
-          <p:cNvSpPr txBox="1"/>
-          <p:nvPr/>
-        </p:nvSpPr>
-        <p:spPr>
-          <a:xfrm>
-            <a:off x="91750" y="1951586"/>
-            <a:ext cx="4434300" cy="618600"/>
-          </a:xfrm>
-          <a:prstGeom prst="rect">
-            <a:avLst/>
-          </a:prstGeom>
-          <a:solidFill>
-            <a:srgbClr val="FFF2CC"/>
-          </a:solidFill>
-          <a:ln w="9525" cap="flat" cmpd="sng">
-            <a:solidFill>
-              <a:srgbClr val="FF0000"/>
-            </a:solidFill>
-            <a:prstDash val="solid"/>
-            <a:round/>
-            <a:headEnd type="none" w="sm" len="sm"/>
-            <a:tailEnd type="none" w="sm" len="sm"/>
-          </a:ln>
-        </p:spPr>
-        <p:txBody>
-          <a:bodyPr spcFirstLastPara="1" wrap="square" lIns="9125" tIns="9125" rIns="9125" bIns="9125" anchor="t" anchorCtr="0">
-            <a:spAutoFit/>
-          </a:bodyPr>
-          <a:lstStyle/>
-          <a:p>
-            <a:pPr marL="0" lvl="0" indent="0" algn="l" rtl="0">
-              <a:spcBef>
-                <a:spcPts val="0"/>
-              </a:spcBef>
-              <a:spcAft>
-                <a:spcPts val="0"/>
-              </a:spcAft>
-              <a:buNone/>
-            </a:pPr>
-            <a:r>
-              <a:rPr lang="en" sz="1300" b="1">
-                <a:solidFill>
-                  <a:srgbClr val="FF0000"/>
-                </a:solidFill>
-                <a:latin typeface="Calibri"/>
-                <a:ea typeface="Calibri"/>
-                <a:cs typeface="Calibri"/>
-                <a:sym typeface="Calibri"/>
-              </a:rPr>
-              <a:t>OpenAI</a:t>
-            </a:r>
-            <a:r>
-              <a:rPr lang="en" sz="1300">
-                <a:solidFill>
-                  <a:schemeClr val="dk1"/>
-                </a:solidFill>
-                <a:latin typeface="Calibri"/>
-                <a:ea typeface="Calibri"/>
-                <a:cs typeface="Calibri"/>
-                <a:sym typeface="Calibri"/>
-              </a:rPr>
-              <a:t> raising $5..7 Bln at ~$150 Bln valuation.</a:t>
-            </a:r>
-            <a:endParaRPr sz="1300">
-              <a:solidFill>
-                <a:schemeClr val="dk1"/>
-              </a:solidFill>
-              <a:latin typeface="Calibri"/>
-              <a:ea typeface="Calibri"/>
-              <a:cs typeface="Calibri"/>
-              <a:sym typeface="Calibri"/>
-            </a:endParaRPr>
-          </a:p>
-          <a:p>
-            <a:pPr marL="0" lvl="0" indent="0" algn="l" rtl="0">
-              <a:spcBef>
-                <a:spcPts val="0"/>
-              </a:spcBef>
-              <a:spcAft>
-                <a:spcPts val="0"/>
-              </a:spcAft>
-              <a:buNone/>
-            </a:pPr>
-            <a:r>
-              <a:rPr lang="en" sz="1300" b="1">
-                <a:solidFill>
-                  <a:srgbClr val="FF0000"/>
-                </a:solidFill>
-                <a:latin typeface="Calibri"/>
-                <a:ea typeface="Calibri"/>
-                <a:cs typeface="Calibri"/>
-                <a:sym typeface="Calibri"/>
-              </a:rPr>
-              <a:t>Anthropic</a:t>
-            </a:r>
-            <a:r>
-              <a:rPr lang="en" sz="1300">
-                <a:solidFill>
-                  <a:schemeClr val="dk1"/>
-                </a:solidFill>
-                <a:latin typeface="Calibri"/>
-                <a:ea typeface="Calibri"/>
-                <a:cs typeface="Calibri"/>
-                <a:sym typeface="Calibri"/>
-              </a:rPr>
-              <a:t> has begun discussions with new valuation $30-40 Bln, which is about double from last year.</a:t>
-            </a:r>
-            <a:endParaRPr sz="1000">
-              <a:solidFill>
-                <a:schemeClr val="dk1"/>
-              </a:solidFill>
-              <a:latin typeface="Calibri"/>
-              <a:ea typeface="Calibri"/>
-              <a:cs typeface="Calibri"/>
-              <a:sym typeface="Calibri"/>
-            </a:endParaRPr>
-          </a:p>
-        </p:txBody>
-      </p:sp>
-      <p:sp>
-        <p:nvSpPr>
-          <p:cNvPr id="134" name="Google Shape;134;p22"/>
-          <p:cNvSpPr txBox="1"/>
-          <p:nvPr/>
-        </p:nvSpPr>
-        <p:spPr>
-          <a:xfrm>
-            <a:off x="5545201" y="55575"/>
-            <a:ext cx="3542100" cy="895800"/>
-          </a:xfrm>
-          <a:prstGeom prst="rect">
-            <a:avLst/>
-          </a:prstGeom>
-          <a:solidFill>
-            <a:srgbClr val="FFF2CC"/>
-          </a:solidFill>
-          <a:ln w="9525" cap="flat" cmpd="sng">
-            <a:solidFill>
-              <a:srgbClr val="FF0000"/>
-            </a:solidFill>
-            <a:prstDash val="solid"/>
-            <a:round/>
-            <a:headEnd type="none" w="sm" len="sm"/>
-            <a:tailEnd type="none" w="sm" len="sm"/>
-          </a:ln>
-        </p:spPr>
-        <p:txBody>
-          <a:bodyPr spcFirstLastPara="1" wrap="square" lIns="9125" tIns="9125" rIns="9125" bIns="9125" anchor="t" anchorCtr="0">
-            <a:spAutoFit/>
-          </a:bodyPr>
-          <a:lstStyle/>
-          <a:p>
-            <a:pPr marL="0" lvl="0" indent="0" algn="l" rtl="0">
-              <a:spcBef>
-                <a:spcPts val="0"/>
-              </a:spcBef>
-              <a:spcAft>
-                <a:spcPts val="0"/>
-              </a:spcAft>
-              <a:buNone/>
-            </a:pPr>
-            <a:r>
-              <a:rPr lang="en" sz="1300">
-                <a:solidFill>
-                  <a:schemeClr val="dk1"/>
-                </a:solidFill>
-                <a:latin typeface="Calibri"/>
-                <a:ea typeface="Calibri"/>
-                <a:cs typeface="Calibri"/>
-                <a:sym typeface="Calibri"/>
-              </a:rPr>
-              <a:t>Apple's former chief design officer, </a:t>
-            </a:r>
-            <a:r>
-              <a:rPr lang="en" sz="1300" b="1">
-                <a:solidFill>
-                  <a:srgbClr val="FF0000"/>
-                </a:solidFill>
-                <a:latin typeface="Calibri"/>
-                <a:ea typeface="Calibri"/>
-                <a:cs typeface="Calibri"/>
-                <a:sym typeface="Calibri"/>
-              </a:rPr>
-              <a:t>Jony Ive</a:t>
-            </a:r>
-            <a:r>
-              <a:rPr lang="en" sz="1300">
-                <a:solidFill>
-                  <a:schemeClr val="dk1"/>
-                </a:solidFill>
-                <a:latin typeface="Calibri"/>
-                <a:ea typeface="Calibri"/>
-                <a:cs typeface="Calibri"/>
-                <a:sym typeface="Calibri"/>
-              </a:rPr>
-              <a:t>, is collaborating with </a:t>
-            </a:r>
-            <a:r>
-              <a:rPr lang="en" sz="1300" b="1">
-                <a:solidFill>
-                  <a:srgbClr val="FF0000"/>
-                </a:solidFill>
-                <a:latin typeface="Calibri"/>
-                <a:ea typeface="Calibri"/>
-                <a:cs typeface="Calibri"/>
-                <a:sym typeface="Calibri"/>
-              </a:rPr>
-              <a:t>OpenAI CEO Sam Altman</a:t>
-            </a:r>
-            <a:r>
-              <a:rPr lang="en" sz="1300">
-                <a:solidFill>
-                  <a:schemeClr val="dk1"/>
-                </a:solidFill>
-                <a:latin typeface="Calibri"/>
-                <a:ea typeface="Calibri"/>
-                <a:cs typeface="Calibri"/>
-                <a:sym typeface="Calibri"/>
-              </a:rPr>
-              <a:t> on developing new AI device. </a:t>
-            </a:r>
-            <a:endParaRPr sz="1300">
-              <a:solidFill>
-                <a:schemeClr val="dk1"/>
-              </a:solidFill>
-              <a:latin typeface="Calibri"/>
-              <a:ea typeface="Calibri"/>
-              <a:cs typeface="Calibri"/>
-              <a:sym typeface="Calibri"/>
-            </a:endParaRPr>
-          </a:p>
-          <a:p>
-            <a:pPr marL="0" lvl="0" indent="0" algn="l" rtl="0">
-              <a:spcBef>
-                <a:spcPts val="0"/>
-              </a:spcBef>
-              <a:spcAft>
-                <a:spcPts val="0"/>
-              </a:spcAft>
-              <a:buNone/>
-            </a:pPr>
-            <a:r>
-              <a:rPr lang="en" sz="900" u="sng">
-                <a:solidFill>
-                  <a:schemeClr val="hlink"/>
-                </a:solidFill>
-                <a:latin typeface="Calibri"/>
-                <a:ea typeface="Calibri"/>
-                <a:cs typeface="Calibri"/>
-                <a:sym typeface="Calibri"/>
-                <a:hlinkClick r:id="rId4"/>
-              </a:rPr>
-              <a:t>https://www.engadget.com/ai/jony-ive-confirms-hes-working-with-sam-altman-on-a-secret-project-163201291.html</a:t>
-            </a:r>
-            <a:r>
-              <a:rPr lang="en" sz="900">
-                <a:solidFill>
-                  <a:schemeClr val="dk1"/>
-                </a:solidFill>
-                <a:latin typeface="Calibri"/>
-                <a:ea typeface="Calibri"/>
-                <a:cs typeface="Calibri"/>
-                <a:sym typeface="Calibri"/>
-              </a:rPr>
-              <a:t> </a:t>
-            </a:r>
-            <a:endParaRPr sz="900">
-              <a:solidFill>
-                <a:schemeClr val="dk1"/>
-              </a:solidFill>
-              <a:latin typeface="Calibri"/>
-              <a:ea typeface="Calibri"/>
-              <a:cs typeface="Calibri"/>
-              <a:sym typeface="Calibri"/>
-            </a:endParaRPr>
-          </a:p>
-        </p:txBody>
-      </p:sp>
-      <p:pic>
-        <p:nvPicPr>
-          <p:cNvPr id="135" name="Google Shape;135;p22"/>
-          <p:cNvPicPr preferRelativeResize="0"/>
-          <p:nvPr/>
-        </p:nvPicPr>
-        <p:blipFill>
-          <a:blip r:embed="rId5" cstate="email">
-            <a:alphaModFix/>
-            <a:extLst>
-              <a:ext uri="{28A0092B-C50C-407E-A947-70E740481C1C}">
-                <a14:useLocalDpi xmlns:a14="http://schemas.microsoft.com/office/drawing/2010/main"/>
-              </a:ext>
-            </a:extLst>
-          </a:blip>
-          <a:stretch>
-            <a:fillRect/>
-          </a:stretch>
-        </p:blipFill>
-        <p:spPr>
-          <a:xfrm>
-            <a:off x="4599051" y="72977"/>
-            <a:ext cx="873160" cy="895800"/>
-          </a:xfrm>
-          <a:prstGeom prst="rect">
-            <a:avLst/>
-          </a:prstGeom>
-          <a:noFill/>
-          <a:ln w="9525" cap="flat" cmpd="sng">
-            <a:solidFill>
-              <a:srgbClr val="FF0000"/>
-            </a:solidFill>
-            <a:prstDash val="solid"/>
-            <a:round/>
-            <a:headEnd type="none" w="sm" len="sm"/>
-            <a:tailEnd type="none" w="sm" len="sm"/>
-          </a:ln>
-        </p:spPr>
-      </p:pic>
-      <p:sp>
-        <p:nvSpPr>
-          <p:cNvPr id="136" name="Google Shape;136;p22"/>
-          <p:cNvSpPr txBox="1"/>
-          <p:nvPr/>
-        </p:nvSpPr>
-        <p:spPr>
-          <a:xfrm>
-            <a:off x="91750" y="2639720"/>
-            <a:ext cx="4434300" cy="818700"/>
-          </a:xfrm>
-          <a:prstGeom prst="rect">
-            <a:avLst/>
-          </a:prstGeom>
-          <a:solidFill>
-            <a:srgbClr val="FFF2CC"/>
-          </a:solidFill>
-          <a:ln w="9525" cap="flat" cmpd="sng">
-            <a:solidFill>
-              <a:srgbClr val="FF0000"/>
-            </a:solidFill>
-            <a:prstDash val="solid"/>
-            <a:round/>
-            <a:headEnd type="none" w="sm" len="sm"/>
-            <a:tailEnd type="none" w="sm" len="sm"/>
-          </a:ln>
-        </p:spPr>
-        <p:txBody>
-          <a:bodyPr spcFirstLastPara="1" wrap="square" lIns="9125" tIns="9125" rIns="9125" bIns="9125" anchor="t" anchorCtr="0">
-            <a:spAutoFit/>
-          </a:bodyPr>
-          <a:lstStyle/>
-          <a:p>
-            <a:pPr marL="0" lvl="0" indent="0" algn="l" rtl="0">
-              <a:spcBef>
-                <a:spcPts val="0"/>
-              </a:spcBef>
-              <a:spcAft>
-                <a:spcPts val="0"/>
-              </a:spcAft>
-              <a:buNone/>
-            </a:pPr>
-            <a:r>
-              <a:rPr lang="en" sz="1300" b="1">
-                <a:solidFill>
-                  <a:srgbClr val="FF0000"/>
-                </a:solidFill>
-                <a:latin typeface="Calibri"/>
-                <a:ea typeface="Calibri"/>
-                <a:cs typeface="Calibri"/>
-                <a:sym typeface="Calibri"/>
-              </a:rPr>
-              <a:t>South Korea; Solar Pro Preview</a:t>
-            </a:r>
-            <a:r>
-              <a:rPr lang="en" sz="1300">
-                <a:solidFill>
-                  <a:schemeClr val="dk1"/>
-                </a:solidFill>
-                <a:latin typeface="Calibri"/>
-                <a:ea typeface="Calibri"/>
-                <a:cs typeface="Calibri"/>
-                <a:sym typeface="Calibri"/>
-              </a:rPr>
-              <a:t>: The most intelligent LLM on a single GPU from Upstage - South Korean AI company</a:t>
-            </a:r>
-            <a:endParaRPr sz="1300">
-              <a:solidFill>
-                <a:schemeClr val="dk1"/>
-              </a:solidFill>
-              <a:latin typeface="Calibri"/>
-              <a:ea typeface="Calibri"/>
-              <a:cs typeface="Calibri"/>
-              <a:sym typeface="Calibri"/>
-            </a:endParaRPr>
-          </a:p>
-          <a:p>
-            <a:pPr marL="0" lvl="0" indent="0" algn="l" rtl="0">
-              <a:spcBef>
-                <a:spcPts val="0"/>
-              </a:spcBef>
-              <a:spcAft>
-                <a:spcPts val="0"/>
-              </a:spcAft>
-              <a:buNone/>
-            </a:pPr>
-            <a:r>
-              <a:rPr lang="en" sz="1300" u="sng">
-                <a:solidFill>
-                  <a:schemeClr val="hlink"/>
-                </a:solidFill>
-                <a:latin typeface="Calibri"/>
-                <a:ea typeface="Calibri"/>
-                <a:cs typeface="Calibri"/>
-                <a:sym typeface="Calibri"/>
-                <a:hlinkClick r:id="rId6"/>
-              </a:rPr>
-              <a:t>https://www.upstage.ai/products/solar-pro-preview</a:t>
-            </a:r>
-            <a:r>
-              <a:rPr lang="en" sz="1300">
-                <a:solidFill>
-                  <a:schemeClr val="dk1"/>
-                </a:solidFill>
-                <a:latin typeface="Calibri"/>
-                <a:ea typeface="Calibri"/>
-                <a:cs typeface="Calibri"/>
-                <a:sym typeface="Calibri"/>
-              </a:rPr>
-              <a:t> </a:t>
-            </a:r>
-            <a:endParaRPr sz="1300">
-              <a:solidFill>
-                <a:schemeClr val="dk1"/>
-              </a:solidFill>
-              <a:latin typeface="Calibri"/>
-              <a:ea typeface="Calibri"/>
-              <a:cs typeface="Calibri"/>
-              <a:sym typeface="Calibri"/>
-            </a:endParaRPr>
-          </a:p>
-          <a:p>
-            <a:pPr marL="0" lvl="0" indent="0" algn="l" rtl="0">
-              <a:spcBef>
-                <a:spcPts val="0"/>
-              </a:spcBef>
-              <a:spcAft>
-                <a:spcPts val="0"/>
-              </a:spcAft>
-              <a:buNone/>
-            </a:pPr>
-            <a:r>
-              <a:rPr lang="en" sz="1300" u="sng">
-                <a:solidFill>
-                  <a:schemeClr val="hlink"/>
-                </a:solidFill>
-                <a:latin typeface="Calibri"/>
-                <a:ea typeface="Calibri"/>
-                <a:cs typeface="Calibri"/>
-                <a:sym typeface="Calibri"/>
-                <a:hlinkClick r:id="rId7"/>
-              </a:rPr>
-              <a:t>https://huggingface.co/upstage/solar-pro-preview-instruct</a:t>
-            </a:r>
-            <a:r>
-              <a:rPr lang="en" sz="1300">
-                <a:solidFill>
-                  <a:schemeClr val="dk1"/>
-                </a:solidFill>
-                <a:latin typeface="Calibri"/>
-                <a:ea typeface="Calibri"/>
-                <a:cs typeface="Calibri"/>
-                <a:sym typeface="Calibri"/>
-              </a:rPr>
-              <a:t> </a:t>
-            </a:r>
-            <a:endParaRPr sz="1300">
-              <a:solidFill>
-                <a:schemeClr val="dk1"/>
-              </a:solidFill>
-              <a:latin typeface="Calibri"/>
-              <a:ea typeface="Calibri"/>
-              <a:cs typeface="Calibri"/>
-              <a:sym typeface="Calibri"/>
-            </a:endParaRPr>
-          </a:p>
-        </p:txBody>
-      </p:sp>
-      <p:sp>
-        <p:nvSpPr>
-          <p:cNvPr id="137" name="Google Shape;137;p22"/>
-          <p:cNvSpPr txBox="1"/>
-          <p:nvPr/>
-        </p:nvSpPr>
-        <p:spPr>
-          <a:xfrm>
-            <a:off x="4749900" y="1065725"/>
-            <a:ext cx="4337400" cy="2619600"/>
-          </a:xfrm>
-          <a:prstGeom prst="rect">
-            <a:avLst/>
-          </a:prstGeom>
-          <a:solidFill>
-            <a:srgbClr val="FFF2CC"/>
-          </a:solidFill>
-          <a:ln w="9525" cap="flat" cmpd="sng">
-            <a:solidFill>
-              <a:srgbClr val="FF0000"/>
-            </a:solidFill>
-            <a:prstDash val="solid"/>
-            <a:round/>
-            <a:headEnd type="none" w="sm" len="sm"/>
-            <a:tailEnd type="none" w="sm" len="sm"/>
-          </a:ln>
-        </p:spPr>
-        <p:txBody>
-          <a:bodyPr spcFirstLastPara="1" wrap="square" lIns="9125" tIns="9125" rIns="9125" bIns="9125" anchor="t" anchorCtr="0">
-            <a:spAutoFit/>
-          </a:bodyPr>
-          <a:lstStyle/>
-          <a:p>
-            <a:pPr marL="0" lvl="0" indent="0" algn="l" rtl="0">
-              <a:spcBef>
-                <a:spcPts val="0"/>
-              </a:spcBef>
-              <a:spcAft>
-                <a:spcPts val="0"/>
-              </a:spcAft>
-              <a:buNone/>
-            </a:pPr>
-            <a:r>
-              <a:rPr lang="en" sz="1300" b="1">
-                <a:solidFill>
-                  <a:srgbClr val="FF0000"/>
-                </a:solidFill>
-                <a:latin typeface="Calibri"/>
-                <a:ea typeface="Calibri"/>
-                <a:cs typeface="Calibri"/>
-                <a:sym typeface="Calibri"/>
-              </a:rPr>
-              <a:t>Anthropic's Contextual Retrieval</a:t>
-            </a:r>
-            <a:r>
-              <a:rPr lang="en" sz="1300">
-                <a:solidFill>
-                  <a:schemeClr val="dk1"/>
-                </a:solidFill>
-                <a:latin typeface="Calibri"/>
-                <a:ea typeface="Calibri"/>
-                <a:cs typeface="Calibri"/>
-                <a:sym typeface="Calibri"/>
-              </a:rPr>
-              <a:t> - improve RAG by prepending chunk-specific explanatory context to each chunk before embedding ("Contextual Embeddings") and creating the BM25 index ("Contextual BM25"). BM25 (Best Match 25) is a ranking function similar to TF-IDF, but improved (doc length normalization, Term Frequency Saturation, tunable parameters). </a:t>
-            </a:r>
-            <a:endParaRPr sz="1300">
-              <a:solidFill>
-                <a:schemeClr val="dk1"/>
-              </a:solidFill>
-              <a:latin typeface="Calibri"/>
-              <a:ea typeface="Calibri"/>
-              <a:cs typeface="Calibri"/>
-              <a:sym typeface="Calibri"/>
-            </a:endParaRPr>
-          </a:p>
-          <a:p>
-            <a:pPr marL="0" lvl="0" indent="0" algn="l" rtl="0">
-              <a:spcBef>
-                <a:spcPts val="0"/>
-              </a:spcBef>
-              <a:spcAft>
-                <a:spcPts val="0"/>
-              </a:spcAft>
-              <a:buNone/>
-            </a:pPr>
-            <a:r>
-              <a:rPr lang="en" sz="1300" u="sng">
-                <a:solidFill>
-                  <a:schemeClr val="hlink"/>
-                </a:solidFill>
-                <a:latin typeface="Calibri"/>
-                <a:ea typeface="Calibri"/>
-                <a:cs typeface="Calibri"/>
-                <a:sym typeface="Calibri"/>
-                <a:hlinkClick r:id="rId8"/>
-              </a:rPr>
-              <a:t>https://www.anthropic.com/news/contextual-retrieval</a:t>
-            </a:r>
-            <a:r>
-              <a:rPr lang="en" sz="1300">
-                <a:solidFill>
-                  <a:schemeClr val="dk1"/>
-                </a:solidFill>
-                <a:latin typeface="Calibri"/>
-                <a:ea typeface="Calibri"/>
-                <a:cs typeface="Calibri"/>
-                <a:sym typeface="Calibri"/>
-              </a:rPr>
-              <a:t> </a:t>
-            </a:r>
-            <a:endParaRPr sz="1300">
-              <a:solidFill>
-                <a:schemeClr val="dk1"/>
-              </a:solidFill>
-              <a:latin typeface="Calibri"/>
-              <a:ea typeface="Calibri"/>
-              <a:cs typeface="Calibri"/>
-              <a:sym typeface="Calibri"/>
-            </a:endParaRPr>
-          </a:p>
-          <a:p>
-            <a:pPr marL="0" lvl="0" indent="0" algn="l" rtl="0">
-              <a:spcBef>
-                <a:spcPts val="0"/>
-              </a:spcBef>
-              <a:spcAft>
-                <a:spcPts val="0"/>
-              </a:spcAft>
-              <a:buClr>
-                <a:schemeClr val="dk1"/>
-              </a:buClr>
-              <a:buSzPts val="1100"/>
-              <a:buFont typeface="Arial"/>
-              <a:buNone/>
-            </a:pPr>
-            <a:r>
-              <a:rPr lang="en" sz="1300" b="1">
-                <a:solidFill>
-                  <a:srgbClr val="FF0000"/>
-                </a:solidFill>
-                <a:latin typeface="Calibri"/>
-                <a:ea typeface="Calibri"/>
-                <a:cs typeface="Calibri"/>
-                <a:sym typeface="Calibri"/>
-              </a:rPr>
-              <a:t>original_chunk</a:t>
-            </a:r>
-            <a:r>
-              <a:rPr lang="en" sz="1300" b="1">
-                <a:solidFill>
-                  <a:srgbClr val="3C78D8"/>
-                </a:solidFill>
-                <a:latin typeface="Calibri"/>
-                <a:ea typeface="Calibri"/>
-                <a:cs typeface="Calibri"/>
-                <a:sym typeface="Calibri"/>
-              </a:rPr>
-              <a:t> = "The company's revenue grew by 3% over the previous quarter."</a:t>
-            </a:r>
-            <a:endParaRPr sz="1300" b="1">
-              <a:solidFill>
-                <a:srgbClr val="3C78D8"/>
-              </a:solidFill>
-              <a:latin typeface="Calibri"/>
-              <a:ea typeface="Calibri"/>
-              <a:cs typeface="Calibri"/>
-              <a:sym typeface="Calibri"/>
-            </a:endParaRPr>
-          </a:p>
-          <a:p>
-            <a:pPr marL="0" lvl="0" indent="0" algn="l" rtl="0">
-              <a:spcBef>
-                <a:spcPts val="0"/>
-              </a:spcBef>
-              <a:spcAft>
-                <a:spcPts val="0"/>
-              </a:spcAft>
-              <a:buNone/>
-            </a:pPr>
-            <a:r>
-              <a:rPr lang="en" sz="1300" b="1">
-                <a:solidFill>
-                  <a:srgbClr val="FF0000"/>
-                </a:solidFill>
-                <a:latin typeface="Calibri"/>
-                <a:ea typeface="Calibri"/>
-                <a:cs typeface="Calibri"/>
-                <a:sym typeface="Calibri"/>
-              </a:rPr>
-              <a:t>contextualized_chunk</a:t>
-            </a:r>
-            <a:r>
-              <a:rPr lang="en" sz="1300">
-                <a:solidFill>
-                  <a:schemeClr val="dk1"/>
-                </a:solidFill>
-                <a:latin typeface="Calibri"/>
-                <a:ea typeface="Calibri"/>
-                <a:cs typeface="Calibri"/>
-                <a:sym typeface="Calibri"/>
-              </a:rPr>
-              <a:t> = "</a:t>
-            </a:r>
-            <a:r>
-              <a:rPr lang="en" sz="1300" b="1">
-                <a:solidFill>
-                  <a:srgbClr val="6AA84F"/>
-                </a:solidFill>
-                <a:latin typeface="Calibri"/>
-                <a:ea typeface="Calibri"/>
-                <a:cs typeface="Calibri"/>
-                <a:sym typeface="Calibri"/>
-              </a:rPr>
-              <a:t>This chunk is from an SEC filing on ACME corp's performance in Q2 2023; the previous quarter's revenue was $314 million. </a:t>
-            </a:r>
-            <a:r>
-              <a:rPr lang="en" sz="1300" b="1">
-                <a:solidFill>
-                  <a:srgbClr val="3C78D8"/>
-                </a:solidFill>
-                <a:latin typeface="Calibri"/>
-                <a:ea typeface="Calibri"/>
-                <a:cs typeface="Calibri"/>
-                <a:sym typeface="Calibri"/>
-              </a:rPr>
-              <a:t>The company's revenue grew by 3% over the previous quarter.</a:t>
-            </a:r>
-            <a:r>
-              <a:rPr lang="en" sz="1300">
-                <a:solidFill>
-                  <a:schemeClr val="dk1"/>
-                </a:solidFill>
-                <a:latin typeface="Calibri"/>
-                <a:ea typeface="Calibri"/>
-                <a:cs typeface="Calibri"/>
-                <a:sym typeface="Calibri"/>
-              </a:rPr>
-              <a:t>"</a:t>
-            </a:r>
-            <a:endParaRPr sz="1300">
-              <a:solidFill>
-                <a:schemeClr val="dk1"/>
-              </a:solidFill>
-              <a:latin typeface="Calibri"/>
-              <a:ea typeface="Calibri"/>
-              <a:cs typeface="Calibri"/>
-              <a:sym typeface="Calibri"/>
-            </a:endParaRPr>
-          </a:p>
-        </p:txBody>
-      </p:sp>
-      <p:sp>
-        <p:nvSpPr>
-          <p:cNvPr id="138" name="Google Shape;138;p22"/>
-          <p:cNvSpPr txBox="1"/>
-          <p:nvPr/>
-        </p:nvSpPr>
-        <p:spPr>
-          <a:xfrm>
-            <a:off x="91750" y="3527975"/>
-            <a:ext cx="2821500" cy="818700"/>
-          </a:xfrm>
-          <a:prstGeom prst="rect">
-            <a:avLst/>
-          </a:prstGeom>
-          <a:solidFill>
-            <a:srgbClr val="FFF2CC"/>
-          </a:solidFill>
-          <a:ln w="9525" cap="flat" cmpd="sng">
-            <a:solidFill>
-              <a:srgbClr val="FF0000"/>
-            </a:solidFill>
-            <a:prstDash val="solid"/>
-            <a:round/>
-            <a:headEnd type="none" w="sm" len="sm"/>
-            <a:tailEnd type="none" w="sm" len="sm"/>
-          </a:ln>
-        </p:spPr>
-        <p:txBody>
-          <a:bodyPr spcFirstLastPara="1" wrap="square" lIns="9125" tIns="9125" rIns="9125" bIns="9125" anchor="t" anchorCtr="0">
-            <a:spAutoFit/>
-          </a:bodyPr>
-          <a:lstStyle/>
-          <a:p>
-            <a:pPr marL="0" lvl="0" indent="0" algn="l" rtl="0">
-              <a:spcBef>
-                <a:spcPts val="0"/>
-              </a:spcBef>
-              <a:spcAft>
-                <a:spcPts val="0"/>
-              </a:spcAft>
-              <a:buNone/>
-            </a:pPr>
-            <a:r>
-              <a:rPr lang="en" sz="1300" b="1">
-                <a:solidFill>
-                  <a:srgbClr val="FF0000"/>
-                </a:solidFill>
-                <a:latin typeface="Calibri"/>
-                <a:ea typeface="Calibri"/>
-                <a:cs typeface="Calibri"/>
-                <a:sym typeface="Calibri"/>
-              </a:rPr>
-              <a:t>Leaving OpenAI:</a:t>
-            </a:r>
-            <a:endParaRPr sz="1300" b="1">
-              <a:solidFill>
-                <a:srgbClr val="FF0000"/>
-              </a:solidFill>
-              <a:latin typeface="Calibri"/>
-              <a:ea typeface="Calibri"/>
-              <a:cs typeface="Calibri"/>
-              <a:sym typeface="Calibri"/>
-            </a:endParaRPr>
-          </a:p>
-          <a:p>
-            <a:pPr marL="228600" lvl="0" indent="-139700" algn="l" rtl="0">
-              <a:spcBef>
-                <a:spcPts val="0"/>
-              </a:spcBef>
-              <a:spcAft>
-                <a:spcPts val="0"/>
-              </a:spcAft>
-              <a:buClr>
-                <a:srgbClr val="3C78D8"/>
-              </a:buClr>
-              <a:buSzPts val="1300"/>
-              <a:buFont typeface="Calibri"/>
-              <a:buChar char="●"/>
-            </a:pPr>
-            <a:r>
-              <a:rPr lang="en" sz="1300" b="1">
-                <a:solidFill>
-                  <a:srgbClr val="3C78D8"/>
-                </a:solidFill>
-                <a:latin typeface="Calibri"/>
-                <a:ea typeface="Calibri"/>
-                <a:cs typeface="Calibri"/>
-                <a:sym typeface="Calibri"/>
-              </a:rPr>
-              <a:t>Mira Murati, CTO</a:t>
-            </a:r>
-            <a:endParaRPr sz="1300" b="1">
-              <a:solidFill>
-                <a:srgbClr val="3C78D8"/>
-              </a:solidFill>
-              <a:latin typeface="Calibri"/>
-              <a:ea typeface="Calibri"/>
-              <a:cs typeface="Calibri"/>
-              <a:sym typeface="Calibri"/>
-            </a:endParaRPr>
-          </a:p>
-          <a:p>
-            <a:pPr marL="228600" lvl="0" indent="-139700" algn="l" rtl="0">
-              <a:spcBef>
-                <a:spcPts val="0"/>
-              </a:spcBef>
-              <a:spcAft>
-                <a:spcPts val="0"/>
-              </a:spcAft>
-              <a:buClr>
-                <a:srgbClr val="3C78D8"/>
-              </a:buClr>
-              <a:buSzPts val="1300"/>
-              <a:buFont typeface="Calibri"/>
-              <a:buChar char="●"/>
-            </a:pPr>
-            <a:r>
-              <a:rPr lang="en" sz="1300" b="1">
-                <a:solidFill>
-                  <a:srgbClr val="3C78D8"/>
-                </a:solidFill>
-                <a:latin typeface="Calibri"/>
-                <a:ea typeface="Calibri"/>
-                <a:cs typeface="Calibri"/>
-                <a:sym typeface="Calibri"/>
-              </a:rPr>
-              <a:t>Bob McGrew, Chief Research Officer</a:t>
-            </a:r>
-            <a:endParaRPr sz="1300" b="1">
-              <a:solidFill>
-                <a:srgbClr val="3C78D8"/>
-              </a:solidFill>
-              <a:latin typeface="Calibri"/>
-              <a:ea typeface="Calibri"/>
-              <a:cs typeface="Calibri"/>
-              <a:sym typeface="Calibri"/>
-            </a:endParaRPr>
-          </a:p>
-          <a:p>
-            <a:pPr marL="228600" lvl="0" indent="-139700" algn="l" rtl="0">
-              <a:spcBef>
-                <a:spcPts val="0"/>
-              </a:spcBef>
-              <a:spcAft>
-                <a:spcPts val="0"/>
-              </a:spcAft>
-              <a:buClr>
-                <a:srgbClr val="3C78D8"/>
-              </a:buClr>
-              <a:buSzPts val="1300"/>
-              <a:buFont typeface="Calibri"/>
-              <a:buChar char="●"/>
-            </a:pPr>
-            <a:r>
-              <a:rPr lang="en" sz="1300" b="1">
-                <a:solidFill>
-                  <a:srgbClr val="3C78D8"/>
-                </a:solidFill>
-                <a:latin typeface="Calibri"/>
-                <a:ea typeface="Calibri"/>
-                <a:cs typeface="Calibri"/>
-                <a:sym typeface="Calibri"/>
-              </a:rPr>
-              <a:t>Barret Zoph, VP Research </a:t>
-            </a:r>
-            <a:endParaRPr sz="1300" b="1">
-              <a:solidFill>
-                <a:srgbClr val="3C78D8"/>
-              </a:solidFill>
-              <a:latin typeface="Calibri"/>
-              <a:ea typeface="Calibri"/>
-              <a:cs typeface="Calibri"/>
-              <a:sym typeface="Calibri"/>
-            </a:endParaRPr>
-          </a:p>
-        </p:txBody>
-      </p:sp>
-      <p:pic>
-        <p:nvPicPr>
-          <p:cNvPr id="139" name="Google Shape;139;p22"/>
-          <p:cNvPicPr preferRelativeResize="0"/>
-          <p:nvPr/>
-        </p:nvPicPr>
-        <p:blipFill rotWithShape="1">
-          <a:blip r:embed="rId9" cstate="email">
-            <a:alphaModFix/>
-            <a:extLst>
-              <a:ext uri="{28A0092B-C50C-407E-A947-70E740481C1C}">
-                <a14:useLocalDpi xmlns:a14="http://schemas.microsoft.com/office/drawing/2010/main"/>
-              </a:ext>
-            </a:extLst>
-          </a:blip>
-          <a:srcRect/>
-          <a:stretch/>
-        </p:blipFill>
-        <p:spPr>
-          <a:xfrm>
-            <a:off x="2181800" y="4257275"/>
-            <a:ext cx="731420" cy="818700"/>
-          </a:xfrm>
-          <a:prstGeom prst="rect">
-            <a:avLst/>
-          </a:prstGeom>
-          <a:noFill/>
-          <a:ln w="9525" cap="flat" cmpd="sng">
-            <a:solidFill>
-              <a:srgbClr val="FF0000"/>
-            </a:solidFill>
-            <a:prstDash val="solid"/>
-            <a:round/>
-            <a:headEnd type="none" w="sm" len="sm"/>
-            <a:tailEnd type="none" w="sm" len="sm"/>
-          </a:ln>
-        </p:spPr>
-      </p:pic>
-      <p:pic>
-        <p:nvPicPr>
-          <p:cNvPr id="140" name="Google Shape;140;p22"/>
-          <p:cNvPicPr preferRelativeResize="0"/>
-          <p:nvPr/>
-        </p:nvPicPr>
-        <p:blipFill>
-          <a:blip r:embed="rId10" cstate="email">
-            <a:alphaModFix/>
-            <a:extLst>
-              <a:ext uri="{28A0092B-C50C-407E-A947-70E740481C1C}">
-                <a14:useLocalDpi xmlns:a14="http://schemas.microsoft.com/office/drawing/2010/main"/>
-              </a:ext>
-            </a:extLst>
-          </a:blip>
-          <a:stretch>
-            <a:fillRect/>
-          </a:stretch>
-        </p:blipFill>
-        <p:spPr>
-          <a:xfrm>
-            <a:off x="2992600" y="4266475"/>
-            <a:ext cx="800300" cy="800300"/>
-          </a:xfrm>
-          <a:prstGeom prst="rect">
-            <a:avLst/>
-          </a:prstGeom>
-          <a:noFill/>
-          <a:ln w="9525" cap="flat" cmpd="sng">
-            <a:solidFill>
-              <a:srgbClr val="FF0000"/>
-            </a:solidFill>
-            <a:prstDash val="solid"/>
-            <a:round/>
-            <a:headEnd type="none" w="sm" len="sm"/>
-            <a:tailEnd type="none" w="sm" len="sm"/>
-          </a:ln>
-        </p:spPr>
-      </p:pic>
-      <p:pic>
-        <p:nvPicPr>
-          <p:cNvPr id="141" name="Google Shape;141;p22"/>
-          <p:cNvPicPr preferRelativeResize="0"/>
-          <p:nvPr/>
-        </p:nvPicPr>
-        <p:blipFill>
-          <a:blip r:embed="rId11" cstate="email">
-            <a:alphaModFix/>
-            <a:extLst>
-              <a:ext uri="{28A0092B-C50C-407E-A947-70E740481C1C}">
-                <a14:useLocalDpi xmlns:a14="http://schemas.microsoft.com/office/drawing/2010/main"/>
-              </a:ext>
-            </a:extLst>
-          </a:blip>
-          <a:stretch>
-            <a:fillRect/>
-          </a:stretch>
-        </p:blipFill>
-        <p:spPr>
-          <a:xfrm>
-            <a:off x="3872267" y="4266475"/>
-            <a:ext cx="775858" cy="800300"/>
-          </a:xfrm>
-          <a:prstGeom prst="rect">
-            <a:avLst/>
-          </a:prstGeom>
-          <a:noFill/>
-          <a:ln w="9525" cap="flat" cmpd="sng">
-            <a:solidFill>
-              <a:srgbClr val="FF0000"/>
-            </a:solidFill>
-            <a:prstDash val="solid"/>
-            <a:round/>
-            <a:headEnd type="none" w="sm" len="sm"/>
-            <a:tailEnd type="none" w="sm" len="sm"/>
-          </a:ln>
-        </p:spPr>
-      </p:pic>
     </p:spTree>
   </p:cSld>
   <p:clrMapOvr>
